--- a/soutenance.pptx
+++ b/soutenance.pptx
@@ -4,12 +4,17 @@
   <p:sldMasterIdLst>
     <p:sldMasterId id="2147483696" r:id="rId1"/>
   </p:sldMasterIdLst>
+  <p:notesMasterIdLst>
+    <p:notesMasterId r:id="rId9"/>
+  </p:notesMasterIdLst>
   <p:sldIdLst>
     <p:sldId id="256" r:id="rId2"/>
     <p:sldId id="257" r:id="rId3"/>
     <p:sldId id="258" r:id="rId4"/>
     <p:sldId id="259" r:id="rId5"/>
-    <p:sldId id="260" r:id="rId6"/>
+    <p:sldId id="261" r:id="rId6"/>
+    <p:sldId id="262" r:id="rId7"/>
+    <p:sldId id="260" r:id="rId8"/>
   </p:sldIdLst>
   <p:sldSz cx="12192000" cy="6858000"/>
   <p:notesSz cx="6858000" cy="9144000"/>
@@ -108,7 +113,446 @@
       </a:defRPr>
     </a:lvl9pPr>
   </p:defaultTextStyle>
+  <p:extLst>
+    <p:ext uri="{EFAFB233-063F-42B5-8137-9DF3F51BA10A}">
+      <p15:sldGuideLst xmlns:p15="http://schemas.microsoft.com/office/powerpoint/2012/main"/>
+    </p:ext>
+  </p:extLst>
 </p:presentation>
+</file>
+
+<file path=ppt/notesMasters/notesMaster1.xml><?xml version="1.0" encoding="utf-8"?>
+<p:notesMaster xmlns:a="http://schemas.openxmlformats.org/drawingml/2006/main" xmlns:r="http://schemas.openxmlformats.org/officeDocument/2006/relationships" xmlns:p="http://schemas.openxmlformats.org/presentationml/2006/main">
+  <p:cSld>
+    <p:bg>
+      <p:bgRef idx="1001">
+        <a:schemeClr val="bg1"/>
+      </p:bgRef>
+    </p:bg>
+    <p:spTree>
+      <p:nvGrpSpPr>
+        <p:cNvPr id="1" name=""/>
+        <p:cNvGrpSpPr/>
+        <p:nvPr/>
+      </p:nvGrpSpPr>
+      <p:grpSpPr>
+        <a:xfrm>
+          <a:off x="0" y="0"/>
+          <a:ext cx="0" cy="0"/>
+          <a:chOff x="0" y="0"/>
+          <a:chExt cx="0" cy="0"/>
+        </a:xfrm>
+      </p:grpSpPr>
+      <p:sp>
+        <p:nvSpPr>
+          <p:cNvPr id="2" name="页眉占位符 1"/>
+          <p:cNvSpPr>
+            <a:spLocks noGrp="1"/>
+          </p:cNvSpPr>
+          <p:nvPr>
+            <p:ph type="hdr" sz="quarter"/>
+          </p:nvPr>
+        </p:nvSpPr>
+        <p:spPr>
+          <a:xfrm>
+            <a:off x="0" y="0"/>
+            <a:ext cx="2971800" cy="458788"/>
+          </a:xfrm>
+          <a:prstGeom prst="rect">
+            <a:avLst/>
+          </a:prstGeom>
+        </p:spPr>
+        <p:txBody>
+          <a:bodyPr vert="horz" lIns="91440" tIns="45720" rIns="91440" bIns="45720" rtlCol="0"/>
+          <a:lstStyle>
+            <a:lvl1pPr algn="l">
+              <a:defRPr sz="1200"/>
+            </a:lvl1pPr>
+          </a:lstStyle>
+          <a:p>
+            <a:endParaRPr lang="zh-CN" altLang="en-US"/>
+          </a:p>
+        </p:txBody>
+      </p:sp>
+      <p:sp>
+        <p:nvSpPr>
+          <p:cNvPr id="3" name="日期占位符 2"/>
+          <p:cNvSpPr>
+            <a:spLocks noGrp="1"/>
+          </p:cNvSpPr>
+          <p:nvPr>
+            <p:ph type="dt" idx="1"/>
+          </p:nvPr>
+        </p:nvSpPr>
+        <p:spPr>
+          <a:xfrm>
+            <a:off x="3884613" y="0"/>
+            <a:ext cx="2971800" cy="458788"/>
+          </a:xfrm>
+          <a:prstGeom prst="rect">
+            <a:avLst/>
+          </a:prstGeom>
+        </p:spPr>
+        <p:txBody>
+          <a:bodyPr vert="horz" lIns="91440" tIns="45720" rIns="91440" bIns="45720" rtlCol="0"/>
+          <a:lstStyle>
+            <a:lvl1pPr algn="r">
+              <a:defRPr sz="1200"/>
+            </a:lvl1pPr>
+          </a:lstStyle>
+          <a:p>
+            <a:fld id="{095B1C61-579E-4DA9-8679-E164153E3A05}" type="datetimeFigureOut">
+              <a:rPr lang="zh-CN" altLang="en-US" smtClean="0"/>
+              <a:t>2018/7/23</a:t>
+            </a:fld>
+            <a:endParaRPr lang="zh-CN" altLang="en-US"/>
+          </a:p>
+        </p:txBody>
+      </p:sp>
+      <p:sp>
+        <p:nvSpPr>
+          <p:cNvPr id="4" name="幻灯片图像占位符 3"/>
+          <p:cNvSpPr>
+            <a:spLocks noGrp="1" noRot="1" noChangeAspect="1"/>
+          </p:cNvSpPr>
+          <p:nvPr>
+            <p:ph type="sldImg" idx="2"/>
+          </p:nvPr>
+        </p:nvSpPr>
+        <p:spPr>
+          <a:xfrm>
+            <a:off x="685800" y="1143000"/>
+            <a:ext cx="5486400" cy="3086100"/>
+          </a:xfrm>
+          <a:prstGeom prst="rect">
+            <a:avLst/>
+          </a:prstGeom>
+          <a:noFill/>
+          <a:ln w="12700">
+            <a:solidFill>
+              <a:prstClr val="black"/>
+            </a:solidFill>
+          </a:ln>
+        </p:spPr>
+        <p:txBody>
+          <a:bodyPr vert="horz" lIns="91440" tIns="45720" rIns="91440" bIns="45720" rtlCol="0" anchor="ctr"/>
+          <a:lstStyle/>
+          <a:p>
+            <a:endParaRPr lang="zh-CN" altLang="en-US"/>
+          </a:p>
+        </p:txBody>
+      </p:sp>
+      <p:sp>
+        <p:nvSpPr>
+          <p:cNvPr id="5" name="备注占位符 4"/>
+          <p:cNvSpPr>
+            <a:spLocks noGrp="1"/>
+          </p:cNvSpPr>
+          <p:nvPr>
+            <p:ph type="body" sz="quarter" idx="3"/>
+          </p:nvPr>
+        </p:nvSpPr>
+        <p:spPr>
+          <a:xfrm>
+            <a:off x="685800" y="4400550"/>
+            <a:ext cx="5486400" cy="3600450"/>
+          </a:xfrm>
+          <a:prstGeom prst="rect">
+            <a:avLst/>
+          </a:prstGeom>
+        </p:spPr>
+        <p:txBody>
+          <a:bodyPr vert="horz" lIns="91440" tIns="45720" rIns="91440" bIns="45720" rtlCol="0"/>
+          <a:lstStyle/>
+          <a:p>
+            <a:pPr lvl="0"/>
+            <a:r>
+              <a:rPr lang="zh-CN" altLang="en-US" smtClean="0"/>
+              <a:t>单击此处编辑母版文本样式</a:t>
+            </a:r>
+          </a:p>
+          <a:p>
+            <a:pPr lvl="1"/>
+            <a:r>
+              <a:rPr lang="zh-CN" altLang="en-US" smtClean="0"/>
+              <a:t>第二级</a:t>
+            </a:r>
+          </a:p>
+          <a:p>
+            <a:pPr lvl="2"/>
+            <a:r>
+              <a:rPr lang="zh-CN" altLang="en-US" smtClean="0"/>
+              <a:t>第三级</a:t>
+            </a:r>
+          </a:p>
+          <a:p>
+            <a:pPr lvl="3"/>
+            <a:r>
+              <a:rPr lang="zh-CN" altLang="en-US" smtClean="0"/>
+              <a:t>第四级</a:t>
+            </a:r>
+          </a:p>
+          <a:p>
+            <a:pPr lvl="4"/>
+            <a:r>
+              <a:rPr lang="zh-CN" altLang="en-US" smtClean="0"/>
+              <a:t>第五级</a:t>
+            </a:r>
+            <a:endParaRPr lang="zh-CN" altLang="en-US"/>
+          </a:p>
+        </p:txBody>
+      </p:sp>
+      <p:sp>
+        <p:nvSpPr>
+          <p:cNvPr id="6" name="页脚占位符 5"/>
+          <p:cNvSpPr>
+            <a:spLocks noGrp="1"/>
+          </p:cNvSpPr>
+          <p:nvPr>
+            <p:ph type="ftr" sz="quarter" idx="4"/>
+          </p:nvPr>
+        </p:nvSpPr>
+        <p:spPr>
+          <a:xfrm>
+            <a:off x="0" y="8685213"/>
+            <a:ext cx="2971800" cy="458787"/>
+          </a:xfrm>
+          <a:prstGeom prst="rect">
+            <a:avLst/>
+          </a:prstGeom>
+        </p:spPr>
+        <p:txBody>
+          <a:bodyPr vert="horz" lIns="91440" tIns="45720" rIns="91440" bIns="45720" rtlCol="0" anchor="b"/>
+          <a:lstStyle>
+            <a:lvl1pPr algn="l">
+              <a:defRPr sz="1200"/>
+            </a:lvl1pPr>
+          </a:lstStyle>
+          <a:p>
+            <a:endParaRPr lang="zh-CN" altLang="en-US"/>
+          </a:p>
+        </p:txBody>
+      </p:sp>
+      <p:sp>
+        <p:nvSpPr>
+          <p:cNvPr id="7" name="灯片编号占位符 6"/>
+          <p:cNvSpPr>
+            <a:spLocks noGrp="1"/>
+          </p:cNvSpPr>
+          <p:nvPr>
+            <p:ph type="sldNum" sz="quarter" idx="5"/>
+          </p:nvPr>
+        </p:nvSpPr>
+        <p:spPr>
+          <a:xfrm>
+            <a:off x="3884613" y="8685213"/>
+            <a:ext cx="2971800" cy="458787"/>
+          </a:xfrm>
+          <a:prstGeom prst="rect">
+            <a:avLst/>
+          </a:prstGeom>
+        </p:spPr>
+        <p:txBody>
+          <a:bodyPr vert="horz" lIns="91440" tIns="45720" rIns="91440" bIns="45720" rtlCol="0" anchor="b"/>
+          <a:lstStyle>
+            <a:lvl1pPr algn="r">
+              <a:defRPr sz="1200"/>
+            </a:lvl1pPr>
+          </a:lstStyle>
+          <a:p>
+            <a:fld id="{8ABAAE60-170A-495B-92DA-672B0596722C}" type="slidenum">
+              <a:rPr lang="zh-CN" altLang="en-US" smtClean="0"/>
+              <a:t>‹#›</a:t>
+            </a:fld>
+            <a:endParaRPr lang="zh-CN" altLang="en-US"/>
+          </a:p>
+        </p:txBody>
+      </p:sp>
+    </p:spTree>
+    <p:extLst>
+      <p:ext uri="{BB962C8B-B14F-4D97-AF65-F5344CB8AC3E}">
+        <p14:creationId xmlns:p14="http://schemas.microsoft.com/office/powerpoint/2010/main" val="908751332"/>
+      </p:ext>
+    </p:extLst>
+  </p:cSld>
+  <p:clrMap bg1="lt1" tx1="dk1" bg2="lt2" tx2="dk2" accent1="accent1" accent2="accent2" accent3="accent3" accent4="accent4" accent5="accent5" accent6="accent6" hlink="hlink" folHlink="folHlink"/>
+  <p:notesStyle>
+    <a:lvl1pPr marL="0" algn="l" defTabSz="914400" rtl="0" eaLnBrk="1" latinLnBrk="0" hangingPunct="1">
+      <a:defRPr sz="1200" kern="1200">
+        <a:solidFill>
+          <a:schemeClr val="tx1"/>
+        </a:solidFill>
+        <a:latin typeface="+mn-lt"/>
+        <a:ea typeface="+mn-ea"/>
+        <a:cs typeface="+mn-cs"/>
+      </a:defRPr>
+    </a:lvl1pPr>
+    <a:lvl2pPr marL="457200" algn="l" defTabSz="914400" rtl="0" eaLnBrk="1" latinLnBrk="0" hangingPunct="1">
+      <a:defRPr sz="1200" kern="1200">
+        <a:solidFill>
+          <a:schemeClr val="tx1"/>
+        </a:solidFill>
+        <a:latin typeface="+mn-lt"/>
+        <a:ea typeface="+mn-ea"/>
+        <a:cs typeface="+mn-cs"/>
+      </a:defRPr>
+    </a:lvl2pPr>
+    <a:lvl3pPr marL="914400" algn="l" defTabSz="914400" rtl="0" eaLnBrk="1" latinLnBrk="0" hangingPunct="1">
+      <a:defRPr sz="1200" kern="1200">
+        <a:solidFill>
+          <a:schemeClr val="tx1"/>
+        </a:solidFill>
+        <a:latin typeface="+mn-lt"/>
+        <a:ea typeface="+mn-ea"/>
+        <a:cs typeface="+mn-cs"/>
+      </a:defRPr>
+    </a:lvl3pPr>
+    <a:lvl4pPr marL="1371600" algn="l" defTabSz="914400" rtl="0" eaLnBrk="1" latinLnBrk="0" hangingPunct="1">
+      <a:defRPr sz="1200" kern="1200">
+        <a:solidFill>
+          <a:schemeClr val="tx1"/>
+        </a:solidFill>
+        <a:latin typeface="+mn-lt"/>
+        <a:ea typeface="+mn-ea"/>
+        <a:cs typeface="+mn-cs"/>
+      </a:defRPr>
+    </a:lvl4pPr>
+    <a:lvl5pPr marL="1828800" algn="l" defTabSz="914400" rtl="0" eaLnBrk="1" latinLnBrk="0" hangingPunct="1">
+      <a:defRPr sz="1200" kern="1200">
+        <a:solidFill>
+          <a:schemeClr val="tx1"/>
+        </a:solidFill>
+        <a:latin typeface="+mn-lt"/>
+        <a:ea typeface="+mn-ea"/>
+        <a:cs typeface="+mn-cs"/>
+      </a:defRPr>
+    </a:lvl5pPr>
+    <a:lvl6pPr marL="2286000" algn="l" defTabSz="914400" rtl="0" eaLnBrk="1" latinLnBrk="0" hangingPunct="1">
+      <a:defRPr sz="1200" kern="1200">
+        <a:solidFill>
+          <a:schemeClr val="tx1"/>
+        </a:solidFill>
+        <a:latin typeface="+mn-lt"/>
+        <a:ea typeface="+mn-ea"/>
+        <a:cs typeface="+mn-cs"/>
+      </a:defRPr>
+    </a:lvl6pPr>
+    <a:lvl7pPr marL="2743200" algn="l" defTabSz="914400" rtl="0" eaLnBrk="1" latinLnBrk="0" hangingPunct="1">
+      <a:defRPr sz="1200" kern="1200">
+        <a:solidFill>
+          <a:schemeClr val="tx1"/>
+        </a:solidFill>
+        <a:latin typeface="+mn-lt"/>
+        <a:ea typeface="+mn-ea"/>
+        <a:cs typeface="+mn-cs"/>
+      </a:defRPr>
+    </a:lvl7pPr>
+    <a:lvl8pPr marL="3200400" algn="l" defTabSz="914400" rtl="0" eaLnBrk="1" latinLnBrk="0" hangingPunct="1">
+      <a:defRPr sz="1200" kern="1200">
+        <a:solidFill>
+          <a:schemeClr val="tx1"/>
+        </a:solidFill>
+        <a:latin typeface="+mn-lt"/>
+        <a:ea typeface="+mn-ea"/>
+        <a:cs typeface="+mn-cs"/>
+      </a:defRPr>
+    </a:lvl8pPr>
+    <a:lvl9pPr marL="3657600" algn="l" defTabSz="914400" rtl="0" eaLnBrk="1" latinLnBrk="0" hangingPunct="1">
+      <a:defRPr sz="1200" kern="1200">
+        <a:solidFill>
+          <a:schemeClr val="tx1"/>
+        </a:solidFill>
+        <a:latin typeface="+mn-lt"/>
+        <a:ea typeface="+mn-ea"/>
+        <a:cs typeface="+mn-cs"/>
+      </a:defRPr>
+    </a:lvl9pPr>
+  </p:notesStyle>
+</p:notesMaster>
+</file>
+
+<file path=ppt/notesSlides/notesSlide1.xml><?xml version="1.0" encoding="utf-8"?>
+<p:notes xmlns:a="http://schemas.openxmlformats.org/drawingml/2006/main" xmlns:r="http://schemas.openxmlformats.org/officeDocument/2006/relationships" xmlns:p="http://schemas.openxmlformats.org/presentationml/2006/main">
+  <p:cSld>
+    <p:spTree>
+      <p:nvGrpSpPr>
+        <p:cNvPr id="1" name=""/>
+        <p:cNvGrpSpPr/>
+        <p:nvPr/>
+      </p:nvGrpSpPr>
+      <p:grpSpPr>
+        <a:xfrm>
+          <a:off x="0" y="0"/>
+          <a:ext cx="0" cy="0"/>
+          <a:chOff x="0" y="0"/>
+          <a:chExt cx="0" cy="0"/>
+        </a:xfrm>
+      </p:grpSpPr>
+      <p:sp>
+        <p:nvSpPr>
+          <p:cNvPr id="2" name="幻灯片图像占位符 1"/>
+          <p:cNvSpPr>
+            <a:spLocks noGrp="1" noRot="1" noChangeAspect="1"/>
+          </p:cNvSpPr>
+          <p:nvPr>
+            <p:ph type="sldImg"/>
+          </p:nvPr>
+        </p:nvSpPr>
+        <p:spPr/>
+      </p:sp>
+      <p:sp>
+        <p:nvSpPr>
+          <p:cNvPr id="3" name="备注占位符 2"/>
+          <p:cNvSpPr>
+            <a:spLocks noGrp="1"/>
+          </p:cNvSpPr>
+          <p:nvPr>
+            <p:ph type="body" idx="1"/>
+          </p:nvPr>
+        </p:nvSpPr>
+        <p:spPr/>
+        <p:txBody>
+          <a:bodyPr/>
+          <a:lstStyle/>
+          <a:p>
+            <a:endParaRPr lang="zh-CN" altLang="en-US"/>
+          </a:p>
+        </p:txBody>
+      </p:sp>
+      <p:sp>
+        <p:nvSpPr>
+          <p:cNvPr id="4" name="灯片编号占位符 3"/>
+          <p:cNvSpPr>
+            <a:spLocks noGrp="1"/>
+          </p:cNvSpPr>
+          <p:nvPr>
+            <p:ph type="sldNum" sz="quarter" idx="10"/>
+          </p:nvPr>
+        </p:nvSpPr>
+        <p:spPr/>
+        <p:txBody>
+          <a:bodyPr/>
+          <a:lstStyle/>
+          <a:p>
+            <a:fld id="{8ABAAE60-170A-495B-92DA-672B0596722C}" type="slidenum">
+              <a:rPr lang="zh-CN" altLang="en-US" smtClean="0"/>
+              <a:t>1</a:t>
+            </a:fld>
+            <a:endParaRPr lang="zh-CN" altLang="en-US"/>
+          </a:p>
+        </p:txBody>
+      </p:sp>
+    </p:spTree>
+    <p:extLst>
+      <p:ext uri="{BB962C8B-B14F-4D97-AF65-F5344CB8AC3E}">
+        <p14:creationId xmlns:p14="http://schemas.microsoft.com/office/powerpoint/2010/main" val="798524951"/>
+      </p:ext>
+    </p:extLst>
+  </p:cSld>
+  <p:clrMapOvr>
+    <a:masterClrMapping/>
+  </p:clrMapOvr>
+</p:notes>
 </file>
 
 <file path=ppt/slideLayouts/slideLayout1.xml><?xml version="1.0" encoding="utf-8"?>
@@ -335,9 +779,9 @@
           <a:bodyPr/>
           <a:lstStyle/>
           <a:p>
-            <a:fld id="{D2BB608E-BC45-4B4E-88FE-EC897421FF76}" type="datetimeFigureOut">
-              <a:rPr lang="zh-CN" altLang="en-US" smtClean="0"/>
-              <a:t>2018/7/22</a:t>
+            <a:fld id="{32D18C51-0EE1-4905-AF3E-07E033F7D3B7}" type="datetime1">
+              <a:rPr lang="zh-CN" altLang="en-US" smtClean="0"/>
+              <a:t>2018/7/23</a:t>
             </a:fld>
             <a:endParaRPr lang="zh-CN" altLang="en-US"/>
           </a:p>
@@ -543,9 +987,9 @@
           <a:bodyPr/>
           <a:lstStyle/>
           <a:p>
-            <a:fld id="{D2BB608E-BC45-4B4E-88FE-EC897421FF76}" type="datetimeFigureOut">
-              <a:rPr lang="zh-CN" altLang="en-US" smtClean="0"/>
-              <a:t>2018/7/22</a:t>
+            <a:fld id="{5EAEC972-51FB-40B1-A2A4-B7E2C8605D2E}" type="datetime1">
+              <a:rPr lang="zh-CN" altLang="en-US" smtClean="0"/>
+              <a:t>2018/7/23</a:t>
             </a:fld>
             <a:endParaRPr lang="zh-CN" altLang="en-US"/>
           </a:p>
@@ -799,9 +1243,9 @@
           <a:bodyPr/>
           <a:lstStyle/>
           <a:p>
-            <a:fld id="{D2BB608E-BC45-4B4E-88FE-EC897421FF76}" type="datetimeFigureOut">
-              <a:rPr lang="zh-CN" altLang="en-US" smtClean="0"/>
-              <a:t>2018/7/22</a:t>
+            <a:fld id="{D011C0E1-9DBC-41CC-8725-F568B3915E34}" type="datetime1">
+              <a:rPr lang="zh-CN" altLang="en-US" smtClean="0"/>
+              <a:t>2018/7/23</a:t>
             </a:fld>
             <a:endParaRPr lang="zh-CN" altLang="en-US"/>
           </a:p>
@@ -969,9 +1413,9 @@
           <a:bodyPr/>
           <a:lstStyle/>
           <a:p>
-            <a:fld id="{D2BB608E-BC45-4B4E-88FE-EC897421FF76}" type="datetimeFigureOut">
-              <a:rPr lang="zh-CN" altLang="en-US" smtClean="0"/>
-              <a:t>2018/7/22</a:t>
+            <a:fld id="{E15201BF-9747-4EC1-B425-3EE5E892C453}" type="datetime1">
+              <a:rPr lang="zh-CN" altLang="en-US" smtClean="0"/>
+              <a:t>2018/7/23</a:t>
             </a:fld>
             <a:endParaRPr lang="zh-CN" altLang="en-US"/>
           </a:p>
@@ -1312,9 +1756,9 @@
           <a:bodyPr/>
           <a:lstStyle/>
           <a:p>
-            <a:fld id="{D2BB608E-BC45-4B4E-88FE-EC897421FF76}" type="datetimeFigureOut">
-              <a:rPr lang="zh-CN" altLang="en-US" smtClean="0"/>
-              <a:t>2018/7/22</a:t>
+            <a:fld id="{5B96F333-B227-4FC6-9773-2778768E37E8}" type="datetime1">
+              <a:rPr lang="zh-CN" altLang="en-US" smtClean="0"/>
+              <a:t>2018/7/23</a:t>
             </a:fld>
             <a:endParaRPr lang="zh-CN" altLang="en-US"/>
           </a:p>
@@ -1587,9 +2031,9 @@
           <a:bodyPr/>
           <a:lstStyle/>
           <a:p>
-            <a:fld id="{D2BB608E-BC45-4B4E-88FE-EC897421FF76}" type="datetimeFigureOut">
-              <a:rPr lang="zh-CN" altLang="en-US" smtClean="0"/>
-              <a:t>2018/7/22</a:t>
+            <a:fld id="{1E32971D-8FF1-419D-9C79-FFCAD53BF6BC}" type="datetime1">
+              <a:rPr lang="zh-CN" altLang="en-US" smtClean="0"/>
+              <a:t>2018/7/23</a:t>
             </a:fld>
             <a:endParaRPr lang="zh-CN" altLang="en-US"/>
           </a:p>
@@ -1966,9 +2410,9 @@
           <a:bodyPr/>
           <a:lstStyle/>
           <a:p>
-            <a:fld id="{D2BB608E-BC45-4B4E-88FE-EC897421FF76}" type="datetimeFigureOut">
-              <a:rPr lang="zh-CN" altLang="en-US" smtClean="0"/>
-              <a:t>2018/7/22</a:t>
+            <a:fld id="{33678D97-1828-4BDC-B266-93DF39B67E7C}" type="datetime1">
+              <a:rPr lang="zh-CN" altLang="en-US" smtClean="0"/>
+              <a:t>2018/7/23</a:t>
             </a:fld>
             <a:endParaRPr lang="zh-CN" altLang="en-US"/>
           </a:p>
@@ -2084,9 +2528,9 @@
           <a:bodyPr/>
           <a:lstStyle/>
           <a:p>
-            <a:fld id="{D2BB608E-BC45-4B4E-88FE-EC897421FF76}" type="datetimeFigureOut">
-              <a:rPr lang="zh-CN" altLang="en-US" smtClean="0"/>
-              <a:t>2018/7/22</a:t>
+            <a:fld id="{1BAE6D62-3218-4577-B9AF-F46EDED2AFC4}" type="datetime1">
+              <a:rPr lang="zh-CN" altLang="en-US" smtClean="0"/>
+              <a:t>2018/7/23</a:t>
             </a:fld>
             <a:endParaRPr lang="zh-CN" altLang="en-US"/>
           </a:p>
@@ -2255,9 +2699,9 @@
           <a:bodyPr/>
           <a:lstStyle/>
           <a:p>
-            <a:fld id="{D2BB608E-BC45-4B4E-88FE-EC897421FF76}" type="datetimeFigureOut">
-              <a:rPr lang="zh-CN" altLang="en-US" smtClean="0"/>
-              <a:t>2018/7/22</a:t>
+            <a:fld id="{37419D00-EE00-42B7-9906-066CE21FFEE8}" type="datetime1">
+              <a:rPr lang="zh-CN" altLang="en-US" smtClean="0"/>
+              <a:t>2018/7/23</a:t>
             </a:fld>
             <a:endParaRPr lang="zh-CN" altLang="en-US"/>
           </a:p>
@@ -2609,9 +3053,9 @@
             </a:lvl1pPr>
           </a:lstStyle>
           <a:p>
-            <a:fld id="{D2BB608E-BC45-4B4E-88FE-EC897421FF76}" type="datetimeFigureOut">
-              <a:rPr lang="zh-CN" altLang="en-US" smtClean="0"/>
-              <a:t>2018/7/22</a:t>
+            <a:fld id="{B6089481-0379-4AD6-8144-8735F57DDDE9}" type="datetime1">
+              <a:rPr lang="zh-CN" altLang="en-US" smtClean="0"/>
+              <a:t>2018/7/23</a:t>
             </a:fld>
             <a:endParaRPr lang="zh-CN" altLang="en-US"/>
           </a:p>
@@ -2986,9 +3430,9 @@
           <a:bodyPr/>
           <a:lstStyle/>
           <a:p>
-            <a:fld id="{D2BB608E-BC45-4B4E-88FE-EC897421FF76}" type="datetimeFigureOut">
-              <a:rPr lang="zh-CN" altLang="en-US" smtClean="0"/>
-              <a:t>2018/7/22</a:t>
+            <a:fld id="{C0B25D58-0C38-47F4-B282-2551935CC1B9}" type="datetime1">
+              <a:rPr lang="zh-CN" altLang="en-US" smtClean="0"/>
+              <a:t>2018/7/23</a:t>
             </a:fld>
             <a:endParaRPr lang="zh-CN" altLang="en-US"/>
           </a:p>
@@ -3273,9 +3717,9 @@
             </a:lvl1pPr>
           </a:lstStyle>
           <a:p>
-            <a:fld id="{D2BB608E-BC45-4B4E-88FE-EC897421FF76}" type="datetimeFigureOut">
-              <a:rPr lang="zh-CN" altLang="en-US" smtClean="0"/>
-              <a:t>2018/7/22</a:t>
+            <a:fld id="{35F0D213-9E8F-414A-A49E-88E5A50EF0E8}" type="datetime1">
+              <a:rPr lang="zh-CN" altLang="en-US" smtClean="0"/>
+              <a:t>2018/7/23</a:t>
             </a:fld>
             <a:endParaRPr lang="zh-CN" altLang="en-US"/>
           </a:p>
@@ -3414,6 +3858,7 @@
     <p:sldLayoutId id="2147483706" r:id="rId10"/>
     <p:sldLayoutId id="2147483707" r:id="rId11"/>
   </p:sldLayoutIdLst>
+  <p:hf hdr="0" ftr="0" dt="0"/>
   <p:txStyles>
     <p:titleStyle>
       <a:lvl1pPr algn="l" defTabSz="914400" rtl="0" eaLnBrk="1" latinLnBrk="0" hangingPunct="1">
@@ -3808,7 +4253,7 @@
           <p:nvPr/>
         </p:nvPicPr>
         <p:blipFill>
-          <a:blip r:embed="rId2"/>
+          <a:blip r:embed="rId3"/>
           <a:stretch>
             <a:fillRect/>
           </a:stretch>
@@ -3874,6 +4319,34 @@
                 <a:schemeClr val="bg1"/>
               </a:solidFill>
             </a:endParaRPr>
+          </a:p>
+        </p:txBody>
+      </p:sp>
+      <p:sp>
+        <p:nvSpPr>
+          <p:cNvPr id="2" name="灯片编号占位符 1"/>
+          <p:cNvSpPr>
+            <a:spLocks noGrp="1"/>
+          </p:cNvSpPr>
+          <p:nvPr>
+            <p:ph type="sldNum" sz="quarter" idx="12"/>
+          </p:nvPr>
+        </p:nvSpPr>
+        <p:spPr>
+          <a:xfrm>
+            <a:off x="10879975" y="6451687"/>
+            <a:ext cx="1312025" cy="365125"/>
+          </a:xfrm>
+        </p:spPr>
+        <p:txBody>
+          <a:bodyPr/>
+          <a:lstStyle/>
+          <a:p>
+            <a:fld id="{6124A530-E518-4923-B2D7-101050581B42}" type="slidenum">
+              <a:rPr lang="zh-CN" altLang="en-US" sz="1800" smtClean="0"/>
+              <a:t>1</a:t>
+            </a:fld>
+            <a:endParaRPr lang="zh-CN" altLang="en-US" sz="1800" dirty="0"/>
           </a:p>
         </p:txBody>
       </p:sp>
@@ -3887,6 +4360,13 @@
   <p:clrMapOvr>
     <a:masterClrMapping/>
   </p:clrMapOvr>
+  <p:timing>
+    <p:tnLst>
+      <p:par>
+        <p:cTn id="1" dur="indefinite" restart="never" nodeType="tmRoot"/>
+      </p:par>
+    </p:tnLst>
+  </p:timing>
 </p:sld>
 </file>
 
@@ -4004,13 +4484,20 @@
               <a:buFont typeface="Wingdings" panose="05000000000000000000" pitchFamily="2" charset="2"/>
               <a:buChar char="Ø"/>
             </a:pPr>
-            <a:endParaRPr lang="en-US" altLang="zh-CN" dirty="0" smtClean="0"/>
-          </a:p>
-          <a:p>
-            <a:pPr>
+            <a:r>
+              <a:rPr lang="en-US" altLang="zh-CN" dirty="0" smtClean="0"/>
+              <a:t>E</a:t>
+            </a:r>
+          </a:p>
+          <a:p>
+            <a:pPr lvl="3">
               <a:buFont typeface="Wingdings" panose="05000000000000000000" pitchFamily="2" charset="2"/>
               <a:buChar char="Ø"/>
             </a:pPr>
+            <a:r>
+              <a:rPr lang="en-US" altLang="zh-CN" dirty="0"/>
+              <a:t>mission execution</a:t>
+            </a:r>
             <a:endParaRPr lang="en-US" altLang="zh-CN" dirty="0"/>
           </a:p>
           <a:p>
@@ -4020,6 +4507,83 @@
             <a:endParaRPr lang="en-US" altLang="zh-CN" dirty="0" smtClean="0"/>
           </a:p>
           <a:p>
+            <a:endParaRPr lang="zh-CN" altLang="en-US" dirty="0"/>
+          </a:p>
+        </p:txBody>
+      </p:sp>
+      <p:pic>
+        <p:nvPicPr>
+          <p:cNvPr id="4" name="图片 3"/>
+          <p:cNvPicPr>
+            <a:picLocks noChangeAspect="1"/>
+          </p:cNvPicPr>
+          <p:nvPr/>
+        </p:nvPicPr>
+        <p:blipFill>
+          <a:blip r:embed="rId2"/>
+          <a:stretch>
+            <a:fillRect/>
+          </a:stretch>
+        </p:blipFill>
+        <p:spPr>
+          <a:xfrm>
+            <a:off x="6303544" y="2644163"/>
+            <a:ext cx="5214687" cy="3363354"/>
+          </a:xfrm>
+          <a:prstGeom prst="rect">
+            <a:avLst/>
+          </a:prstGeom>
+        </p:spPr>
+      </p:pic>
+      <p:pic>
+        <p:nvPicPr>
+          <p:cNvPr id="6" name="图片 5"/>
+          <p:cNvPicPr>
+            <a:picLocks noChangeAspect="1"/>
+          </p:cNvPicPr>
+          <p:nvPr/>
+        </p:nvPicPr>
+        <p:blipFill>
+          <a:blip r:embed="rId3">
+            <a:extLst>
+              <a:ext uri="{28A0092B-C50C-407E-A947-70E740481C1C}">
+                <a14:useLocalDpi xmlns:a14="http://schemas.microsoft.com/office/drawing/2010/main" val="0"/>
+              </a:ext>
+            </a:extLst>
+          </a:blip>
+          <a:stretch>
+            <a:fillRect/>
+          </a:stretch>
+        </p:blipFill>
+        <p:spPr>
+          <a:xfrm>
+            <a:off x="3362826" y="2742863"/>
+            <a:ext cx="3134226" cy="3126231"/>
+          </a:xfrm>
+          <a:prstGeom prst="rect">
+            <a:avLst/>
+          </a:prstGeom>
+        </p:spPr>
+      </p:pic>
+      <p:sp>
+        <p:nvSpPr>
+          <p:cNvPr id="7" name="灯片编号占位符 6"/>
+          <p:cNvSpPr>
+            <a:spLocks noGrp="1"/>
+          </p:cNvSpPr>
+          <p:nvPr>
+            <p:ph type="sldNum" sz="quarter" idx="12"/>
+          </p:nvPr>
+        </p:nvSpPr>
+        <p:spPr/>
+        <p:txBody>
+          <a:bodyPr/>
+          <a:lstStyle/>
+          <a:p>
+            <a:fld id="{6124A530-E518-4923-B2D7-101050581B42}" type="slidenum">
+              <a:rPr lang="zh-CN" altLang="en-US" smtClean="0"/>
+              <a:t>2</a:t>
+            </a:fld>
             <a:endParaRPr lang="zh-CN" altLang="en-US" dirty="0"/>
           </a:p>
         </p:txBody>
@@ -4034,6 +4598,13 @@
   <p:clrMapOvr>
     <a:masterClrMapping/>
   </p:clrMapOvr>
+  <p:timing>
+    <p:tnLst>
+      <p:par>
+        <p:cTn id="1" dur="indefinite" restart="never" nodeType="tmRoot"/>
+      </p:par>
+    </p:tnLst>
+  </p:timing>
 </p:sld>
 </file>
 
@@ -4054,54 +4625,6 @@
           <a:chExt cx="0" cy="0"/>
         </a:xfrm>
       </p:grpSpPr>
-      <p:sp>
-        <p:nvSpPr>
-          <p:cNvPr id="7" name="矩形 6"/>
-          <p:cNvSpPr/>
-          <p:nvPr/>
-        </p:nvSpPr>
-        <p:spPr>
-          <a:xfrm>
-            <a:off x="1013254" y="1581665"/>
-            <a:ext cx="10688595" cy="654908"/>
-          </a:xfrm>
-          <a:prstGeom prst="rect">
-            <a:avLst/>
-          </a:prstGeom>
-          <a:solidFill>
-            <a:schemeClr val="bg1"/>
-          </a:solidFill>
-          <a:ln>
-            <a:solidFill>
-              <a:schemeClr val="bg1"/>
-            </a:solidFill>
-          </a:ln>
-        </p:spPr>
-        <p:style>
-          <a:lnRef idx="2">
-            <a:schemeClr val="accent1">
-              <a:shade val="50000"/>
-            </a:schemeClr>
-          </a:lnRef>
-          <a:fillRef idx="1">
-            <a:schemeClr val="accent1"/>
-          </a:fillRef>
-          <a:effectRef idx="0">
-            <a:schemeClr val="accent1"/>
-          </a:effectRef>
-          <a:fontRef idx="minor">
-            <a:schemeClr val="lt1"/>
-          </a:fontRef>
-        </p:style>
-        <p:txBody>
-          <a:bodyPr rtlCol="0" anchor="ctr"/>
-          <a:lstStyle/>
-          <a:p>
-            <a:pPr algn="ctr"/>
-            <a:endParaRPr lang="zh-CN" altLang="en-US"/>
-          </a:p>
-        </p:txBody>
-      </p:sp>
       <p:pic>
         <p:nvPicPr>
           <p:cNvPr id="8" name="图片 7"/>
@@ -4110,7 +4633,7 @@
           </p:cNvPicPr>
           <p:nvPr/>
         </p:nvPicPr>
-        <p:blipFill>
+        <p:blipFill rotWithShape="1">
           <a:blip r:embed="rId2">
             <a:extLst>
               <a:ext uri="{28A0092B-C50C-407E-A947-70E740481C1C}">
@@ -4118,14 +4641,13 @@
               </a:ext>
             </a:extLst>
           </a:blip>
-          <a:stretch>
-            <a:fillRect/>
-          </a:stretch>
+          <a:srcRect l="1" r="-26" b="39505"/>
+          <a:stretch/>
         </p:blipFill>
         <p:spPr>
           <a:xfrm>
-            <a:off x="4349578" y="83172"/>
-            <a:ext cx="7749830" cy="6181039"/>
+            <a:off x="2133599" y="2179760"/>
+            <a:ext cx="7751806" cy="3739185"/>
           </a:xfrm>
           <a:prstGeom prst="rect">
             <a:avLst/>
@@ -4144,21 +4666,214 @@
         </p:nvSpPr>
         <p:spPr>
           <a:xfrm>
-            <a:off x="635961" y="261890"/>
+            <a:off x="619485" y="978582"/>
             <a:ext cx="10058400" cy="718413"/>
           </a:xfrm>
         </p:spPr>
         <p:txBody>
           <a:bodyPr>
-            <a:normAutofit/>
+            <a:normAutofit fontScale="90000"/>
           </a:bodyPr>
           <a:lstStyle/>
           <a:p>
             <a:r>
               <a:rPr lang="en-US" altLang="zh-CN" dirty="0" smtClean="0"/>
-              <a:t>Our Concept</a:t>
+              <a:t>Our </a:t>
+            </a:r>
+            <a:r>
+              <a:rPr lang="en-US" altLang="zh-CN" dirty="0" smtClean="0"/>
+              <a:t>Concept </a:t>
             </a:r>
             <a:endParaRPr lang="zh-CN" altLang="en-US" dirty="0"/>
+          </a:p>
+        </p:txBody>
+      </p:sp>
+      <p:sp>
+        <p:nvSpPr>
+          <p:cNvPr id="2" name="文本框 1"/>
+          <p:cNvSpPr txBox="1"/>
+          <p:nvPr/>
+        </p:nvSpPr>
+        <p:spPr>
+          <a:xfrm>
+            <a:off x="3461539" y="1384379"/>
+            <a:ext cx="3286897" cy="369332"/>
+          </a:xfrm>
+          <a:prstGeom prst="rect">
+            <a:avLst/>
+          </a:prstGeom>
+          <a:noFill/>
+        </p:spPr>
+        <p:txBody>
+          <a:bodyPr wrap="square" rtlCol="0">
+            <a:spAutoFit/>
+          </a:bodyPr>
+          <a:lstStyle/>
+          <a:p>
+            <a:r>
+              <a:rPr lang="en-US" altLang="zh-CN" dirty="0" smtClean="0"/>
+              <a:t>3 types of drones  </a:t>
+            </a:r>
+            <a:endParaRPr lang="zh-CN" altLang="en-US" dirty="0"/>
+          </a:p>
+        </p:txBody>
+      </p:sp>
+      <p:sp>
+        <p:nvSpPr>
+          <p:cNvPr id="3" name="圆角矩形 2"/>
+          <p:cNvSpPr/>
+          <p:nvPr/>
+        </p:nvSpPr>
+        <p:spPr>
+          <a:xfrm>
+            <a:off x="2133599" y="3641123"/>
+            <a:ext cx="1252152" cy="631047"/>
+          </a:xfrm>
+          <a:prstGeom prst="roundRect">
+            <a:avLst/>
+          </a:prstGeom>
+          <a:solidFill>
+            <a:srgbClr val="42BA97">
+              <a:alpha val="63137"/>
+            </a:srgbClr>
+          </a:solidFill>
+        </p:spPr>
+        <p:style>
+          <a:lnRef idx="2">
+            <a:schemeClr val="accent4">
+              <a:shade val="50000"/>
+            </a:schemeClr>
+          </a:lnRef>
+          <a:fillRef idx="1">
+            <a:schemeClr val="accent4"/>
+          </a:fillRef>
+          <a:effectRef idx="0">
+            <a:schemeClr val="accent4"/>
+          </a:effectRef>
+          <a:fontRef idx="minor">
+            <a:schemeClr val="lt1"/>
+          </a:fontRef>
+        </p:style>
+        <p:txBody>
+          <a:bodyPr rtlCol="0" anchor="ctr"/>
+          <a:lstStyle/>
+          <a:p>
+            <a:pPr algn="ctr"/>
+            <a:endParaRPr lang="zh-CN" altLang="en-US"/>
+          </a:p>
+        </p:txBody>
+      </p:sp>
+      <p:sp>
+        <p:nvSpPr>
+          <p:cNvPr id="10" name="圆角矩形 9"/>
+          <p:cNvSpPr/>
+          <p:nvPr/>
+        </p:nvSpPr>
+        <p:spPr>
+          <a:xfrm>
+            <a:off x="5276335" y="3641123"/>
+            <a:ext cx="1252152" cy="631047"/>
+          </a:xfrm>
+          <a:prstGeom prst="roundRect">
+            <a:avLst/>
+          </a:prstGeom>
+          <a:solidFill>
+            <a:srgbClr val="6666FF">
+              <a:alpha val="60000"/>
+            </a:srgbClr>
+          </a:solidFill>
+        </p:spPr>
+        <p:style>
+          <a:lnRef idx="1">
+            <a:schemeClr val="accent1"/>
+          </a:lnRef>
+          <a:fillRef idx="2">
+            <a:schemeClr val="accent1"/>
+          </a:fillRef>
+          <a:effectRef idx="1">
+            <a:schemeClr val="accent1"/>
+          </a:effectRef>
+          <a:fontRef idx="minor">
+            <a:schemeClr val="dk1"/>
+          </a:fontRef>
+        </p:style>
+        <p:txBody>
+          <a:bodyPr rtlCol="0" anchor="ctr"/>
+          <a:lstStyle/>
+          <a:p>
+            <a:pPr algn="ctr"/>
+            <a:endParaRPr lang="zh-CN" altLang="en-US"/>
+          </a:p>
+        </p:txBody>
+      </p:sp>
+      <p:sp>
+        <p:nvSpPr>
+          <p:cNvPr id="11" name="圆角矩形 10"/>
+          <p:cNvSpPr/>
+          <p:nvPr/>
+        </p:nvSpPr>
+        <p:spPr>
+          <a:xfrm>
+            <a:off x="8633253" y="3641123"/>
+            <a:ext cx="1252152" cy="631047"/>
+          </a:xfrm>
+          <a:prstGeom prst="roundRect">
+            <a:avLst/>
+          </a:prstGeom>
+          <a:solidFill>
+            <a:srgbClr val="66FFCC">
+              <a:alpha val="60000"/>
+            </a:srgbClr>
+          </a:solidFill>
+        </p:spPr>
+        <p:style>
+          <a:lnRef idx="1">
+            <a:schemeClr val="accent3"/>
+          </a:lnRef>
+          <a:fillRef idx="2">
+            <a:schemeClr val="accent3"/>
+          </a:fillRef>
+          <a:effectRef idx="1">
+            <a:schemeClr val="accent3"/>
+          </a:effectRef>
+          <a:fontRef idx="minor">
+            <a:schemeClr val="dk1"/>
+          </a:fontRef>
+        </p:style>
+        <p:txBody>
+          <a:bodyPr rtlCol="0" anchor="ctr"/>
+          <a:lstStyle/>
+          <a:p>
+            <a:pPr algn="ctr"/>
+            <a:endParaRPr lang="zh-CN" altLang="en-US"/>
+          </a:p>
+        </p:txBody>
+      </p:sp>
+      <p:sp>
+        <p:nvSpPr>
+          <p:cNvPr id="4" name="灯片编号占位符 3"/>
+          <p:cNvSpPr>
+            <a:spLocks noGrp="1"/>
+          </p:cNvSpPr>
+          <p:nvPr>
+            <p:ph type="sldNum" sz="quarter" idx="12"/>
+          </p:nvPr>
+        </p:nvSpPr>
+        <p:spPr>
+          <a:xfrm>
+            <a:off x="10798382" y="6492875"/>
+            <a:ext cx="1312025" cy="365125"/>
+          </a:xfrm>
+        </p:spPr>
+        <p:txBody>
+          <a:bodyPr/>
+          <a:lstStyle/>
+          <a:p>
+            <a:fld id="{6124A530-E518-4923-B2D7-101050581B42}" type="slidenum">
+              <a:rPr lang="zh-CN" altLang="en-US" sz="2400" smtClean="0"/>
+              <a:t>3</a:t>
+            </a:fld>
+            <a:endParaRPr lang="zh-CN" altLang="en-US" sz="4000" dirty="0"/>
           </a:p>
         </p:txBody>
       </p:sp>
@@ -4172,6 +4887,13 @@
   <p:clrMapOvr>
     <a:masterClrMapping/>
   </p:clrMapOvr>
+  <p:timing>
+    <p:tnLst>
+      <p:par>
+        <p:cTn id="1" dur="indefinite" restart="never" nodeType="tmRoot"/>
+      </p:par>
+    </p:tnLst>
+  </p:timing>
 </p:sld>
 </file>
 
@@ -4212,6 +4934,188 @@
               <a:t>Our drone</a:t>
             </a:r>
             <a:endParaRPr lang="zh-CN" altLang="en-US" dirty="0"/>
+          </a:p>
+        </p:txBody>
+      </p:sp>
+      <p:sp>
+        <p:nvSpPr>
+          <p:cNvPr id="3" name="文本框 2"/>
+          <p:cNvSpPr txBox="1"/>
+          <p:nvPr/>
+        </p:nvSpPr>
+        <p:spPr>
+          <a:xfrm>
+            <a:off x="3815767" y="1368028"/>
+            <a:ext cx="3795996" cy="369332"/>
+          </a:xfrm>
+          <a:prstGeom prst="rect">
+            <a:avLst/>
+          </a:prstGeom>
+          <a:noFill/>
+        </p:spPr>
+        <p:txBody>
+          <a:bodyPr wrap="square" rtlCol="0">
+            <a:spAutoFit/>
+          </a:bodyPr>
+          <a:lstStyle/>
+          <a:p>
+            <a:r>
+              <a:rPr lang="en-US" altLang="zh-CN" dirty="0"/>
+              <a:t>a base and different sensors</a:t>
+            </a:r>
+            <a:endParaRPr lang="zh-CN" altLang="en-US" dirty="0"/>
+          </a:p>
+        </p:txBody>
+      </p:sp>
+      <p:pic>
+        <p:nvPicPr>
+          <p:cNvPr id="4" name="图片 3"/>
+          <p:cNvPicPr/>
+          <p:nvPr/>
+        </p:nvPicPr>
+        <p:blipFill>
+          <a:blip r:embed="rId2" cstate="print">
+            <a:extLst>
+              <a:ext uri="{28A0092B-C50C-407E-A947-70E740481C1C}">
+                <a14:useLocalDpi xmlns:a14="http://schemas.microsoft.com/office/drawing/2010/main" val="0"/>
+              </a:ext>
+            </a:extLst>
+          </a:blip>
+          <a:srcRect/>
+          <a:stretch>
+            <a:fillRect/>
+          </a:stretch>
+        </p:blipFill>
+        <p:spPr bwMode="auto">
+          <a:xfrm>
+            <a:off x="1958350" y="2492597"/>
+            <a:ext cx="1857417" cy="1477353"/>
+          </a:xfrm>
+          <a:prstGeom prst="rect">
+            <a:avLst/>
+          </a:prstGeom>
+          <a:noFill/>
+          <a:ln>
+            <a:noFill/>
+          </a:ln>
+        </p:spPr>
+      </p:pic>
+      <p:pic>
+        <p:nvPicPr>
+          <p:cNvPr id="6" name="图片 5"/>
+          <p:cNvPicPr>
+            <a:picLocks noChangeAspect="1"/>
+          </p:cNvPicPr>
+          <p:nvPr/>
+        </p:nvPicPr>
+        <p:blipFill>
+          <a:blip r:embed="rId3" cstate="print">
+            <a:extLst>
+              <a:ext uri="{28A0092B-C50C-407E-A947-70E740481C1C}">
+                <a14:useLocalDpi xmlns:a14="http://schemas.microsoft.com/office/drawing/2010/main" val="0"/>
+              </a:ext>
+            </a:extLst>
+          </a:blip>
+          <a:stretch>
+            <a:fillRect/>
+          </a:stretch>
+        </p:blipFill>
+        <p:spPr>
+          <a:xfrm>
+            <a:off x="9115926" y="3659806"/>
+            <a:ext cx="2514600" cy="2514600"/>
+          </a:xfrm>
+          <a:prstGeom prst="rect">
+            <a:avLst/>
+          </a:prstGeom>
+        </p:spPr>
+      </p:pic>
+      <p:pic>
+        <p:nvPicPr>
+          <p:cNvPr id="8" name="图片 7"/>
+          <p:cNvPicPr/>
+          <p:nvPr/>
+        </p:nvPicPr>
+        <p:blipFill>
+          <a:blip r:embed="rId4" cstate="print">
+            <a:extLst>
+              <a:ext uri="{28A0092B-C50C-407E-A947-70E740481C1C}">
+                <a14:useLocalDpi xmlns:a14="http://schemas.microsoft.com/office/drawing/2010/main" val="0"/>
+              </a:ext>
+            </a:extLst>
+          </a:blip>
+          <a:srcRect/>
+          <a:stretch>
+            <a:fillRect/>
+          </a:stretch>
+        </p:blipFill>
+        <p:spPr bwMode="auto">
+          <a:xfrm>
+            <a:off x="5519686" y="4247561"/>
+            <a:ext cx="2300623" cy="1854184"/>
+          </a:xfrm>
+          <a:prstGeom prst="rect">
+            <a:avLst/>
+          </a:prstGeom>
+          <a:noFill/>
+          <a:ln>
+            <a:noFill/>
+          </a:ln>
+        </p:spPr>
+      </p:pic>
+      <p:pic>
+        <p:nvPicPr>
+          <p:cNvPr id="9" name="图片 8"/>
+          <p:cNvPicPr/>
+          <p:nvPr/>
+        </p:nvPicPr>
+        <p:blipFill>
+          <a:blip r:embed="rId5">
+            <a:extLst>
+              <a:ext uri="{28A0092B-C50C-407E-A947-70E740481C1C}">
+                <a14:useLocalDpi xmlns:a14="http://schemas.microsoft.com/office/drawing/2010/main" val="0"/>
+              </a:ext>
+            </a:extLst>
+          </a:blip>
+          <a:srcRect/>
+          <a:stretch>
+            <a:fillRect/>
+          </a:stretch>
+        </p:blipFill>
+        <p:spPr bwMode="auto">
+          <a:xfrm>
+            <a:off x="2380328" y="4886626"/>
+            <a:ext cx="1013460" cy="1287780"/>
+          </a:xfrm>
+          <a:prstGeom prst="rect">
+            <a:avLst/>
+          </a:prstGeom>
+          <a:noFill/>
+          <a:ln>
+            <a:noFill/>
+          </a:ln>
+        </p:spPr>
+      </p:pic>
+      <p:sp>
+        <p:nvSpPr>
+          <p:cNvPr id="10" name="灯片编号占位符 9"/>
+          <p:cNvSpPr>
+            <a:spLocks noGrp="1"/>
+          </p:cNvSpPr>
+          <p:nvPr>
+            <p:ph type="sldNum" sz="quarter" idx="12"/>
+          </p:nvPr>
+        </p:nvSpPr>
+        <p:spPr/>
+        <p:txBody>
+          <a:bodyPr/>
+          <a:lstStyle/>
+          <a:p>
+            <a:fld id="{6124A530-E518-4923-B2D7-101050581B42}" type="slidenum">
+              <a:rPr lang="zh-CN" altLang="en-US" smtClean="0"/>
+              <a:t>4</a:t>
+            </a:fld>
+            <a:endParaRPr lang="zh-CN" altLang="en-US"/>
           </a:p>
         </p:txBody>
       </p:sp>
@@ -4262,6 +5166,252 @@
           <a:p>
             <a:r>
               <a:rPr lang="en-US" altLang="zh-CN" dirty="0" smtClean="0"/>
+              <a:t>Our drone</a:t>
+            </a:r>
+            <a:endParaRPr lang="zh-CN" altLang="en-US" dirty="0"/>
+          </a:p>
+        </p:txBody>
+      </p:sp>
+      <p:sp>
+        <p:nvSpPr>
+          <p:cNvPr id="3" name="文本框 2"/>
+          <p:cNvSpPr txBox="1"/>
+          <p:nvPr/>
+        </p:nvSpPr>
+        <p:spPr>
+          <a:xfrm>
+            <a:off x="3815767" y="1368028"/>
+            <a:ext cx="3795996" cy="369332"/>
+          </a:xfrm>
+          <a:prstGeom prst="rect">
+            <a:avLst/>
+          </a:prstGeom>
+          <a:noFill/>
+        </p:spPr>
+        <p:txBody>
+          <a:bodyPr wrap="square" rtlCol="0">
+            <a:spAutoFit/>
+          </a:bodyPr>
+          <a:lstStyle/>
+          <a:p>
+            <a:r>
+              <a:rPr lang="en-US" altLang="zh-CN" dirty="0"/>
+              <a:t>how are the sensors </a:t>
+            </a:r>
+            <a:r>
+              <a:rPr lang="en-US" altLang="zh-CN" dirty="0" smtClean="0"/>
+              <a:t>fixed ?</a:t>
+            </a:r>
+            <a:endParaRPr lang="zh-CN" altLang="en-US" dirty="0"/>
+          </a:p>
+        </p:txBody>
+      </p:sp>
+      <p:sp>
+        <p:nvSpPr>
+          <p:cNvPr id="5" name="文本框 4"/>
+          <p:cNvSpPr txBox="1"/>
+          <p:nvPr/>
+        </p:nvSpPr>
+        <p:spPr>
+          <a:xfrm>
+            <a:off x="1764632" y="3112168"/>
+            <a:ext cx="8181473" cy="369332"/>
+          </a:xfrm>
+          <a:prstGeom prst="rect">
+            <a:avLst/>
+          </a:prstGeom>
+          <a:noFill/>
+        </p:spPr>
+        <p:txBody>
+          <a:bodyPr wrap="square" rtlCol="0">
+            <a:spAutoFit/>
+          </a:bodyPr>
+          <a:lstStyle/>
+          <a:p>
+            <a:r>
+              <a:rPr lang="en-US" altLang="zh-CN" dirty="0" smtClean="0"/>
+              <a:t>PHOTO DE LA MODELISATION</a:t>
+            </a:r>
+            <a:endParaRPr lang="zh-CN" altLang="en-US" dirty="0"/>
+          </a:p>
+        </p:txBody>
+      </p:sp>
+      <p:sp>
+        <p:nvSpPr>
+          <p:cNvPr id="10" name="灯片编号占位符 9"/>
+          <p:cNvSpPr>
+            <a:spLocks noGrp="1"/>
+          </p:cNvSpPr>
+          <p:nvPr>
+            <p:ph type="sldNum" sz="quarter" idx="12"/>
+          </p:nvPr>
+        </p:nvSpPr>
+        <p:spPr/>
+        <p:txBody>
+          <a:bodyPr/>
+          <a:lstStyle/>
+          <a:p>
+            <a:fld id="{6124A530-E518-4923-B2D7-101050581B42}" type="slidenum">
+              <a:rPr lang="zh-CN" altLang="en-US" smtClean="0"/>
+              <a:t>5</a:t>
+            </a:fld>
+            <a:endParaRPr lang="zh-CN" altLang="en-US"/>
+          </a:p>
+        </p:txBody>
+      </p:sp>
+    </p:spTree>
+    <p:extLst>
+      <p:ext uri="{BB962C8B-B14F-4D97-AF65-F5344CB8AC3E}">
+        <p14:creationId xmlns:p14="http://schemas.microsoft.com/office/powerpoint/2010/main" val="724140301"/>
+      </p:ext>
+    </p:extLst>
+  </p:cSld>
+  <p:clrMapOvr>
+    <a:masterClrMapping/>
+  </p:clrMapOvr>
+</p:sld>
+</file>
+
+<file path=ppt/slides/slide6.xml><?xml version="1.0" encoding="utf-8"?>
+<p:sld xmlns:a="http://schemas.openxmlformats.org/drawingml/2006/main" xmlns:r="http://schemas.openxmlformats.org/officeDocument/2006/relationships" xmlns:p="http://schemas.openxmlformats.org/presentationml/2006/main">
+  <p:cSld>
+    <p:spTree>
+      <p:nvGrpSpPr>
+        <p:cNvPr id="1" name=""/>
+        <p:cNvGrpSpPr/>
+        <p:nvPr/>
+      </p:nvGrpSpPr>
+      <p:grpSpPr>
+        <a:xfrm>
+          <a:off x="0" y="0"/>
+          <a:ext cx="0" cy="0"/>
+          <a:chOff x="0" y="0"/>
+          <a:chExt cx="0" cy="0"/>
+        </a:xfrm>
+      </p:grpSpPr>
+      <p:sp>
+        <p:nvSpPr>
+          <p:cNvPr id="2" name="标题 1"/>
+          <p:cNvSpPr>
+            <a:spLocks noGrp="1"/>
+          </p:cNvSpPr>
+          <p:nvPr>
+            <p:ph type="title"/>
+          </p:nvPr>
+        </p:nvSpPr>
+        <p:spPr/>
+        <p:txBody>
+          <a:bodyPr/>
+          <a:lstStyle/>
+          <a:p>
+            <a:r>
+              <a:rPr lang="en-US" altLang="zh-CN" dirty="0" smtClean="0"/>
+              <a:t>Our drone </a:t>
+            </a:r>
+            <a:endParaRPr lang="zh-CN" altLang="en-US" dirty="0"/>
+          </a:p>
+        </p:txBody>
+      </p:sp>
+      <p:sp>
+        <p:nvSpPr>
+          <p:cNvPr id="4" name="文本框 3"/>
+          <p:cNvSpPr txBox="1"/>
+          <p:nvPr/>
+        </p:nvSpPr>
+        <p:spPr>
+          <a:xfrm>
+            <a:off x="3815767" y="1368028"/>
+            <a:ext cx="3795996" cy="369332"/>
+          </a:xfrm>
+          <a:prstGeom prst="rect">
+            <a:avLst/>
+          </a:prstGeom>
+          <a:noFill/>
+        </p:spPr>
+        <p:txBody>
+          <a:bodyPr wrap="square" rtlCol="0">
+            <a:spAutoFit/>
+          </a:bodyPr>
+          <a:lstStyle/>
+          <a:p>
+            <a:r>
+              <a:rPr lang="en-US" altLang="zh-CN" dirty="0"/>
+              <a:t>how maintenance works</a:t>
+            </a:r>
+            <a:endParaRPr lang="zh-CN" altLang="en-US" dirty="0"/>
+          </a:p>
+        </p:txBody>
+      </p:sp>
+      <p:sp>
+        <p:nvSpPr>
+          <p:cNvPr id="5" name="灯片编号占位符 4"/>
+          <p:cNvSpPr>
+            <a:spLocks noGrp="1"/>
+          </p:cNvSpPr>
+          <p:nvPr>
+            <p:ph type="sldNum" sz="quarter" idx="12"/>
+          </p:nvPr>
+        </p:nvSpPr>
+        <p:spPr/>
+        <p:txBody>
+          <a:bodyPr/>
+          <a:lstStyle/>
+          <a:p>
+            <a:fld id="{6124A530-E518-4923-B2D7-101050581B42}" type="slidenum">
+              <a:rPr lang="zh-CN" altLang="en-US" smtClean="0"/>
+              <a:t>6</a:t>
+            </a:fld>
+            <a:endParaRPr lang="zh-CN" altLang="en-US"/>
+          </a:p>
+        </p:txBody>
+      </p:sp>
+    </p:spTree>
+    <p:extLst>
+      <p:ext uri="{BB962C8B-B14F-4D97-AF65-F5344CB8AC3E}">
+        <p14:creationId xmlns:p14="http://schemas.microsoft.com/office/powerpoint/2010/main" val="2451006197"/>
+      </p:ext>
+    </p:extLst>
+  </p:cSld>
+  <p:clrMapOvr>
+    <a:masterClrMapping/>
+  </p:clrMapOvr>
+</p:sld>
+</file>
+
+<file path=ppt/slides/slide7.xml><?xml version="1.0" encoding="utf-8"?>
+<p:sld xmlns:a="http://schemas.openxmlformats.org/drawingml/2006/main" xmlns:r="http://schemas.openxmlformats.org/officeDocument/2006/relationships" xmlns:p="http://schemas.openxmlformats.org/presentationml/2006/main">
+  <p:cSld>
+    <p:spTree>
+      <p:nvGrpSpPr>
+        <p:cNvPr id="1" name=""/>
+        <p:cNvGrpSpPr/>
+        <p:nvPr/>
+      </p:nvGrpSpPr>
+      <p:grpSpPr>
+        <a:xfrm>
+          <a:off x="0" y="0"/>
+          <a:ext cx="0" cy="0"/>
+          <a:chOff x="0" y="0"/>
+          <a:chExt cx="0" cy="0"/>
+        </a:xfrm>
+      </p:grpSpPr>
+      <p:sp>
+        <p:nvSpPr>
+          <p:cNvPr id="2" name="标题 1"/>
+          <p:cNvSpPr>
+            <a:spLocks noGrp="1"/>
+          </p:cNvSpPr>
+          <p:nvPr>
+            <p:ph type="title"/>
+          </p:nvPr>
+        </p:nvSpPr>
+        <p:spPr/>
+        <p:txBody>
+          <a:bodyPr/>
+          <a:lstStyle/>
+          <a:p>
+            <a:r>
+              <a:rPr lang="en-US" altLang="zh-CN" dirty="0" smtClean="0"/>
               <a:t>Conclusion</a:t>
             </a:r>
             <a:endParaRPr lang="zh-CN" altLang="en-US" dirty="0"/>
@@ -4284,6 +5434,29 @@
           <a:lstStyle/>
           <a:p>
             <a:endParaRPr lang="zh-CN" altLang="en-US" dirty="0"/>
+          </a:p>
+        </p:txBody>
+      </p:sp>
+      <p:sp>
+        <p:nvSpPr>
+          <p:cNvPr id="4" name="灯片编号占位符 3"/>
+          <p:cNvSpPr>
+            <a:spLocks noGrp="1"/>
+          </p:cNvSpPr>
+          <p:nvPr>
+            <p:ph type="sldNum" sz="quarter" idx="12"/>
+          </p:nvPr>
+        </p:nvSpPr>
+        <p:spPr/>
+        <p:txBody>
+          <a:bodyPr/>
+          <a:lstStyle/>
+          <a:p>
+            <a:fld id="{6124A530-E518-4923-B2D7-101050581B42}" type="slidenum">
+              <a:rPr lang="zh-CN" altLang="en-US" smtClean="0"/>
+              <a:t>7</a:t>
+            </a:fld>
+            <a:endParaRPr lang="zh-CN" altLang="en-US"/>
           </a:p>
         </p:txBody>
       </p:sp>
@@ -4581,4 +5754,265 @@
     </a:ext>
   </a:extLst>
 </a:theme>
+</file>
+
+<file path=ppt/theme/theme2.xml><?xml version="1.0" encoding="utf-8"?>
+<a:theme xmlns:a="http://schemas.openxmlformats.org/drawingml/2006/main" name="Office 主题">
+  <a:themeElements>
+    <a:clrScheme name="Office">
+      <a:dk1>
+        <a:sysClr val="windowText" lastClr="000000"/>
+      </a:dk1>
+      <a:lt1>
+        <a:sysClr val="window" lastClr="FFFFFF"/>
+      </a:lt1>
+      <a:dk2>
+        <a:srgbClr val="44546A"/>
+      </a:dk2>
+      <a:lt2>
+        <a:srgbClr val="E7E6E6"/>
+      </a:lt2>
+      <a:accent1>
+        <a:srgbClr val="5B9BD5"/>
+      </a:accent1>
+      <a:accent2>
+        <a:srgbClr val="ED7D31"/>
+      </a:accent2>
+      <a:accent3>
+        <a:srgbClr val="A5A5A5"/>
+      </a:accent3>
+      <a:accent4>
+        <a:srgbClr val="FFC000"/>
+      </a:accent4>
+      <a:accent5>
+        <a:srgbClr val="4472C4"/>
+      </a:accent5>
+      <a:accent6>
+        <a:srgbClr val="70AD47"/>
+      </a:accent6>
+      <a:hlink>
+        <a:srgbClr val="0563C1"/>
+      </a:hlink>
+      <a:folHlink>
+        <a:srgbClr val="954F72"/>
+      </a:folHlink>
+    </a:clrScheme>
+    <a:fontScheme name="Office">
+      <a:majorFont>
+        <a:latin typeface="Calibri Light" panose="020F0302020204030204"/>
+        <a:ea typeface=""/>
+        <a:cs typeface=""/>
+        <a:font script="Jpan" typeface="ＭＳ Ｐゴシック"/>
+        <a:font script="Hang" typeface="맑은 고딕"/>
+        <a:font script="Hans" typeface="宋体"/>
+        <a:font script="Hant" typeface="新細明體"/>
+        <a:font script="Arab" typeface="Times New Roman"/>
+        <a:font script="Hebr" typeface="Times New Roman"/>
+        <a:font script="Thai" typeface="Angsana New"/>
+        <a:font script="Ethi" typeface="Nyala"/>
+        <a:font script="Beng" typeface="Vrinda"/>
+        <a:font script="Gujr" typeface="Shruti"/>
+        <a:font script="Khmr" typeface="MoolBoran"/>
+        <a:font script="Knda" typeface="Tunga"/>
+        <a:font script="Guru" typeface="Raavi"/>
+        <a:font script="Cans" typeface="Euphemia"/>
+        <a:font script="Cher" typeface="Plantagenet Cherokee"/>
+        <a:font script="Yiii" typeface="Microsoft Yi Baiti"/>
+        <a:font script="Tibt" typeface="Microsoft Himalaya"/>
+        <a:font script="Thaa" typeface="MV Boli"/>
+        <a:font script="Deva" typeface="Mangal"/>
+        <a:font script="Telu" typeface="Gautami"/>
+        <a:font script="Taml" typeface="Latha"/>
+        <a:font script="Syrc" typeface="Estrangelo Edessa"/>
+        <a:font script="Orya" typeface="Kalinga"/>
+        <a:font script="Mlym" typeface="Kartika"/>
+        <a:font script="Laoo" typeface="DokChampa"/>
+        <a:font script="Sinh" typeface="Iskoola Pota"/>
+        <a:font script="Mong" typeface="Mongolian Baiti"/>
+        <a:font script="Viet" typeface="Times New Roman"/>
+        <a:font script="Uigh" typeface="Microsoft Uighur"/>
+        <a:font script="Geor" typeface="Sylfaen"/>
+      </a:majorFont>
+      <a:minorFont>
+        <a:latin typeface="Calibri" panose="020F0502020204030204"/>
+        <a:ea typeface=""/>
+        <a:cs typeface=""/>
+        <a:font script="Jpan" typeface="ＭＳ Ｐゴシック"/>
+        <a:font script="Hang" typeface="맑은 고딕"/>
+        <a:font script="Hans" typeface="宋体"/>
+        <a:font script="Hant" typeface="新細明體"/>
+        <a:font script="Arab" typeface="Arial"/>
+        <a:font script="Hebr" typeface="Arial"/>
+        <a:font script="Thai" typeface="Cordia New"/>
+        <a:font script="Ethi" typeface="Nyala"/>
+        <a:font script="Beng" typeface="Vrinda"/>
+        <a:font script="Gujr" typeface="Shruti"/>
+        <a:font script="Khmr" typeface="DaunPenh"/>
+        <a:font script="Knda" typeface="Tunga"/>
+        <a:font script="Guru" typeface="Raavi"/>
+        <a:font script="Cans" typeface="Euphemia"/>
+        <a:font script="Cher" typeface="Plantagenet Cherokee"/>
+        <a:font script="Yiii" typeface="Microsoft Yi Baiti"/>
+        <a:font script="Tibt" typeface="Microsoft Himalaya"/>
+        <a:font script="Thaa" typeface="MV Boli"/>
+        <a:font script="Deva" typeface="Mangal"/>
+        <a:font script="Telu" typeface="Gautami"/>
+        <a:font script="Taml" typeface="Latha"/>
+        <a:font script="Syrc" typeface="Estrangelo Edessa"/>
+        <a:font script="Orya" typeface="Kalinga"/>
+        <a:font script="Mlym" typeface="Kartika"/>
+        <a:font script="Laoo" typeface="DokChampa"/>
+        <a:font script="Sinh" typeface="Iskoola Pota"/>
+        <a:font script="Mong" typeface="Mongolian Baiti"/>
+        <a:font script="Viet" typeface="Arial"/>
+        <a:font script="Uigh" typeface="Microsoft Uighur"/>
+        <a:font script="Geor" typeface="Sylfaen"/>
+      </a:minorFont>
+    </a:fontScheme>
+    <a:fmtScheme name="Office">
+      <a:fillStyleLst>
+        <a:solidFill>
+          <a:schemeClr val="phClr"/>
+        </a:solidFill>
+        <a:gradFill rotWithShape="1">
+          <a:gsLst>
+            <a:gs pos="0">
+              <a:schemeClr val="phClr">
+                <a:lumMod val="110000"/>
+                <a:satMod val="105000"/>
+                <a:tint val="67000"/>
+              </a:schemeClr>
+            </a:gs>
+            <a:gs pos="50000">
+              <a:schemeClr val="phClr">
+                <a:lumMod val="105000"/>
+                <a:satMod val="103000"/>
+                <a:tint val="73000"/>
+              </a:schemeClr>
+            </a:gs>
+            <a:gs pos="100000">
+              <a:schemeClr val="phClr">
+                <a:lumMod val="105000"/>
+                <a:satMod val="109000"/>
+                <a:tint val="81000"/>
+              </a:schemeClr>
+            </a:gs>
+          </a:gsLst>
+          <a:lin ang="5400000" scaled="0"/>
+        </a:gradFill>
+        <a:gradFill rotWithShape="1">
+          <a:gsLst>
+            <a:gs pos="0">
+              <a:schemeClr val="phClr">
+                <a:satMod val="103000"/>
+                <a:lumMod val="102000"/>
+                <a:tint val="94000"/>
+              </a:schemeClr>
+            </a:gs>
+            <a:gs pos="50000">
+              <a:schemeClr val="phClr">
+                <a:satMod val="110000"/>
+                <a:lumMod val="100000"/>
+                <a:shade val="100000"/>
+              </a:schemeClr>
+            </a:gs>
+            <a:gs pos="100000">
+              <a:schemeClr val="phClr">
+                <a:lumMod val="99000"/>
+                <a:satMod val="120000"/>
+                <a:shade val="78000"/>
+              </a:schemeClr>
+            </a:gs>
+          </a:gsLst>
+          <a:lin ang="5400000" scaled="0"/>
+        </a:gradFill>
+      </a:fillStyleLst>
+      <a:lnStyleLst>
+        <a:ln w="6350" cap="flat" cmpd="sng" algn="ctr">
+          <a:solidFill>
+            <a:schemeClr val="phClr"/>
+          </a:solidFill>
+          <a:prstDash val="solid"/>
+          <a:miter lim="800000"/>
+        </a:ln>
+        <a:ln w="12700" cap="flat" cmpd="sng" algn="ctr">
+          <a:solidFill>
+            <a:schemeClr val="phClr"/>
+          </a:solidFill>
+          <a:prstDash val="solid"/>
+          <a:miter lim="800000"/>
+        </a:ln>
+        <a:ln w="19050" cap="flat" cmpd="sng" algn="ctr">
+          <a:solidFill>
+            <a:schemeClr val="phClr"/>
+          </a:solidFill>
+          <a:prstDash val="solid"/>
+          <a:miter lim="800000"/>
+        </a:ln>
+      </a:lnStyleLst>
+      <a:effectStyleLst>
+        <a:effectStyle>
+          <a:effectLst/>
+        </a:effectStyle>
+        <a:effectStyle>
+          <a:effectLst/>
+        </a:effectStyle>
+        <a:effectStyle>
+          <a:effectLst>
+            <a:outerShdw blurRad="57150" dist="19050" dir="5400000" algn="ctr" rotWithShape="0">
+              <a:srgbClr val="000000">
+                <a:alpha val="63000"/>
+              </a:srgbClr>
+            </a:outerShdw>
+          </a:effectLst>
+        </a:effectStyle>
+      </a:effectStyleLst>
+      <a:bgFillStyleLst>
+        <a:solidFill>
+          <a:schemeClr val="phClr"/>
+        </a:solidFill>
+        <a:solidFill>
+          <a:schemeClr val="phClr">
+            <a:tint val="95000"/>
+            <a:satMod val="170000"/>
+          </a:schemeClr>
+        </a:solidFill>
+        <a:gradFill rotWithShape="1">
+          <a:gsLst>
+            <a:gs pos="0">
+              <a:schemeClr val="phClr">
+                <a:tint val="93000"/>
+                <a:satMod val="150000"/>
+                <a:shade val="98000"/>
+                <a:lumMod val="102000"/>
+              </a:schemeClr>
+            </a:gs>
+            <a:gs pos="50000">
+              <a:schemeClr val="phClr">
+                <a:tint val="98000"/>
+                <a:satMod val="130000"/>
+                <a:shade val="90000"/>
+                <a:lumMod val="103000"/>
+              </a:schemeClr>
+            </a:gs>
+            <a:gs pos="100000">
+              <a:schemeClr val="phClr">
+                <a:shade val="63000"/>
+                <a:satMod val="120000"/>
+              </a:schemeClr>
+            </a:gs>
+          </a:gsLst>
+          <a:lin ang="5400000" scaled="0"/>
+        </a:gradFill>
+      </a:bgFillStyleLst>
+    </a:fmtScheme>
+  </a:themeElements>
+  <a:objectDefaults/>
+  <a:extraClrSchemeLst/>
+  <a:extLst>
+    <a:ext uri="{05A4C25C-085E-4340-85A3-A5531E510DB2}">
+      <thm15:themeFamily xmlns:thm15="http://schemas.microsoft.com/office/thememl/2012/main" name="Office Theme" id="{62F939B6-93AF-4DB8-9C6B-D6C7DFDC589F}" vid="{4A3C46E8-61CC-4603-A589-7422A47A8E4A}"/>
+    </a:ext>
+  </a:extLst>
+</a:theme>
 </file>
--- a/soutenance.pptx
+++ b/soutenance.pptx
@@ -5,16 +5,17 @@
     <p:sldMasterId id="2147483696" r:id="rId1"/>
   </p:sldMasterIdLst>
   <p:notesMasterIdLst>
-    <p:notesMasterId r:id="rId9"/>
+    <p:notesMasterId r:id="rId10"/>
   </p:notesMasterIdLst>
   <p:sldIdLst>
     <p:sldId id="256" r:id="rId2"/>
     <p:sldId id="257" r:id="rId3"/>
-    <p:sldId id="258" r:id="rId4"/>
-    <p:sldId id="259" r:id="rId5"/>
-    <p:sldId id="261" r:id="rId6"/>
-    <p:sldId id="262" r:id="rId7"/>
-    <p:sldId id="260" r:id="rId8"/>
+    <p:sldId id="263" r:id="rId4"/>
+    <p:sldId id="258" r:id="rId5"/>
+    <p:sldId id="259" r:id="rId6"/>
+    <p:sldId id="261" r:id="rId7"/>
+    <p:sldId id="262" r:id="rId8"/>
+    <p:sldId id="260" r:id="rId9"/>
   </p:sldIdLst>
   <p:sldSz cx="12192000" cy="6858000"/>
   <p:notesSz cx="6858000" cy="9144000"/>
@@ -4276,8 +4277,8 @@
         </p:nvSpPr>
         <p:spPr>
           <a:xfrm>
-            <a:off x="205946" y="6409039"/>
-            <a:ext cx="6112476" cy="369332"/>
+            <a:off x="3039761" y="6473652"/>
+            <a:ext cx="8880389" cy="369332"/>
           </a:xfrm>
           <a:prstGeom prst="rect">
             <a:avLst/>
@@ -4399,7 +4400,7 @@
         </p:nvSpPr>
         <p:spPr>
           <a:xfrm>
-            <a:off x="635961" y="261890"/>
+            <a:off x="570059" y="988898"/>
             <a:ext cx="10058400" cy="718413"/>
           </a:xfrm>
         </p:spPr>
@@ -4456,28 +4457,25 @@
             </a:r>
           </a:p>
           <a:p>
+            <a:pPr marL="0" indent="0">
+              <a:buNone/>
+            </a:pPr>
+            <a:endParaRPr lang="en-US" altLang="zh-CN" dirty="0" smtClean="0"/>
+          </a:p>
+          <a:p>
             <a:pPr>
               <a:buFont typeface="Wingdings" panose="05000000000000000000" pitchFamily="2" charset="2"/>
               <a:buChar char="Ø"/>
             </a:pPr>
-            <a:endParaRPr lang="en-US" altLang="zh-CN" dirty="0"/>
-          </a:p>
-          <a:p>
-            <a:pPr>
-              <a:buFont typeface="Wingdings" panose="05000000000000000000" pitchFamily="2" charset="2"/>
-              <a:buChar char="Ø"/>
-            </a:pPr>
+            <a:r>
+              <a:rPr lang="en-US" altLang="zh-CN" dirty="0" smtClean="0"/>
+              <a:t>4 </a:t>
+            </a:r>
+            <a:r>
+              <a:rPr lang="en-US" altLang="zh-CN" dirty="0" smtClean="0"/>
+              <a:t>steps:</a:t>
+            </a:r>
             <a:endParaRPr lang="en-US" altLang="zh-CN" dirty="0" smtClean="0"/>
-          </a:p>
-          <a:p>
-            <a:pPr>
-              <a:buFont typeface="Wingdings" panose="05000000000000000000" pitchFamily="2" charset="2"/>
-              <a:buChar char="Ø"/>
-            </a:pPr>
-            <a:r>
-              <a:rPr lang="en-US" altLang="zh-CN" dirty="0" smtClean="0"/>
-              <a:t>4 parts:</a:t>
-            </a:r>
           </a:p>
           <a:p>
             <a:pPr lvl="3">
@@ -4486,7 +4484,7 @@
             </a:pPr>
             <a:r>
               <a:rPr lang="en-US" altLang="zh-CN" dirty="0" smtClean="0"/>
-              <a:t>E</a:t>
+              <a:t>Start of the mission</a:t>
             </a:r>
           </a:p>
           <a:p>
@@ -4496,7 +4494,35 @@
             </a:pPr>
             <a:r>
               <a:rPr lang="en-US" altLang="zh-CN" dirty="0"/>
-              <a:t>mission execution</a:t>
+              <a:t>mission </a:t>
+            </a:r>
+            <a:r>
+              <a:rPr lang="en-US" altLang="zh-CN" dirty="0" smtClean="0"/>
+              <a:t>execution</a:t>
+            </a:r>
+          </a:p>
+          <a:p>
+            <a:pPr lvl="3">
+              <a:buFont typeface="Wingdings" panose="05000000000000000000" pitchFamily="2" charset="2"/>
+              <a:buChar char="Ø"/>
+            </a:pPr>
+            <a:r>
+              <a:rPr lang="en-US" altLang="zh-CN" dirty="0" smtClean="0"/>
+              <a:t>Mission analyze</a:t>
+            </a:r>
+          </a:p>
+          <a:p>
+            <a:pPr lvl="3">
+              <a:buFont typeface="Wingdings" panose="05000000000000000000" pitchFamily="2" charset="2"/>
+              <a:buChar char="Ø"/>
+            </a:pPr>
+            <a:r>
+              <a:rPr lang="en-US" altLang="zh-CN" dirty="0" smtClean="0"/>
+              <a:t>Return </a:t>
+            </a:r>
+            <a:r>
+              <a:rPr lang="en-US" altLang="zh-CN" dirty="0"/>
+              <a:t>from the mission</a:t>
             </a:r>
             <a:endParaRPr lang="en-US" altLang="zh-CN" dirty="0"/>
           </a:p>
@@ -4511,30 +4537,6 @@
           </a:p>
         </p:txBody>
       </p:sp>
-      <p:pic>
-        <p:nvPicPr>
-          <p:cNvPr id="4" name="图片 3"/>
-          <p:cNvPicPr>
-            <a:picLocks noChangeAspect="1"/>
-          </p:cNvPicPr>
-          <p:nvPr/>
-        </p:nvPicPr>
-        <p:blipFill>
-          <a:blip r:embed="rId2"/>
-          <a:stretch>
-            <a:fillRect/>
-          </a:stretch>
-        </p:blipFill>
-        <p:spPr>
-          <a:xfrm>
-            <a:off x="6303544" y="2644163"/>
-            <a:ext cx="5214687" cy="3363354"/>
-          </a:xfrm>
-          <a:prstGeom prst="rect">
-            <a:avLst/>
-          </a:prstGeom>
-        </p:spPr>
-      </p:pic>
       <p:pic>
         <p:nvPicPr>
           <p:cNvPr id="6" name="图片 5"/>
@@ -4544,7 +4546,7 @@
           <p:nvPr/>
         </p:nvPicPr>
         <p:blipFill>
-          <a:blip r:embed="rId3">
+          <a:blip r:embed="rId2">
             <a:extLst>
               <a:ext uri="{28A0092B-C50C-407E-A947-70E740481C1C}">
                 <a14:useLocalDpi xmlns:a14="http://schemas.microsoft.com/office/drawing/2010/main" val="0"/>
@@ -4557,8 +4559,8 @@
         </p:blipFill>
         <p:spPr>
           <a:xfrm>
-            <a:off x="3362826" y="2742863"/>
-            <a:ext cx="3134226" cy="3126231"/>
+            <a:off x="6021860" y="2298358"/>
+            <a:ext cx="3819531" cy="3809788"/>
           </a:xfrm>
           <a:prstGeom prst="rect">
             <a:avLst/>
@@ -4625,262 +4627,76 @@
           <a:chExt cx="0" cy="0"/>
         </a:xfrm>
       </p:grpSpPr>
+      <p:sp>
+        <p:nvSpPr>
+          <p:cNvPr id="2" name="标题 1"/>
+          <p:cNvSpPr>
+            <a:spLocks noGrp="1"/>
+          </p:cNvSpPr>
+          <p:nvPr>
+            <p:ph type="title"/>
+          </p:nvPr>
+        </p:nvSpPr>
+        <p:spPr/>
+        <p:txBody>
+          <a:bodyPr/>
+          <a:lstStyle/>
+          <a:p>
+            <a:endParaRPr lang="zh-CN" altLang="en-US"/>
+          </a:p>
+        </p:txBody>
+      </p:sp>
+      <p:sp>
+        <p:nvSpPr>
+          <p:cNvPr id="4" name="灯片编号占位符 3"/>
+          <p:cNvSpPr>
+            <a:spLocks noGrp="1"/>
+          </p:cNvSpPr>
+          <p:nvPr>
+            <p:ph type="sldNum" sz="quarter" idx="12"/>
+          </p:nvPr>
+        </p:nvSpPr>
+        <p:spPr/>
+        <p:txBody>
+          <a:bodyPr/>
+          <a:lstStyle/>
+          <a:p>
+            <a:fld id="{6124A530-E518-4923-B2D7-101050581B42}" type="slidenum">
+              <a:rPr lang="zh-CN" altLang="en-US" smtClean="0"/>
+              <a:t>3</a:t>
+            </a:fld>
+            <a:endParaRPr lang="zh-CN" altLang="en-US"/>
+          </a:p>
+        </p:txBody>
+      </p:sp>
       <p:pic>
         <p:nvPicPr>
-          <p:cNvPr id="8" name="图片 7"/>
+          <p:cNvPr id="5" name="图片 4"/>
           <p:cNvPicPr>
             <a:picLocks noChangeAspect="1"/>
           </p:cNvPicPr>
           <p:nvPr/>
         </p:nvPicPr>
-        <p:blipFill rotWithShape="1">
-          <a:blip r:embed="rId2">
-            <a:extLst>
-              <a:ext uri="{28A0092B-C50C-407E-A947-70E740481C1C}">
-                <a14:useLocalDpi xmlns:a14="http://schemas.microsoft.com/office/drawing/2010/main" val="0"/>
-              </a:ext>
-            </a:extLst>
-          </a:blip>
-          <a:srcRect l="1" r="-26" b="39505"/>
-          <a:stretch/>
+        <p:blipFill>
+          <a:blip r:embed="rId2"/>
+          <a:stretch>
+            <a:fillRect/>
+          </a:stretch>
         </p:blipFill>
         <p:spPr>
           <a:xfrm>
-            <a:off x="2133599" y="2179760"/>
-            <a:ext cx="7751806" cy="3739185"/>
+            <a:off x="3123738" y="2416895"/>
+            <a:ext cx="5214687" cy="3363354"/>
           </a:xfrm>
           <a:prstGeom prst="rect">
             <a:avLst/>
           </a:prstGeom>
         </p:spPr>
       </p:pic>
-      <p:sp>
-        <p:nvSpPr>
-          <p:cNvPr id="9" name="标题 1"/>
-          <p:cNvSpPr>
-            <a:spLocks noGrp="1"/>
-          </p:cNvSpPr>
-          <p:nvPr>
-            <p:ph type="title"/>
-          </p:nvPr>
-        </p:nvSpPr>
-        <p:spPr>
-          <a:xfrm>
-            <a:off x="619485" y="978582"/>
-            <a:ext cx="10058400" cy="718413"/>
-          </a:xfrm>
-        </p:spPr>
-        <p:txBody>
-          <a:bodyPr>
-            <a:normAutofit fontScale="90000"/>
-          </a:bodyPr>
-          <a:lstStyle/>
-          <a:p>
-            <a:r>
-              <a:rPr lang="en-US" altLang="zh-CN" dirty="0" smtClean="0"/>
-              <a:t>Our </a:t>
-            </a:r>
-            <a:r>
-              <a:rPr lang="en-US" altLang="zh-CN" dirty="0" smtClean="0"/>
-              <a:t>Concept </a:t>
-            </a:r>
-            <a:endParaRPr lang="zh-CN" altLang="en-US" dirty="0"/>
-          </a:p>
-        </p:txBody>
-      </p:sp>
-      <p:sp>
-        <p:nvSpPr>
-          <p:cNvPr id="2" name="文本框 1"/>
-          <p:cNvSpPr txBox="1"/>
-          <p:nvPr/>
-        </p:nvSpPr>
-        <p:spPr>
-          <a:xfrm>
-            <a:off x="3461539" y="1384379"/>
-            <a:ext cx="3286897" cy="369332"/>
-          </a:xfrm>
-          <a:prstGeom prst="rect">
-            <a:avLst/>
-          </a:prstGeom>
-          <a:noFill/>
-        </p:spPr>
-        <p:txBody>
-          <a:bodyPr wrap="square" rtlCol="0">
-            <a:spAutoFit/>
-          </a:bodyPr>
-          <a:lstStyle/>
-          <a:p>
-            <a:r>
-              <a:rPr lang="en-US" altLang="zh-CN" dirty="0" smtClean="0"/>
-              <a:t>3 types of drones  </a:t>
-            </a:r>
-            <a:endParaRPr lang="zh-CN" altLang="en-US" dirty="0"/>
-          </a:p>
-        </p:txBody>
-      </p:sp>
-      <p:sp>
-        <p:nvSpPr>
-          <p:cNvPr id="3" name="圆角矩形 2"/>
-          <p:cNvSpPr/>
-          <p:nvPr/>
-        </p:nvSpPr>
-        <p:spPr>
-          <a:xfrm>
-            <a:off x="2133599" y="3641123"/>
-            <a:ext cx="1252152" cy="631047"/>
-          </a:xfrm>
-          <a:prstGeom prst="roundRect">
-            <a:avLst/>
-          </a:prstGeom>
-          <a:solidFill>
-            <a:srgbClr val="42BA97">
-              <a:alpha val="63137"/>
-            </a:srgbClr>
-          </a:solidFill>
-        </p:spPr>
-        <p:style>
-          <a:lnRef idx="2">
-            <a:schemeClr val="accent4">
-              <a:shade val="50000"/>
-            </a:schemeClr>
-          </a:lnRef>
-          <a:fillRef idx="1">
-            <a:schemeClr val="accent4"/>
-          </a:fillRef>
-          <a:effectRef idx="0">
-            <a:schemeClr val="accent4"/>
-          </a:effectRef>
-          <a:fontRef idx="minor">
-            <a:schemeClr val="lt1"/>
-          </a:fontRef>
-        </p:style>
-        <p:txBody>
-          <a:bodyPr rtlCol="0" anchor="ctr"/>
-          <a:lstStyle/>
-          <a:p>
-            <a:pPr algn="ctr"/>
-            <a:endParaRPr lang="zh-CN" altLang="en-US"/>
-          </a:p>
-        </p:txBody>
-      </p:sp>
-      <p:sp>
-        <p:nvSpPr>
-          <p:cNvPr id="10" name="圆角矩形 9"/>
-          <p:cNvSpPr/>
-          <p:nvPr/>
-        </p:nvSpPr>
-        <p:spPr>
-          <a:xfrm>
-            <a:off x="5276335" y="3641123"/>
-            <a:ext cx="1252152" cy="631047"/>
-          </a:xfrm>
-          <a:prstGeom prst="roundRect">
-            <a:avLst/>
-          </a:prstGeom>
-          <a:solidFill>
-            <a:srgbClr val="6666FF">
-              <a:alpha val="60000"/>
-            </a:srgbClr>
-          </a:solidFill>
-        </p:spPr>
-        <p:style>
-          <a:lnRef idx="1">
-            <a:schemeClr val="accent1"/>
-          </a:lnRef>
-          <a:fillRef idx="2">
-            <a:schemeClr val="accent1"/>
-          </a:fillRef>
-          <a:effectRef idx="1">
-            <a:schemeClr val="accent1"/>
-          </a:effectRef>
-          <a:fontRef idx="minor">
-            <a:schemeClr val="dk1"/>
-          </a:fontRef>
-        </p:style>
-        <p:txBody>
-          <a:bodyPr rtlCol="0" anchor="ctr"/>
-          <a:lstStyle/>
-          <a:p>
-            <a:pPr algn="ctr"/>
-            <a:endParaRPr lang="zh-CN" altLang="en-US"/>
-          </a:p>
-        </p:txBody>
-      </p:sp>
-      <p:sp>
-        <p:nvSpPr>
-          <p:cNvPr id="11" name="圆角矩形 10"/>
-          <p:cNvSpPr/>
-          <p:nvPr/>
-        </p:nvSpPr>
-        <p:spPr>
-          <a:xfrm>
-            <a:off x="8633253" y="3641123"/>
-            <a:ext cx="1252152" cy="631047"/>
-          </a:xfrm>
-          <a:prstGeom prst="roundRect">
-            <a:avLst/>
-          </a:prstGeom>
-          <a:solidFill>
-            <a:srgbClr val="66FFCC">
-              <a:alpha val="60000"/>
-            </a:srgbClr>
-          </a:solidFill>
-        </p:spPr>
-        <p:style>
-          <a:lnRef idx="1">
-            <a:schemeClr val="accent3"/>
-          </a:lnRef>
-          <a:fillRef idx="2">
-            <a:schemeClr val="accent3"/>
-          </a:fillRef>
-          <a:effectRef idx="1">
-            <a:schemeClr val="accent3"/>
-          </a:effectRef>
-          <a:fontRef idx="minor">
-            <a:schemeClr val="dk1"/>
-          </a:fontRef>
-        </p:style>
-        <p:txBody>
-          <a:bodyPr rtlCol="0" anchor="ctr"/>
-          <a:lstStyle/>
-          <a:p>
-            <a:pPr algn="ctr"/>
-            <a:endParaRPr lang="zh-CN" altLang="en-US"/>
-          </a:p>
-        </p:txBody>
-      </p:sp>
-      <p:sp>
-        <p:nvSpPr>
-          <p:cNvPr id="4" name="灯片编号占位符 3"/>
-          <p:cNvSpPr>
-            <a:spLocks noGrp="1"/>
-          </p:cNvSpPr>
-          <p:nvPr>
-            <p:ph type="sldNum" sz="quarter" idx="12"/>
-          </p:nvPr>
-        </p:nvSpPr>
-        <p:spPr>
-          <a:xfrm>
-            <a:off x="10798382" y="6492875"/>
-            <a:ext cx="1312025" cy="365125"/>
-          </a:xfrm>
-        </p:spPr>
-        <p:txBody>
-          <a:bodyPr/>
-          <a:lstStyle/>
-          <a:p>
-            <a:fld id="{6124A530-E518-4923-B2D7-101050581B42}" type="slidenum">
-              <a:rPr lang="zh-CN" altLang="en-US" sz="2400" smtClean="0"/>
-              <a:t>3</a:t>
-            </a:fld>
-            <a:endParaRPr lang="zh-CN" altLang="en-US" sz="4000" dirty="0"/>
-          </a:p>
-        </p:txBody>
-      </p:sp>
     </p:spTree>
     <p:extLst>
       <p:ext uri="{BB962C8B-B14F-4D97-AF65-F5344CB8AC3E}">
-        <p14:creationId xmlns:p14="http://schemas.microsoft.com/office/powerpoint/2010/main" val="3245922503"/>
+        <p14:creationId xmlns:p14="http://schemas.microsoft.com/office/powerpoint/2010/main" val="1911795024"/>
       </p:ext>
     </p:extLst>
   </p:cSld>
@@ -4914,6 +4730,442 @@
           <a:chExt cx="0" cy="0"/>
         </a:xfrm>
       </p:grpSpPr>
+      <p:pic>
+        <p:nvPicPr>
+          <p:cNvPr id="8" name="图片 7"/>
+          <p:cNvPicPr>
+            <a:picLocks noChangeAspect="1"/>
+          </p:cNvPicPr>
+          <p:nvPr/>
+        </p:nvPicPr>
+        <p:blipFill rotWithShape="1">
+          <a:blip r:embed="rId2">
+            <a:extLst>
+              <a:ext uri="{28A0092B-C50C-407E-A947-70E740481C1C}">
+                <a14:useLocalDpi xmlns:a14="http://schemas.microsoft.com/office/drawing/2010/main" val="0"/>
+              </a:ext>
+            </a:extLst>
+          </a:blip>
+          <a:srcRect l="1" r="-26" b="39505"/>
+          <a:stretch/>
+        </p:blipFill>
+        <p:spPr>
+          <a:xfrm>
+            <a:off x="619485" y="2102792"/>
+            <a:ext cx="7751806" cy="3739185"/>
+          </a:xfrm>
+          <a:prstGeom prst="rect">
+            <a:avLst/>
+          </a:prstGeom>
+        </p:spPr>
+      </p:pic>
+      <p:sp>
+        <p:nvSpPr>
+          <p:cNvPr id="9" name="标题 1"/>
+          <p:cNvSpPr>
+            <a:spLocks noGrp="1"/>
+          </p:cNvSpPr>
+          <p:nvPr>
+            <p:ph type="title"/>
+          </p:nvPr>
+        </p:nvSpPr>
+        <p:spPr>
+          <a:xfrm>
+            <a:off x="619485" y="978582"/>
+            <a:ext cx="10058400" cy="718413"/>
+          </a:xfrm>
+        </p:spPr>
+        <p:txBody>
+          <a:bodyPr>
+            <a:normAutofit fontScale="90000"/>
+          </a:bodyPr>
+          <a:lstStyle/>
+          <a:p>
+            <a:r>
+              <a:rPr lang="en-US" altLang="zh-CN" dirty="0" smtClean="0"/>
+              <a:t>Our </a:t>
+            </a:r>
+            <a:r>
+              <a:rPr lang="en-US" altLang="zh-CN" dirty="0" smtClean="0"/>
+              <a:t>Concept </a:t>
+            </a:r>
+            <a:endParaRPr lang="zh-CN" altLang="en-US" dirty="0"/>
+          </a:p>
+        </p:txBody>
+      </p:sp>
+      <p:sp>
+        <p:nvSpPr>
+          <p:cNvPr id="2" name="文本框 1"/>
+          <p:cNvSpPr txBox="1"/>
+          <p:nvPr/>
+        </p:nvSpPr>
+        <p:spPr>
+          <a:xfrm>
+            <a:off x="3461539" y="1384379"/>
+            <a:ext cx="3286897" cy="369332"/>
+          </a:xfrm>
+          <a:prstGeom prst="rect">
+            <a:avLst/>
+          </a:prstGeom>
+          <a:noFill/>
+        </p:spPr>
+        <p:txBody>
+          <a:bodyPr wrap="square" rtlCol="0">
+            <a:spAutoFit/>
+          </a:bodyPr>
+          <a:lstStyle/>
+          <a:p>
+            <a:r>
+              <a:rPr lang="en-US" altLang="zh-CN" dirty="0" smtClean="0"/>
+              <a:t>3 types of drones  </a:t>
+            </a:r>
+            <a:endParaRPr lang="zh-CN" altLang="en-US" dirty="0"/>
+          </a:p>
+        </p:txBody>
+      </p:sp>
+      <p:sp>
+        <p:nvSpPr>
+          <p:cNvPr id="3" name="圆角矩形 2"/>
+          <p:cNvSpPr/>
+          <p:nvPr/>
+        </p:nvSpPr>
+        <p:spPr>
+          <a:xfrm>
+            <a:off x="619485" y="3564155"/>
+            <a:ext cx="1252152" cy="631047"/>
+          </a:xfrm>
+          <a:prstGeom prst="roundRect">
+            <a:avLst/>
+          </a:prstGeom>
+          <a:solidFill>
+            <a:srgbClr val="42BA97">
+              <a:alpha val="63137"/>
+            </a:srgbClr>
+          </a:solidFill>
+          <a:ln>
+            <a:solidFill>
+              <a:schemeClr val="tx1"/>
+            </a:solidFill>
+          </a:ln>
+        </p:spPr>
+        <p:style>
+          <a:lnRef idx="2">
+            <a:schemeClr val="accent4">
+              <a:shade val="50000"/>
+            </a:schemeClr>
+          </a:lnRef>
+          <a:fillRef idx="1">
+            <a:schemeClr val="accent4"/>
+          </a:fillRef>
+          <a:effectRef idx="0">
+            <a:schemeClr val="accent4"/>
+          </a:effectRef>
+          <a:fontRef idx="minor">
+            <a:schemeClr val="lt1"/>
+          </a:fontRef>
+        </p:style>
+        <p:txBody>
+          <a:bodyPr rtlCol="0" anchor="ctr"/>
+          <a:lstStyle/>
+          <a:p>
+            <a:pPr algn="ctr"/>
+            <a:endParaRPr lang="zh-CN" altLang="en-US"/>
+          </a:p>
+        </p:txBody>
+      </p:sp>
+      <p:sp>
+        <p:nvSpPr>
+          <p:cNvPr id="10" name="圆角矩形 9"/>
+          <p:cNvSpPr/>
+          <p:nvPr/>
+        </p:nvSpPr>
+        <p:spPr>
+          <a:xfrm>
+            <a:off x="3762221" y="3572393"/>
+            <a:ext cx="1252152" cy="631047"/>
+          </a:xfrm>
+          <a:prstGeom prst="roundRect">
+            <a:avLst/>
+          </a:prstGeom>
+          <a:solidFill>
+            <a:srgbClr val="6666FF">
+              <a:alpha val="60000"/>
+            </a:srgbClr>
+          </a:solidFill>
+          <a:ln>
+            <a:solidFill>
+              <a:schemeClr val="tx1"/>
+            </a:solidFill>
+          </a:ln>
+        </p:spPr>
+        <p:style>
+          <a:lnRef idx="1">
+            <a:schemeClr val="accent1"/>
+          </a:lnRef>
+          <a:fillRef idx="2">
+            <a:schemeClr val="accent1"/>
+          </a:fillRef>
+          <a:effectRef idx="1">
+            <a:schemeClr val="accent1"/>
+          </a:effectRef>
+          <a:fontRef idx="minor">
+            <a:schemeClr val="dk1"/>
+          </a:fontRef>
+        </p:style>
+        <p:txBody>
+          <a:bodyPr rtlCol="0" anchor="ctr"/>
+          <a:lstStyle/>
+          <a:p>
+            <a:pPr algn="ctr"/>
+            <a:endParaRPr lang="zh-CN" altLang="en-US"/>
+          </a:p>
+        </p:txBody>
+      </p:sp>
+      <p:sp>
+        <p:nvSpPr>
+          <p:cNvPr id="11" name="圆角矩形 10"/>
+          <p:cNvSpPr/>
+          <p:nvPr/>
+        </p:nvSpPr>
+        <p:spPr>
+          <a:xfrm>
+            <a:off x="7110901" y="3564155"/>
+            <a:ext cx="1252152" cy="631047"/>
+          </a:xfrm>
+          <a:prstGeom prst="roundRect">
+            <a:avLst/>
+          </a:prstGeom>
+          <a:solidFill>
+            <a:srgbClr val="7030A0">
+              <a:alpha val="60000"/>
+            </a:srgbClr>
+          </a:solidFill>
+          <a:ln>
+            <a:solidFill>
+              <a:schemeClr val="tx1"/>
+            </a:solidFill>
+          </a:ln>
+        </p:spPr>
+        <p:style>
+          <a:lnRef idx="1">
+            <a:schemeClr val="accent3"/>
+          </a:lnRef>
+          <a:fillRef idx="2">
+            <a:schemeClr val="accent3"/>
+          </a:fillRef>
+          <a:effectRef idx="1">
+            <a:schemeClr val="accent3"/>
+          </a:effectRef>
+          <a:fontRef idx="minor">
+            <a:schemeClr val="dk1"/>
+          </a:fontRef>
+        </p:style>
+        <p:txBody>
+          <a:bodyPr rtlCol="0" anchor="ctr"/>
+          <a:lstStyle/>
+          <a:p>
+            <a:pPr algn="ctr"/>
+            <a:endParaRPr lang="zh-CN" altLang="en-US"/>
+          </a:p>
+        </p:txBody>
+      </p:sp>
+      <p:sp>
+        <p:nvSpPr>
+          <p:cNvPr id="4" name="灯片编号占位符 3"/>
+          <p:cNvSpPr>
+            <a:spLocks noGrp="1"/>
+          </p:cNvSpPr>
+          <p:nvPr>
+            <p:ph type="sldNum" sz="quarter" idx="12"/>
+          </p:nvPr>
+        </p:nvSpPr>
+        <p:spPr>
+          <a:xfrm>
+            <a:off x="10798382" y="6492875"/>
+            <a:ext cx="1312025" cy="365125"/>
+          </a:xfrm>
+        </p:spPr>
+        <p:txBody>
+          <a:bodyPr/>
+          <a:lstStyle/>
+          <a:p>
+            <a:fld id="{6124A530-E518-4923-B2D7-101050581B42}" type="slidenum">
+              <a:rPr lang="zh-CN" altLang="en-US" sz="2400" smtClean="0"/>
+              <a:t>4</a:t>
+            </a:fld>
+            <a:endParaRPr lang="zh-CN" altLang="en-US" sz="4000" dirty="0"/>
+          </a:p>
+        </p:txBody>
+      </p:sp>
+      <p:pic>
+        <p:nvPicPr>
+          <p:cNvPr id="20" name="图片 19"/>
+          <p:cNvPicPr>
+            <a:picLocks noChangeAspect="1"/>
+          </p:cNvPicPr>
+          <p:nvPr/>
+        </p:nvPicPr>
+        <p:blipFill rotWithShape="1">
+          <a:blip r:embed="rId3">
+            <a:extLst>
+              <a:ext uri="{28A0092B-C50C-407E-A947-70E740481C1C}">
+                <a14:useLocalDpi xmlns:a14="http://schemas.microsoft.com/office/drawing/2010/main" val="0"/>
+              </a:ext>
+            </a:extLst>
+          </a:blip>
+          <a:srcRect l="-1" t="67725" r="-6108"/>
+          <a:stretch/>
+        </p:blipFill>
+        <p:spPr>
+          <a:xfrm>
+            <a:off x="6604662" y="3623733"/>
+            <a:ext cx="8146445" cy="2310752"/>
+          </a:xfrm>
+          <a:prstGeom prst="rect">
+            <a:avLst/>
+          </a:prstGeom>
+        </p:spPr>
+      </p:pic>
+      <p:sp>
+        <p:nvSpPr>
+          <p:cNvPr id="21" name="右大括号 20"/>
+          <p:cNvSpPr/>
+          <p:nvPr/>
+        </p:nvSpPr>
+        <p:spPr>
+          <a:xfrm>
+            <a:off x="8898467" y="2167466"/>
+            <a:ext cx="169333" cy="3581400"/>
+          </a:xfrm>
+          <a:prstGeom prst="rightBrace">
+            <a:avLst/>
+          </a:prstGeom>
+        </p:spPr>
+        <p:style>
+          <a:lnRef idx="1">
+            <a:schemeClr val="dk1"/>
+          </a:lnRef>
+          <a:fillRef idx="0">
+            <a:schemeClr val="dk1"/>
+          </a:fillRef>
+          <a:effectRef idx="0">
+            <a:schemeClr val="dk1"/>
+          </a:effectRef>
+          <a:fontRef idx="minor">
+            <a:schemeClr val="tx1"/>
+          </a:fontRef>
+        </p:style>
+        <p:txBody>
+          <a:bodyPr rtlCol="0" anchor="ctr"/>
+          <a:lstStyle/>
+          <a:p>
+            <a:pPr algn="ctr"/>
+            <a:endParaRPr lang="zh-CN" altLang="en-US"/>
+          </a:p>
+        </p:txBody>
+      </p:sp>
+      <p:cxnSp>
+        <p:nvCxnSpPr>
+          <p:cNvPr id="23" name="直接箭头连接符 22"/>
+          <p:cNvCxnSpPr>
+            <a:stCxn id="21" idx="1"/>
+          </p:cNvCxnSpPr>
+          <p:nvPr/>
+        </p:nvCxnSpPr>
+        <p:spPr>
+          <a:xfrm>
+            <a:off x="9067800" y="3958166"/>
+            <a:ext cx="753533" cy="0"/>
+          </a:xfrm>
+          <a:prstGeom prst="straightConnector1">
+            <a:avLst/>
+          </a:prstGeom>
+          <a:ln>
+            <a:tailEnd type="triangle"/>
+          </a:ln>
+        </p:spPr>
+        <p:style>
+          <a:lnRef idx="1">
+            <a:schemeClr val="dk1"/>
+          </a:lnRef>
+          <a:fillRef idx="0">
+            <a:schemeClr val="dk1"/>
+          </a:fillRef>
+          <a:effectRef idx="0">
+            <a:schemeClr val="dk1"/>
+          </a:effectRef>
+          <a:fontRef idx="minor">
+            <a:schemeClr val="tx1"/>
+          </a:fontRef>
+        </p:style>
+      </p:cxnSp>
+      <p:sp>
+        <p:nvSpPr>
+          <p:cNvPr id="24" name="文本框 23"/>
+          <p:cNvSpPr txBox="1"/>
+          <p:nvPr/>
+        </p:nvSpPr>
+        <p:spPr>
+          <a:xfrm>
+            <a:off x="9267853" y="3153262"/>
+            <a:ext cx="2641600" cy="369332"/>
+          </a:xfrm>
+          <a:prstGeom prst="rect">
+            <a:avLst/>
+          </a:prstGeom>
+          <a:noFill/>
+        </p:spPr>
+        <p:txBody>
+          <a:bodyPr wrap="square" rtlCol="0">
+            <a:spAutoFit/>
+          </a:bodyPr>
+          <a:lstStyle/>
+          <a:p>
+            <a:r>
+              <a:rPr lang="en-US" altLang="zh-CN" dirty="0" smtClean="0"/>
+              <a:t>All the drones have also:</a:t>
+            </a:r>
+            <a:endParaRPr lang="zh-CN" altLang="en-US" dirty="0"/>
+          </a:p>
+        </p:txBody>
+      </p:sp>
+    </p:spTree>
+    <p:extLst>
+      <p:ext uri="{BB962C8B-B14F-4D97-AF65-F5344CB8AC3E}">
+        <p14:creationId xmlns:p14="http://schemas.microsoft.com/office/powerpoint/2010/main" val="3245922503"/>
+      </p:ext>
+    </p:extLst>
+  </p:cSld>
+  <p:clrMapOvr>
+    <a:masterClrMapping/>
+  </p:clrMapOvr>
+  <p:timing>
+    <p:tnLst>
+      <p:par>
+        <p:cTn id="1" dur="indefinite" restart="never" nodeType="tmRoot"/>
+      </p:par>
+    </p:tnLst>
+  </p:timing>
+</p:sld>
+</file>
+
+<file path=ppt/slides/slide5.xml><?xml version="1.0" encoding="utf-8"?>
+<p:sld xmlns:a="http://schemas.openxmlformats.org/drawingml/2006/main" xmlns:r="http://schemas.openxmlformats.org/officeDocument/2006/relationships" xmlns:p="http://schemas.openxmlformats.org/presentationml/2006/main">
+  <p:cSld>
+    <p:spTree>
+      <p:nvGrpSpPr>
+        <p:cNvPr id="1" name=""/>
+        <p:cNvGrpSpPr/>
+        <p:nvPr/>
+      </p:nvGrpSpPr>
+      <p:grpSpPr>
+        <a:xfrm>
+          <a:off x="0" y="0"/>
+          <a:ext cx="0" cy="0"/>
+          <a:chOff x="0" y="0"/>
+          <a:chExt cx="0" cy="0"/>
+        </a:xfrm>
+      </p:grpSpPr>
       <p:sp>
         <p:nvSpPr>
           <p:cNvPr id="2" name="标题 1"/>
@@ -5022,7 +5274,7 @@
         </p:blipFill>
         <p:spPr>
           <a:xfrm>
-            <a:off x="9115926" y="3659806"/>
+            <a:off x="6990564" y="1735161"/>
             <a:ext cx="2514600" cy="2514600"/>
           </a:xfrm>
           <a:prstGeom prst="rect">
@@ -5051,7 +5303,7 @@
         </p:blipFill>
         <p:spPr bwMode="auto">
           <a:xfrm>
-            <a:off x="5519686" y="4247561"/>
+            <a:off x="7373200" y="4249761"/>
             <a:ext cx="2300623" cy="1854184"/>
           </a:xfrm>
           <a:prstGeom prst="rect">
@@ -5084,7 +5336,7 @@
         </p:blipFill>
         <p:spPr bwMode="auto">
           <a:xfrm>
-            <a:off x="2380328" y="4886626"/>
+            <a:off x="2380328" y="4458259"/>
             <a:ext cx="1013460" cy="1287780"/>
           </a:xfrm>
           <a:prstGeom prst="rect">
@@ -5113,9 +5365,69 @@
           <a:p>
             <a:fld id="{6124A530-E518-4923-B2D7-101050581B42}" type="slidenum">
               <a:rPr lang="zh-CN" altLang="en-US" smtClean="0"/>
-              <a:t>4</a:t>
+              <a:t>5</a:t>
             </a:fld>
             <a:endParaRPr lang="zh-CN" altLang="en-US"/>
+          </a:p>
+        </p:txBody>
+      </p:sp>
+      <p:sp>
+        <p:nvSpPr>
+          <p:cNvPr id="11" name="文本框 10"/>
+          <p:cNvSpPr txBox="1"/>
+          <p:nvPr/>
+        </p:nvSpPr>
+        <p:spPr>
+          <a:xfrm>
+            <a:off x="1958350" y="3969950"/>
+            <a:ext cx="1857417" cy="369332"/>
+          </a:xfrm>
+          <a:prstGeom prst="rect">
+            <a:avLst/>
+          </a:prstGeom>
+          <a:noFill/>
+        </p:spPr>
+        <p:txBody>
+          <a:bodyPr wrap="square" rtlCol="0">
+            <a:spAutoFit/>
+          </a:bodyPr>
+          <a:lstStyle/>
+          <a:p>
+            <a:r>
+              <a:rPr lang="en-US" altLang="zh-CN" dirty="0" smtClean="0"/>
+              <a:t>Thermal camera</a:t>
+            </a:r>
+            <a:endParaRPr lang="zh-CN" altLang="en-US" dirty="0"/>
+          </a:p>
+        </p:txBody>
+      </p:sp>
+      <p:sp>
+        <p:nvSpPr>
+          <p:cNvPr id="12" name="文本框 11"/>
+          <p:cNvSpPr txBox="1"/>
+          <p:nvPr/>
+        </p:nvSpPr>
+        <p:spPr>
+          <a:xfrm>
+            <a:off x="1958350" y="5631969"/>
+            <a:ext cx="1857417" cy="369332"/>
+          </a:xfrm>
+          <a:prstGeom prst="rect">
+            <a:avLst/>
+          </a:prstGeom>
+          <a:noFill/>
+        </p:spPr>
+        <p:txBody>
+          <a:bodyPr wrap="square" rtlCol="0">
+            <a:spAutoFit/>
+          </a:bodyPr>
+          <a:lstStyle/>
+          <a:p>
+            <a:r>
+              <a:rPr lang="en-US" altLang="zh-CN" dirty="0" smtClean="0"/>
+              <a:t>Microphone</a:t>
+            </a:r>
+            <a:endParaRPr lang="zh-CN" altLang="en-US" dirty="0"/>
           </a:p>
         </p:txBody>
       </p:sp>
@@ -5129,146 +5441,13 @@
   <p:clrMapOvr>
     <a:masterClrMapping/>
   </p:clrMapOvr>
-</p:sld>
-</file>
-
-<file path=ppt/slides/slide5.xml><?xml version="1.0" encoding="utf-8"?>
-<p:sld xmlns:a="http://schemas.openxmlformats.org/drawingml/2006/main" xmlns:r="http://schemas.openxmlformats.org/officeDocument/2006/relationships" xmlns:p="http://schemas.openxmlformats.org/presentationml/2006/main">
-  <p:cSld>
-    <p:spTree>
-      <p:nvGrpSpPr>
-        <p:cNvPr id="1" name=""/>
-        <p:cNvGrpSpPr/>
-        <p:nvPr/>
-      </p:nvGrpSpPr>
-      <p:grpSpPr>
-        <a:xfrm>
-          <a:off x="0" y="0"/>
-          <a:ext cx="0" cy="0"/>
-          <a:chOff x="0" y="0"/>
-          <a:chExt cx="0" cy="0"/>
-        </a:xfrm>
-      </p:grpSpPr>
-      <p:sp>
-        <p:nvSpPr>
-          <p:cNvPr id="2" name="标题 1"/>
-          <p:cNvSpPr>
-            <a:spLocks noGrp="1"/>
-          </p:cNvSpPr>
-          <p:nvPr>
-            <p:ph type="title"/>
-          </p:nvPr>
-        </p:nvSpPr>
-        <p:spPr/>
-        <p:txBody>
-          <a:bodyPr/>
-          <a:lstStyle/>
-          <a:p>
-            <a:r>
-              <a:rPr lang="en-US" altLang="zh-CN" dirty="0" smtClean="0"/>
-              <a:t>Our drone</a:t>
-            </a:r>
-            <a:endParaRPr lang="zh-CN" altLang="en-US" dirty="0"/>
-          </a:p>
-        </p:txBody>
-      </p:sp>
-      <p:sp>
-        <p:nvSpPr>
-          <p:cNvPr id="3" name="文本框 2"/>
-          <p:cNvSpPr txBox="1"/>
-          <p:nvPr/>
-        </p:nvSpPr>
-        <p:spPr>
-          <a:xfrm>
-            <a:off x="3815767" y="1368028"/>
-            <a:ext cx="3795996" cy="369332"/>
-          </a:xfrm>
-          <a:prstGeom prst="rect">
-            <a:avLst/>
-          </a:prstGeom>
-          <a:noFill/>
-        </p:spPr>
-        <p:txBody>
-          <a:bodyPr wrap="square" rtlCol="0">
-            <a:spAutoFit/>
-          </a:bodyPr>
-          <a:lstStyle/>
-          <a:p>
-            <a:r>
-              <a:rPr lang="en-US" altLang="zh-CN" dirty="0"/>
-              <a:t>how are the sensors </a:t>
-            </a:r>
-            <a:r>
-              <a:rPr lang="en-US" altLang="zh-CN" dirty="0" smtClean="0"/>
-              <a:t>fixed ?</a:t>
-            </a:r>
-            <a:endParaRPr lang="zh-CN" altLang="en-US" dirty="0"/>
-          </a:p>
-        </p:txBody>
-      </p:sp>
-      <p:sp>
-        <p:nvSpPr>
-          <p:cNvPr id="5" name="文本框 4"/>
-          <p:cNvSpPr txBox="1"/>
-          <p:nvPr/>
-        </p:nvSpPr>
-        <p:spPr>
-          <a:xfrm>
-            <a:off x="1764632" y="3112168"/>
-            <a:ext cx="8181473" cy="369332"/>
-          </a:xfrm>
-          <a:prstGeom prst="rect">
-            <a:avLst/>
-          </a:prstGeom>
-          <a:noFill/>
-        </p:spPr>
-        <p:txBody>
-          <a:bodyPr wrap="square" rtlCol="0">
-            <a:spAutoFit/>
-          </a:bodyPr>
-          <a:lstStyle/>
-          <a:p>
-            <a:r>
-              <a:rPr lang="en-US" altLang="zh-CN" dirty="0" smtClean="0"/>
-              <a:t>PHOTO DE LA MODELISATION</a:t>
-            </a:r>
-            <a:endParaRPr lang="zh-CN" altLang="en-US" dirty="0"/>
-          </a:p>
-        </p:txBody>
-      </p:sp>
-      <p:sp>
-        <p:nvSpPr>
-          <p:cNvPr id="10" name="灯片编号占位符 9"/>
-          <p:cNvSpPr>
-            <a:spLocks noGrp="1"/>
-          </p:cNvSpPr>
-          <p:nvPr>
-            <p:ph type="sldNum" sz="quarter" idx="12"/>
-          </p:nvPr>
-        </p:nvSpPr>
-        <p:spPr/>
-        <p:txBody>
-          <a:bodyPr/>
-          <a:lstStyle/>
-          <a:p>
-            <a:fld id="{6124A530-E518-4923-B2D7-101050581B42}" type="slidenum">
-              <a:rPr lang="zh-CN" altLang="en-US" smtClean="0"/>
-              <a:t>5</a:t>
-            </a:fld>
-            <a:endParaRPr lang="zh-CN" altLang="en-US"/>
-          </a:p>
-        </p:txBody>
-      </p:sp>
-    </p:spTree>
-    <p:extLst>
-      <p:ext uri="{BB962C8B-B14F-4D97-AF65-F5344CB8AC3E}">
-        <p14:creationId xmlns:p14="http://schemas.microsoft.com/office/powerpoint/2010/main" val="724140301"/>
-      </p:ext>
-    </p:extLst>
-  </p:cSld>
-  <p:clrMapOvr>
-    <a:masterClrMapping/>
-  </p:clrMapOvr>
+  <p:timing>
+    <p:tnLst>
+      <p:par>
+        <p:cTn id="1" dur="indefinite" restart="never" nodeType="tmRoot"/>
+      </p:par>
+    </p:tnLst>
+  </p:timing>
 </p:sld>
 </file>
 
@@ -5306,7 +5485,7 @@
           <a:p>
             <a:r>
               <a:rPr lang="en-US" altLang="zh-CN" dirty="0" smtClean="0"/>
-              <a:t>Our drone </a:t>
+              <a:t>Our drone</a:t>
             </a:r>
             <a:endParaRPr lang="zh-CN" altLang="en-US" dirty="0"/>
           </a:p>
@@ -5314,7 +5493,7 @@
       </p:sp>
       <p:sp>
         <p:nvSpPr>
-          <p:cNvPr id="4" name="文本框 3"/>
+          <p:cNvPr id="3" name="文本框 2"/>
           <p:cNvSpPr txBox="1"/>
           <p:nvPr/>
         </p:nvSpPr>
@@ -5336,7 +5515,11 @@
           <a:p>
             <a:r>
               <a:rPr lang="en-US" altLang="zh-CN" dirty="0"/>
-              <a:t>how maintenance works</a:t>
+              <a:t>how are the sensors </a:t>
+            </a:r>
+            <a:r>
+              <a:rPr lang="en-US" altLang="zh-CN" dirty="0" smtClean="0"/>
+              <a:t>fixed ?</a:t>
             </a:r>
             <a:endParaRPr lang="zh-CN" altLang="en-US" dirty="0"/>
           </a:p>
@@ -5344,7 +5527,37 @@
       </p:sp>
       <p:sp>
         <p:nvSpPr>
-          <p:cNvPr id="5" name="灯片编号占位符 4"/>
+          <p:cNvPr id="5" name="文本框 4"/>
+          <p:cNvSpPr txBox="1"/>
+          <p:nvPr/>
+        </p:nvSpPr>
+        <p:spPr>
+          <a:xfrm>
+            <a:off x="1764632" y="3112168"/>
+            <a:ext cx="8181473" cy="369332"/>
+          </a:xfrm>
+          <a:prstGeom prst="rect">
+            <a:avLst/>
+          </a:prstGeom>
+          <a:noFill/>
+        </p:spPr>
+        <p:txBody>
+          <a:bodyPr wrap="square" rtlCol="0">
+            <a:spAutoFit/>
+          </a:bodyPr>
+          <a:lstStyle/>
+          <a:p>
+            <a:r>
+              <a:rPr lang="en-US" altLang="zh-CN" dirty="0" smtClean="0"/>
+              <a:t>PHOTO DE LA MODELISATION</a:t>
+            </a:r>
+            <a:endParaRPr lang="zh-CN" altLang="en-US" dirty="0"/>
+          </a:p>
+        </p:txBody>
+      </p:sp>
+      <p:sp>
+        <p:nvSpPr>
+          <p:cNvPr id="10" name="灯片编号占位符 9"/>
           <p:cNvSpPr>
             <a:spLocks noGrp="1"/>
           </p:cNvSpPr>
@@ -5368,13 +5581,20 @@
     </p:spTree>
     <p:extLst>
       <p:ext uri="{BB962C8B-B14F-4D97-AF65-F5344CB8AC3E}">
-        <p14:creationId xmlns:p14="http://schemas.microsoft.com/office/powerpoint/2010/main" val="2451006197"/>
+        <p14:creationId xmlns:p14="http://schemas.microsoft.com/office/powerpoint/2010/main" val="724140301"/>
       </p:ext>
     </p:extLst>
   </p:cSld>
   <p:clrMapOvr>
     <a:masterClrMapping/>
   </p:clrMapOvr>
+  <p:timing>
+    <p:tnLst>
+      <p:par>
+        <p:cTn id="1" dur="indefinite" restart="never" nodeType="tmRoot"/>
+      </p:par>
+    </p:tnLst>
+  </p:timing>
 </p:sld>
 </file>
 
@@ -5412,6 +5632,119 @@
           <a:p>
             <a:r>
               <a:rPr lang="en-US" altLang="zh-CN" dirty="0" smtClean="0"/>
+              <a:t>Our drone </a:t>
+            </a:r>
+            <a:endParaRPr lang="zh-CN" altLang="en-US" dirty="0"/>
+          </a:p>
+        </p:txBody>
+      </p:sp>
+      <p:sp>
+        <p:nvSpPr>
+          <p:cNvPr id="4" name="文本框 3"/>
+          <p:cNvSpPr txBox="1"/>
+          <p:nvPr/>
+        </p:nvSpPr>
+        <p:spPr>
+          <a:xfrm>
+            <a:off x="3815767" y="1368028"/>
+            <a:ext cx="3795996" cy="369332"/>
+          </a:xfrm>
+          <a:prstGeom prst="rect">
+            <a:avLst/>
+          </a:prstGeom>
+          <a:noFill/>
+        </p:spPr>
+        <p:txBody>
+          <a:bodyPr wrap="square" rtlCol="0">
+            <a:spAutoFit/>
+          </a:bodyPr>
+          <a:lstStyle/>
+          <a:p>
+            <a:r>
+              <a:rPr lang="en-US" altLang="zh-CN" dirty="0"/>
+              <a:t>how maintenance works</a:t>
+            </a:r>
+            <a:endParaRPr lang="zh-CN" altLang="en-US" dirty="0"/>
+          </a:p>
+        </p:txBody>
+      </p:sp>
+      <p:sp>
+        <p:nvSpPr>
+          <p:cNvPr id="5" name="灯片编号占位符 4"/>
+          <p:cNvSpPr>
+            <a:spLocks noGrp="1"/>
+          </p:cNvSpPr>
+          <p:nvPr>
+            <p:ph type="sldNum" sz="quarter" idx="12"/>
+          </p:nvPr>
+        </p:nvSpPr>
+        <p:spPr/>
+        <p:txBody>
+          <a:bodyPr/>
+          <a:lstStyle/>
+          <a:p>
+            <a:fld id="{6124A530-E518-4923-B2D7-101050581B42}" type="slidenum">
+              <a:rPr lang="zh-CN" altLang="en-US" smtClean="0"/>
+              <a:t>7</a:t>
+            </a:fld>
+            <a:endParaRPr lang="zh-CN" altLang="en-US"/>
+          </a:p>
+        </p:txBody>
+      </p:sp>
+    </p:spTree>
+    <p:extLst>
+      <p:ext uri="{BB962C8B-B14F-4D97-AF65-F5344CB8AC3E}">
+        <p14:creationId xmlns:p14="http://schemas.microsoft.com/office/powerpoint/2010/main" val="2451006197"/>
+      </p:ext>
+    </p:extLst>
+  </p:cSld>
+  <p:clrMapOvr>
+    <a:masterClrMapping/>
+  </p:clrMapOvr>
+  <p:timing>
+    <p:tnLst>
+      <p:par>
+        <p:cTn id="1" dur="indefinite" restart="never" nodeType="tmRoot"/>
+      </p:par>
+    </p:tnLst>
+  </p:timing>
+</p:sld>
+</file>
+
+<file path=ppt/slides/slide8.xml><?xml version="1.0" encoding="utf-8"?>
+<p:sld xmlns:a="http://schemas.openxmlformats.org/drawingml/2006/main" xmlns:r="http://schemas.openxmlformats.org/officeDocument/2006/relationships" xmlns:p="http://schemas.openxmlformats.org/presentationml/2006/main">
+  <p:cSld>
+    <p:spTree>
+      <p:nvGrpSpPr>
+        <p:cNvPr id="1" name=""/>
+        <p:cNvGrpSpPr/>
+        <p:nvPr/>
+      </p:nvGrpSpPr>
+      <p:grpSpPr>
+        <a:xfrm>
+          <a:off x="0" y="0"/>
+          <a:ext cx="0" cy="0"/>
+          <a:chOff x="0" y="0"/>
+          <a:chExt cx="0" cy="0"/>
+        </a:xfrm>
+      </p:grpSpPr>
+      <p:sp>
+        <p:nvSpPr>
+          <p:cNvPr id="2" name="标题 1"/>
+          <p:cNvSpPr>
+            <a:spLocks noGrp="1"/>
+          </p:cNvSpPr>
+          <p:nvPr>
+            <p:ph type="title"/>
+          </p:nvPr>
+        </p:nvSpPr>
+        <p:spPr/>
+        <p:txBody>
+          <a:bodyPr/>
+          <a:lstStyle/>
+          <a:p>
+            <a:r>
+              <a:rPr lang="en-US" altLang="zh-CN" dirty="0" smtClean="0"/>
               <a:t>Conclusion</a:t>
             </a:r>
             <a:endParaRPr lang="zh-CN" altLang="en-US" dirty="0"/>
@@ -5454,7 +5787,7 @@
           <a:p>
             <a:fld id="{6124A530-E518-4923-B2D7-101050581B42}" type="slidenum">
               <a:rPr lang="zh-CN" altLang="en-US" smtClean="0"/>
-              <a:t>7</a:t>
+              <a:t>8</a:t>
             </a:fld>
             <a:endParaRPr lang="zh-CN" altLang="en-US"/>
           </a:p>
@@ -5470,6 +5803,13 @@
   <p:clrMapOvr>
     <a:masterClrMapping/>
   </p:clrMapOvr>
+  <p:timing>
+    <p:tnLst>
+      <p:par>
+        <p:cTn id="1" dur="indefinite" restart="never" nodeType="tmRoot"/>
+      </p:par>
+    </p:tnLst>
+  </p:timing>
 </p:sld>
 </file>
 

--- a/soutenance.pptx
+++ b/soutenance.pptx
@@ -4400,23 +4400,25 @@
         </p:nvSpPr>
         <p:spPr>
           <a:xfrm>
-            <a:off x="570059" y="988898"/>
+            <a:off x="438254" y="994427"/>
             <a:ext cx="10058400" cy="718413"/>
           </a:xfrm>
         </p:spPr>
         <p:txBody>
-          <a:bodyPr/>
-          <a:lstStyle/>
-          <a:p>
-            <a:r>
-              <a:rPr lang="en-US" altLang="zh-CN" dirty="0" smtClean="0"/>
+          <a:bodyPr>
+            <a:normAutofit/>
+          </a:bodyPr>
+          <a:lstStyle/>
+          <a:p>
+            <a:r>
+              <a:rPr lang="en-US" altLang="zh-CN" sz="4000" dirty="0" smtClean="0"/>
               <a:t>Functional </a:t>
             </a:r>
             <a:r>
-              <a:rPr lang="en-US" altLang="zh-CN" dirty="0"/>
+              <a:rPr lang="en-US" altLang="zh-CN" sz="4000" dirty="0"/>
               <a:t>analysis</a:t>
             </a:r>
-            <a:endParaRPr lang="zh-CN" altLang="en-US" dirty="0"/>
+            <a:endParaRPr lang="zh-CN" altLang="en-US" sz="4000" dirty="0"/>
           </a:p>
         </p:txBody>
       </p:sp>
@@ -4430,7 +4432,12 @@
             <p:ph idx="1"/>
           </p:nvPr>
         </p:nvSpPr>
-        <p:spPr/>
+        <p:spPr>
+          <a:xfrm>
+            <a:off x="693626" y="1895161"/>
+            <a:ext cx="10058400" cy="4023360"/>
+          </a:xfrm>
+        </p:spPr>
         <p:txBody>
           <a:bodyPr/>
           <a:lstStyle/>
@@ -4545,7 +4552,7 @@
           </p:cNvPicPr>
           <p:nvPr/>
         </p:nvPicPr>
-        <p:blipFill>
+        <p:blipFill rotWithShape="1">
           <a:blip r:embed="rId2">
             <a:extLst>
               <a:ext uri="{28A0092B-C50C-407E-A947-70E740481C1C}">
@@ -4553,14 +4560,13 @@
               </a:ext>
             </a:extLst>
           </a:blip>
-          <a:stretch>
-            <a:fillRect/>
-          </a:stretch>
+          <a:srcRect r="-2663" b="33045"/>
+          <a:stretch/>
         </p:blipFill>
         <p:spPr>
           <a:xfrm>
-            <a:off x="6021860" y="2298358"/>
-            <a:ext cx="3819531" cy="3809788"/>
+            <a:off x="6126480" y="2338181"/>
+            <a:ext cx="3921209" cy="2550839"/>
           </a:xfrm>
           <a:prstGeom prst="rect">
             <a:avLst/>
@@ -4590,6 +4596,65 @@
           </a:p>
         </p:txBody>
       </p:sp>
+      <p:sp>
+        <p:nvSpPr>
+          <p:cNvPr id="8" name="文本框 7"/>
+          <p:cNvSpPr txBox="1"/>
+          <p:nvPr/>
+        </p:nvSpPr>
+        <p:spPr>
+          <a:xfrm>
+            <a:off x="4342987" y="1353633"/>
+            <a:ext cx="3286897" cy="369332"/>
+          </a:xfrm>
+          <a:prstGeom prst="rect">
+            <a:avLst/>
+          </a:prstGeom>
+          <a:noFill/>
+        </p:spPr>
+        <p:txBody>
+          <a:bodyPr wrap="square" rtlCol="0">
+            <a:spAutoFit/>
+          </a:bodyPr>
+          <a:lstStyle/>
+          <a:p>
+            <a:r>
+              <a:rPr lang="en-US" altLang="zh-CN" dirty="0" smtClean="0"/>
+              <a:t>The needs</a:t>
+            </a:r>
+            <a:endParaRPr lang="zh-CN" altLang="en-US" dirty="0"/>
+          </a:p>
+        </p:txBody>
+      </p:sp>
+      <p:pic>
+        <p:nvPicPr>
+          <p:cNvPr id="11" name="图片 10"/>
+          <p:cNvPicPr>
+            <a:picLocks noChangeAspect="1"/>
+          </p:cNvPicPr>
+          <p:nvPr/>
+        </p:nvPicPr>
+        <p:blipFill rotWithShape="1">
+          <a:blip r:embed="rId2">
+            <a:extLst>
+              <a:ext uri="{28A0092B-C50C-407E-A947-70E740481C1C}">
+                <a14:useLocalDpi xmlns:a14="http://schemas.microsoft.com/office/drawing/2010/main" val="0"/>
+              </a:ext>
+            </a:extLst>
+          </a:blip>
+          <a:srcRect t="76488"/>
+          <a:stretch/>
+        </p:blipFill>
+        <p:spPr>
+          <a:xfrm>
+            <a:off x="6166658" y="4889020"/>
+            <a:ext cx="3733800" cy="875656"/>
+          </a:xfrm>
+          <a:prstGeom prst="rect">
+            <a:avLst/>
+          </a:prstGeom>
+        </p:spPr>
+      </p:pic>
     </p:spTree>
     <p:extLst>
       <p:ext uri="{BB962C8B-B14F-4D97-AF65-F5344CB8AC3E}">
@@ -4637,12 +4702,23 @@
             <p:ph type="title"/>
           </p:nvPr>
         </p:nvSpPr>
-        <p:spPr/>
-        <p:txBody>
-          <a:bodyPr/>
-          <a:lstStyle/>
-          <a:p>
-            <a:endParaRPr lang="zh-CN" altLang="en-US"/>
+        <p:spPr>
+          <a:xfrm>
+            <a:off x="438253" y="270127"/>
+            <a:ext cx="10058400" cy="1450757"/>
+          </a:xfrm>
+        </p:spPr>
+        <p:txBody>
+          <a:bodyPr>
+            <a:normAutofit/>
+          </a:bodyPr>
+          <a:lstStyle/>
+          <a:p>
+            <a:r>
+              <a:rPr lang="en-US" altLang="zh-CN" sz="4000" dirty="0"/>
+              <a:t>Functional analysis</a:t>
+            </a:r>
+            <a:endParaRPr lang="zh-CN" altLang="en-US" sz="4000" dirty="0"/>
           </a:p>
         </p:txBody>
       </p:sp>
@@ -4685,14 +4761,135 @@
         </p:blipFill>
         <p:spPr>
           <a:xfrm>
-            <a:off x="3123738" y="2416895"/>
-            <a:ext cx="5214687" cy="3363354"/>
+            <a:off x="347587" y="2301565"/>
+            <a:ext cx="5934142" cy="3827386"/>
           </a:xfrm>
           <a:prstGeom prst="rect">
             <a:avLst/>
           </a:prstGeom>
         </p:spPr>
       </p:pic>
+      <p:sp>
+        <p:nvSpPr>
+          <p:cNvPr id="6" name="文本框 5"/>
+          <p:cNvSpPr txBox="1"/>
+          <p:nvPr/>
+        </p:nvSpPr>
+        <p:spPr>
+          <a:xfrm>
+            <a:off x="4293560" y="1074553"/>
+            <a:ext cx="5773078" cy="646331"/>
+          </a:xfrm>
+          <a:prstGeom prst="rect">
+            <a:avLst/>
+          </a:prstGeom>
+          <a:noFill/>
+        </p:spPr>
+        <p:txBody>
+          <a:bodyPr wrap="square" rtlCol="0">
+            <a:spAutoFit/>
+          </a:bodyPr>
+          <a:lstStyle/>
+          <a:p>
+            <a:endParaRPr lang="zh-CN" altLang="en-US" dirty="0"/>
+          </a:p>
+          <a:p>
+            <a:r>
+              <a:rPr lang="en-US" altLang="zh-CN" dirty="0" smtClean="0"/>
+              <a:t>Research </a:t>
+            </a:r>
+            <a:r>
+              <a:rPr lang="en-US" altLang="zh-CN" dirty="0"/>
+              <a:t>of functions: «octopus diagram»</a:t>
+            </a:r>
+            <a:endParaRPr lang="zh-CN" altLang="en-US" dirty="0"/>
+          </a:p>
+        </p:txBody>
+      </p:sp>
+      <p:sp>
+        <p:nvSpPr>
+          <p:cNvPr id="8" name="文本框 7"/>
+          <p:cNvSpPr txBox="1"/>
+          <p:nvPr/>
+        </p:nvSpPr>
+        <p:spPr>
+          <a:xfrm>
+            <a:off x="6647936" y="2746408"/>
+            <a:ext cx="5424616" cy="2308324"/>
+          </a:xfrm>
+          <a:prstGeom prst="rect">
+            <a:avLst/>
+          </a:prstGeom>
+          <a:noFill/>
+        </p:spPr>
+        <p:txBody>
+          <a:bodyPr wrap="square" rtlCol="0">
+            <a:spAutoFit/>
+          </a:bodyPr>
+          <a:lstStyle/>
+          <a:p>
+            <a:pPr marL="285750" indent="-285750">
+              <a:lnSpc>
+                <a:spcPct val="150000"/>
+              </a:lnSpc>
+              <a:buFont typeface="Wingdings" panose="05000000000000000000" pitchFamily="2" charset="2"/>
+              <a:buChar char="Ø"/>
+            </a:pPr>
+            <a:r>
+              <a:rPr lang="en-US" altLang="zh-CN" dirty="0" smtClean="0"/>
+              <a:t>«Octopus diagram»</a:t>
+            </a:r>
+            <a:r>
+              <a:rPr lang="zh-CN" altLang="en-US" dirty="0" smtClean="0"/>
+              <a:t> </a:t>
+            </a:r>
+            <a:r>
+              <a:rPr lang="en-US" altLang="zh-CN" dirty="0" smtClean="0"/>
+              <a:t>for Mission execution</a:t>
+            </a:r>
+          </a:p>
+          <a:p>
+            <a:pPr marL="285750" indent="-285750">
+              <a:lnSpc>
+                <a:spcPct val="150000"/>
+              </a:lnSpc>
+              <a:buFont typeface="Wingdings" panose="05000000000000000000" pitchFamily="2" charset="2"/>
+              <a:buChar char="Ø"/>
+            </a:pPr>
+            <a:r>
+              <a:rPr lang="en-US" altLang="zh-CN" dirty="0" smtClean="0"/>
+              <a:t>2 Service function :</a:t>
+            </a:r>
+          </a:p>
+          <a:p>
+            <a:pPr marL="742950" lvl="1" indent="-285750">
+              <a:buFont typeface="Wingdings" panose="05000000000000000000" pitchFamily="2" charset="2"/>
+              <a:buChar char="ü"/>
+            </a:pPr>
+            <a:r>
+              <a:rPr lang="en-US" altLang="zh-CN" dirty="0" smtClean="0"/>
+              <a:t>FP1 : Allow a supervisor o inspect a device using a set of sensors</a:t>
+            </a:r>
+          </a:p>
+          <a:p>
+            <a:pPr marL="742950" lvl="1" indent="-285750">
+              <a:buFont typeface="Wingdings" panose="05000000000000000000" pitchFamily="2" charset="2"/>
+              <a:buChar char="ü"/>
+            </a:pPr>
+            <a:r>
+              <a:rPr lang="en-US" altLang="zh-CN" dirty="0" smtClean="0"/>
+              <a:t>FP2 : Executes  a mission profile, based on a database specific to the aircraft / aircraft model</a:t>
+            </a:r>
+          </a:p>
+          <a:p>
+            <a:pPr marL="742950" lvl="1" indent="-285750">
+              <a:buFont typeface="Wingdings" panose="05000000000000000000" pitchFamily="2" charset="2"/>
+              <a:buChar char="Ø"/>
+            </a:pPr>
+            <a:endParaRPr lang="zh-CN" altLang="en-US" dirty="0"/>
+          </a:p>
+        </p:txBody>
+      </p:sp>
     </p:spTree>
     <p:extLst>
       <p:ext uri="{BB962C8B-B14F-4D97-AF65-F5344CB8AC3E}">
@@ -5240,7 +5437,7 @@
         </p:blipFill>
         <p:spPr bwMode="auto">
           <a:xfrm>
-            <a:off x="1958350" y="2492597"/>
+            <a:off x="1952064" y="2114978"/>
             <a:ext cx="1857417" cy="1477353"/>
           </a:xfrm>
           <a:prstGeom prst="rect">
@@ -5260,7 +5457,7 @@
           </p:cNvPicPr>
           <p:nvPr/>
         </p:nvPicPr>
-        <p:blipFill>
+        <p:blipFill rotWithShape="1">
           <a:blip r:embed="rId3" cstate="print">
             <a:extLst>
               <a:ext uri="{28A0092B-C50C-407E-A947-70E740481C1C}">
@@ -5268,14 +5465,13 @@
               </a:ext>
             </a:extLst>
           </a:blip>
-          <a:stretch>
-            <a:fillRect/>
-          </a:stretch>
+          <a:srcRect t="8966" b="10772"/>
+          <a:stretch/>
         </p:blipFill>
         <p:spPr>
           <a:xfrm>
-            <a:off x="6990564" y="1735161"/>
-            <a:ext cx="2514600" cy="2514600"/>
+            <a:off x="7625653" y="2109959"/>
+            <a:ext cx="1766275" cy="1417650"/>
           </a:xfrm>
           <a:prstGeom prst="rect">
             <a:avLst/>
@@ -5303,8 +5499,8 @@
         </p:blipFill>
         <p:spPr bwMode="auto">
           <a:xfrm>
-            <a:off x="7373200" y="4249761"/>
-            <a:ext cx="2300623" cy="1854184"/>
+            <a:off x="6385374" y="4000343"/>
+            <a:ext cx="1856543" cy="1496278"/>
           </a:xfrm>
           <a:prstGeom prst="rect">
             <a:avLst/>
@@ -5336,7 +5532,7 @@
         </p:blipFill>
         <p:spPr bwMode="auto">
           <a:xfrm>
-            <a:off x="2380328" y="4458259"/>
+            <a:off x="3873432" y="4208841"/>
             <a:ext cx="1013460" cy="1287780"/>
           </a:xfrm>
           <a:prstGeom prst="rect">
@@ -5379,20 +5575,34 @@
         </p:nvSpPr>
         <p:spPr>
           <a:xfrm>
-            <a:off x="1958350" y="3969950"/>
+            <a:off x="1952064" y="3655963"/>
             <a:ext cx="1857417" cy="369332"/>
           </a:xfrm>
           <a:prstGeom prst="rect">
             <a:avLst/>
           </a:prstGeom>
-          <a:noFill/>
-        </p:spPr>
+        </p:spPr>
+        <p:style>
+          <a:lnRef idx="2">
+            <a:schemeClr val="dk1"/>
+          </a:lnRef>
+          <a:fillRef idx="1">
+            <a:schemeClr val="lt1"/>
+          </a:fillRef>
+          <a:effectRef idx="0">
+            <a:schemeClr val="dk1"/>
+          </a:effectRef>
+          <a:fontRef idx="minor">
+            <a:schemeClr val="dk1"/>
+          </a:fontRef>
+        </p:style>
         <p:txBody>
           <a:bodyPr wrap="square" rtlCol="0">
             <a:spAutoFit/>
           </a:bodyPr>
           <a:lstStyle/>
           <a:p>
+            <a:pPr algn="ctr"/>
             <a:r>
               <a:rPr lang="en-US" altLang="zh-CN" dirty="0" smtClean="0"/>
               <a:t>Thermal camera</a:t>
@@ -5409,23 +5619,198 @@
         </p:nvSpPr>
         <p:spPr>
           <a:xfrm>
-            <a:off x="1958350" y="5631969"/>
+            <a:off x="3451453" y="5600870"/>
             <a:ext cx="1857417" cy="369332"/>
           </a:xfrm>
           <a:prstGeom prst="rect">
             <a:avLst/>
           </a:prstGeom>
-          <a:noFill/>
-        </p:spPr>
+        </p:spPr>
+        <p:style>
+          <a:lnRef idx="2">
+            <a:schemeClr val="dk1"/>
+          </a:lnRef>
+          <a:fillRef idx="1">
+            <a:schemeClr val="lt1"/>
+          </a:fillRef>
+          <a:effectRef idx="0">
+            <a:schemeClr val="dk1"/>
+          </a:effectRef>
+          <a:fontRef idx="minor">
+            <a:schemeClr val="dk1"/>
+          </a:fontRef>
+        </p:style>
         <p:txBody>
           <a:bodyPr wrap="square" rtlCol="0">
             <a:spAutoFit/>
           </a:bodyPr>
           <a:lstStyle/>
           <a:p>
+            <a:pPr algn="ctr"/>
             <a:r>
               <a:rPr lang="en-US" altLang="zh-CN" dirty="0" smtClean="0"/>
               <a:t>Microphone</a:t>
+            </a:r>
+            <a:endParaRPr lang="zh-CN" altLang="en-US" dirty="0"/>
+          </a:p>
+        </p:txBody>
+      </p:sp>
+      <p:sp>
+        <p:nvSpPr>
+          <p:cNvPr id="13" name="文本框 12"/>
+          <p:cNvSpPr txBox="1"/>
+          <p:nvPr/>
+        </p:nvSpPr>
+        <p:spPr>
+          <a:xfrm>
+            <a:off x="6385374" y="5605167"/>
+            <a:ext cx="2180914" cy="369332"/>
+          </a:xfrm>
+          <a:prstGeom prst="rect">
+            <a:avLst/>
+          </a:prstGeom>
+        </p:spPr>
+        <p:style>
+          <a:lnRef idx="2">
+            <a:schemeClr val="dk1"/>
+          </a:lnRef>
+          <a:fillRef idx="1">
+            <a:schemeClr val="lt1"/>
+          </a:fillRef>
+          <a:effectRef idx="0">
+            <a:schemeClr val="dk1"/>
+          </a:effectRef>
+          <a:fontRef idx="minor">
+            <a:schemeClr val="dk1"/>
+          </a:fontRef>
+        </p:style>
+        <p:txBody>
+          <a:bodyPr wrap="square" rtlCol="0">
+            <a:spAutoFit/>
+          </a:bodyPr>
+          <a:lstStyle/>
+          <a:p>
+            <a:pPr algn="ctr"/>
+            <a:r>
+              <a:rPr lang="en-US" altLang="zh-CN" dirty="0" smtClean="0"/>
+              <a:t>Ultrasound sensor</a:t>
+            </a:r>
+            <a:endParaRPr lang="zh-CN" altLang="en-US" dirty="0"/>
+          </a:p>
+        </p:txBody>
+      </p:sp>
+      <p:sp>
+        <p:nvSpPr>
+          <p:cNvPr id="14" name="文本框 13"/>
+          <p:cNvSpPr txBox="1"/>
+          <p:nvPr/>
+        </p:nvSpPr>
+        <p:spPr>
+          <a:xfrm>
+            <a:off x="7696696" y="3655963"/>
+            <a:ext cx="1521444" cy="369332"/>
+          </a:xfrm>
+          <a:prstGeom prst="rect">
+            <a:avLst/>
+          </a:prstGeom>
+        </p:spPr>
+        <p:style>
+          <a:lnRef idx="2">
+            <a:schemeClr val="dk1"/>
+          </a:lnRef>
+          <a:fillRef idx="1">
+            <a:schemeClr val="lt1"/>
+          </a:fillRef>
+          <a:effectRef idx="0">
+            <a:schemeClr val="dk1"/>
+          </a:effectRef>
+          <a:fontRef idx="minor">
+            <a:schemeClr val="dk1"/>
+          </a:fontRef>
+        </p:style>
+        <p:txBody>
+          <a:bodyPr wrap="square" rtlCol="0">
+            <a:spAutoFit/>
+          </a:bodyPr>
+          <a:lstStyle/>
+          <a:p>
+            <a:pPr algn="ctr"/>
+            <a:r>
+              <a:rPr lang="en-US" altLang="zh-CN" dirty="0" smtClean="0"/>
+              <a:t>Smell sensor</a:t>
+            </a:r>
+            <a:endParaRPr lang="zh-CN" altLang="en-US" dirty="0"/>
+          </a:p>
+        </p:txBody>
+      </p:sp>
+      <p:pic>
+        <p:nvPicPr>
+          <p:cNvPr id="15" name="图片 14"/>
+          <p:cNvPicPr>
+            <a:picLocks noChangeAspect="1"/>
+          </p:cNvPicPr>
+          <p:nvPr/>
+        </p:nvPicPr>
+        <p:blipFill rotWithShape="1">
+          <a:blip r:embed="rId6">
+            <a:extLst>
+              <a:ext uri="{28A0092B-C50C-407E-A947-70E740481C1C}">
+                <a14:useLocalDpi xmlns:a14="http://schemas.microsoft.com/office/drawing/2010/main" val="0"/>
+              </a:ext>
+            </a:extLst>
+          </a:blip>
+          <a:srcRect l="8956" t="21203" r="12786" b="15363"/>
+          <a:stretch/>
+        </p:blipFill>
+        <p:spPr>
+          <a:xfrm>
+            <a:off x="4821237" y="2060903"/>
+            <a:ext cx="1869989" cy="1515763"/>
+          </a:xfrm>
+          <a:prstGeom prst="rect">
+            <a:avLst/>
+          </a:prstGeom>
+        </p:spPr>
+      </p:pic>
+      <p:sp>
+        <p:nvSpPr>
+          <p:cNvPr id="16" name="文本框 15"/>
+          <p:cNvSpPr txBox="1"/>
+          <p:nvPr/>
+        </p:nvSpPr>
+        <p:spPr>
+          <a:xfrm>
+            <a:off x="5120803" y="3655963"/>
+            <a:ext cx="1264571" cy="369332"/>
+          </a:xfrm>
+          <a:prstGeom prst="rect">
+            <a:avLst/>
+          </a:prstGeom>
+        </p:spPr>
+        <p:style>
+          <a:lnRef idx="2">
+            <a:schemeClr val="dk1"/>
+          </a:lnRef>
+          <a:fillRef idx="1">
+            <a:schemeClr val="lt1"/>
+          </a:fillRef>
+          <a:effectRef idx="0">
+            <a:schemeClr val="dk1"/>
+          </a:effectRef>
+          <a:fontRef idx="minor">
+            <a:schemeClr val="dk1"/>
+          </a:fontRef>
+        </p:style>
+        <p:txBody>
+          <a:bodyPr wrap="square" rtlCol="0">
+            <a:spAutoFit/>
+          </a:bodyPr>
+          <a:lstStyle/>
+          <a:p>
+            <a:pPr algn="ctr"/>
+            <a:r>
+              <a:rPr lang="en-US" altLang="zh-CN" dirty="0" smtClean="0"/>
+              <a:t>camera</a:t>
             </a:r>
             <a:endParaRPr lang="zh-CN" altLang="en-US" dirty="0"/>
           </a:p>
@@ -5691,6 +6076,79 @@
           </a:p>
         </p:txBody>
       </p:sp>
+      <p:sp>
+        <p:nvSpPr>
+          <p:cNvPr id="6" name="矩形 5"/>
+          <p:cNvSpPr/>
+          <p:nvPr/>
+        </p:nvSpPr>
+        <p:spPr>
+          <a:xfrm>
+            <a:off x="1243914" y="2283493"/>
+            <a:ext cx="6096000" cy="1477328"/>
+          </a:xfrm>
+          <a:prstGeom prst="rect">
+            <a:avLst/>
+          </a:prstGeom>
+        </p:spPr>
+        <p:txBody>
+          <a:bodyPr>
+            <a:spAutoFit/>
+          </a:bodyPr>
+          <a:lstStyle/>
+          <a:p>
+            <a:pPr>
+              <a:buFont typeface="Wingdings" panose="05000000000000000000" pitchFamily="2" charset="2"/>
+              <a:buChar char="Ø"/>
+            </a:pPr>
+            <a:r>
+              <a:rPr lang="en-US" altLang="zh-CN" dirty="0"/>
+              <a:t>4 steps:</a:t>
+            </a:r>
+          </a:p>
+          <a:p>
+            <a:pPr lvl="3">
+              <a:buFont typeface="Wingdings" panose="05000000000000000000" pitchFamily="2" charset="2"/>
+              <a:buChar char="Ø"/>
+            </a:pPr>
+            <a:r>
+              <a:rPr lang="en-US" altLang="zh-CN" dirty="0"/>
+              <a:t>Start of the mission</a:t>
+            </a:r>
+          </a:p>
+          <a:p>
+            <a:pPr lvl="3">
+              <a:buFont typeface="Wingdings" panose="05000000000000000000" pitchFamily="2" charset="2"/>
+              <a:buChar char="Ø"/>
+            </a:pPr>
+            <a:r>
+              <a:rPr lang="en-US" altLang="zh-CN" dirty="0"/>
+              <a:t>mission execution</a:t>
+            </a:r>
+          </a:p>
+          <a:p>
+            <a:pPr lvl="3">
+              <a:buFont typeface="Wingdings" panose="05000000000000000000" pitchFamily="2" charset="2"/>
+              <a:buChar char="Ø"/>
+            </a:pPr>
+            <a:r>
+              <a:rPr lang="en-US" altLang="zh-CN" dirty="0"/>
+              <a:t>Mission analyze</a:t>
+            </a:r>
+          </a:p>
+          <a:p>
+            <a:pPr lvl="3">
+              <a:buFont typeface="Wingdings" panose="05000000000000000000" pitchFamily="2" charset="2"/>
+              <a:buChar char="Ø"/>
+            </a:pPr>
+            <a:r>
+              <a:rPr lang="en-US" altLang="zh-CN" dirty="0"/>
+              <a:t>Return from the mission</a:t>
+            </a:r>
+            <a:endParaRPr lang="en-US" altLang="zh-CN" dirty="0"/>
+          </a:p>
+        </p:txBody>
+      </p:sp>
     </p:spTree>
     <p:extLst>
       <p:ext uri="{BB962C8B-B14F-4D97-AF65-F5344CB8AC3E}">
@@ -5747,6 +6205,13 @@
               <a:rPr lang="en-US" altLang="zh-CN" dirty="0" smtClean="0"/>
               <a:t>Conclusion</a:t>
             </a:r>
+            <a:r>
+              <a:rPr lang="zh-CN" altLang="en-US" dirty="0"/>
+              <a:t/>
+            </a:r>
+            <a:br>
+              <a:rPr lang="zh-CN" altLang="en-US" dirty="0"/>
+            </a:br>
             <a:endParaRPr lang="zh-CN" altLang="en-US" dirty="0"/>
           </a:p>
         </p:txBody>
@@ -5761,10 +6226,21 @@
             <p:ph idx="1"/>
           </p:nvPr>
         </p:nvSpPr>
-        <p:spPr/>
+        <p:spPr>
+          <a:xfrm>
+            <a:off x="1154083" y="1796307"/>
+            <a:ext cx="10058400" cy="4023360"/>
+          </a:xfrm>
+        </p:spPr>
         <p:txBody>
           <a:bodyPr/>
           <a:lstStyle/>
+          <a:p>
+            <a:endParaRPr lang="zh-CN" altLang="en-US" dirty="0"/>
+          </a:p>
+          <a:p>
+            <a:endParaRPr lang="zh-CN" altLang="en-US" dirty="0"/>
+          </a:p>
           <a:p>
             <a:endParaRPr lang="zh-CN" altLang="en-US" dirty="0"/>
           </a:p>

--- a/soutenance.pptx
+++ b/soutenance.pptx
@@ -204,7 +204,7 @@
           <a:p>
             <a:fld id="{095B1C61-579E-4DA9-8679-E164153E3A05}" type="datetimeFigureOut">
               <a:rPr lang="zh-CN" altLang="en-US" smtClean="0"/>
-              <a:t>2018/7/23</a:t>
+              <a:t>2018/7/24</a:t>
             </a:fld>
             <a:endParaRPr lang="zh-CN" altLang="en-US"/>
           </a:p>
@@ -782,7 +782,7 @@
           <a:p>
             <a:fld id="{32D18C51-0EE1-4905-AF3E-07E033F7D3B7}" type="datetime1">
               <a:rPr lang="zh-CN" altLang="en-US" smtClean="0"/>
-              <a:t>2018/7/23</a:t>
+              <a:t>2018/7/24</a:t>
             </a:fld>
             <a:endParaRPr lang="zh-CN" altLang="en-US"/>
           </a:p>
@@ -990,7 +990,7 @@
           <a:p>
             <a:fld id="{5EAEC972-51FB-40B1-A2A4-B7E2C8605D2E}" type="datetime1">
               <a:rPr lang="zh-CN" altLang="en-US" smtClean="0"/>
-              <a:t>2018/7/23</a:t>
+              <a:t>2018/7/24</a:t>
             </a:fld>
             <a:endParaRPr lang="zh-CN" altLang="en-US"/>
           </a:p>
@@ -1246,7 +1246,7 @@
           <a:p>
             <a:fld id="{D011C0E1-9DBC-41CC-8725-F568B3915E34}" type="datetime1">
               <a:rPr lang="zh-CN" altLang="en-US" smtClean="0"/>
-              <a:t>2018/7/23</a:t>
+              <a:t>2018/7/24</a:t>
             </a:fld>
             <a:endParaRPr lang="zh-CN" altLang="en-US"/>
           </a:p>
@@ -1416,7 +1416,7 @@
           <a:p>
             <a:fld id="{E15201BF-9747-4EC1-B425-3EE5E892C453}" type="datetime1">
               <a:rPr lang="zh-CN" altLang="en-US" smtClean="0"/>
-              <a:t>2018/7/23</a:t>
+              <a:t>2018/7/24</a:t>
             </a:fld>
             <a:endParaRPr lang="zh-CN" altLang="en-US"/>
           </a:p>
@@ -1759,7 +1759,7 @@
           <a:p>
             <a:fld id="{5B96F333-B227-4FC6-9773-2778768E37E8}" type="datetime1">
               <a:rPr lang="zh-CN" altLang="en-US" smtClean="0"/>
-              <a:t>2018/7/23</a:t>
+              <a:t>2018/7/24</a:t>
             </a:fld>
             <a:endParaRPr lang="zh-CN" altLang="en-US"/>
           </a:p>
@@ -2034,7 +2034,7 @@
           <a:p>
             <a:fld id="{1E32971D-8FF1-419D-9C79-FFCAD53BF6BC}" type="datetime1">
               <a:rPr lang="zh-CN" altLang="en-US" smtClean="0"/>
-              <a:t>2018/7/23</a:t>
+              <a:t>2018/7/24</a:t>
             </a:fld>
             <a:endParaRPr lang="zh-CN" altLang="en-US"/>
           </a:p>
@@ -2413,7 +2413,7 @@
           <a:p>
             <a:fld id="{33678D97-1828-4BDC-B266-93DF39B67E7C}" type="datetime1">
               <a:rPr lang="zh-CN" altLang="en-US" smtClean="0"/>
-              <a:t>2018/7/23</a:t>
+              <a:t>2018/7/24</a:t>
             </a:fld>
             <a:endParaRPr lang="zh-CN" altLang="en-US"/>
           </a:p>
@@ -2531,7 +2531,7 @@
           <a:p>
             <a:fld id="{1BAE6D62-3218-4577-B9AF-F46EDED2AFC4}" type="datetime1">
               <a:rPr lang="zh-CN" altLang="en-US" smtClean="0"/>
-              <a:t>2018/7/23</a:t>
+              <a:t>2018/7/24</a:t>
             </a:fld>
             <a:endParaRPr lang="zh-CN" altLang="en-US"/>
           </a:p>
@@ -2702,7 +2702,7 @@
           <a:p>
             <a:fld id="{37419D00-EE00-42B7-9906-066CE21FFEE8}" type="datetime1">
               <a:rPr lang="zh-CN" altLang="en-US" smtClean="0"/>
-              <a:t>2018/7/23</a:t>
+              <a:t>2018/7/24</a:t>
             </a:fld>
             <a:endParaRPr lang="zh-CN" altLang="en-US"/>
           </a:p>
@@ -3056,7 +3056,7 @@
           <a:p>
             <a:fld id="{B6089481-0379-4AD6-8144-8735F57DDDE9}" type="datetime1">
               <a:rPr lang="zh-CN" altLang="en-US" smtClean="0"/>
-              <a:t>2018/7/23</a:t>
+              <a:t>2018/7/24</a:t>
             </a:fld>
             <a:endParaRPr lang="zh-CN" altLang="en-US"/>
           </a:p>
@@ -3433,7 +3433,7 @@
           <a:p>
             <a:fld id="{C0B25D58-0C38-47F4-B282-2551935CC1B9}" type="datetime1">
               <a:rPr lang="zh-CN" altLang="en-US" smtClean="0"/>
-              <a:t>2018/7/23</a:t>
+              <a:t>2018/7/24</a:t>
             </a:fld>
             <a:endParaRPr lang="zh-CN" altLang="en-US"/>
           </a:p>
@@ -3720,7 +3720,7 @@
           <a:p>
             <a:fld id="{35F0D213-9E8F-414A-A49E-88E5A50EF0E8}" type="datetime1">
               <a:rPr lang="zh-CN" altLang="en-US" smtClean="0"/>
-              <a:t>2018/7/23</a:t>
+              <a:t>2018/7/24</a:t>
             </a:fld>
             <a:endParaRPr lang="zh-CN" altLang="en-US"/>
           </a:p>
@@ -4476,13 +4476,8 @@
             </a:pPr>
             <a:r>
               <a:rPr lang="en-US" altLang="zh-CN" dirty="0" smtClean="0"/>
-              <a:t>4 </a:t>
-            </a:r>
-            <a:r>
-              <a:rPr lang="en-US" altLang="zh-CN" dirty="0" smtClean="0"/>
-              <a:t>steps:</a:t>
-            </a:r>
-            <a:endParaRPr lang="en-US" altLang="zh-CN" dirty="0" smtClean="0"/>
+              <a:t>4 steps:</a:t>
+            </a:r>
           </a:p>
           <a:p>
             <a:pPr lvl="3">
@@ -4531,7 +4526,6 @@
               <a:rPr lang="en-US" altLang="zh-CN" dirty="0"/>
               <a:t>from the mission</a:t>
             </a:r>
-            <a:endParaRPr lang="en-US" altLang="zh-CN" dirty="0"/>
           </a:p>
           <a:p>
             <a:pPr marL="0" indent="0">
@@ -4974,7 +4968,7 @@
         </p:spPr>
         <p:txBody>
           <a:bodyPr>
-            <a:normAutofit fontScale="90000"/>
+            <a:normAutofit/>
           </a:bodyPr>
           <a:lstStyle/>
           <a:p>
@@ -4984,7 +4978,7 @@
             </a:r>
             <a:r>
               <a:rPr lang="en-US" altLang="zh-CN" dirty="0" smtClean="0"/>
-              <a:t>Concept </a:t>
+              <a:t>concept </a:t>
             </a:r>
             <a:endParaRPr lang="zh-CN" altLang="en-US" dirty="0"/>
           </a:p>
@@ -5013,8 +5007,20 @@
           <a:lstStyle/>
           <a:p>
             <a:r>
+              <a:rPr lang="en-US" altLang="zh-CN" dirty="0"/>
+              <a:t> </a:t>
+            </a:r>
+            <a:r>
               <a:rPr lang="en-US" altLang="zh-CN" dirty="0" smtClean="0"/>
-              <a:t>3 types of drones  </a:t>
+              <a:t>    </a:t>
+            </a:r>
+            <a:r>
+              <a:rPr lang="en-US" altLang="zh-CN" dirty="0" smtClean="0"/>
+              <a:t>3 </a:t>
+            </a:r>
+            <a:r>
+              <a:rPr lang="en-US" altLang="zh-CN" dirty="0" smtClean="0"/>
+              <a:t>types of drones  </a:t>
             </a:r>
             <a:endParaRPr lang="zh-CN" altLang="en-US" dirty="0"/>
           </a:p>
@@ -6031,7 +6037,7 @@
         </p:nvSpPr>
         <p:spPr>
           <a:xfrm>
-            <a:off x="3815767" y="1368028"/>
+            <a:off x="1154946" y="1869990"/>
             <a:ext cx="3795996" cy="369332"/>
           </a:xfrm>
           <a:prstGeom prst="rect">
@@ -6076,79 +6082,35 @@
           </a:p>
         </p:txBody>
       </p:sp>
-      <p:sp>
-        <p:nvSpPr>
-          <p:cNvPr id="6" name="矩形 5"/>
-          <p:cNvSpPr/>
+      <p:pic>
+        <p:nvPicPr>
+          <p:cNvPr id="11" name="图片 10" descr="scenario d'utilisation.pdf - Adobe Acrobat Pro"/>
+          <p:cNvPicPr>
+            <a:picLocks noChangeAspect="1"/>
+          </p:cNvPicPr>
           <p:nvPr/>
-        </p:nvSpPr>
-        <p:spPr>
-          <a:xfrm>
-            <a:off x="1243914" y="2283493"/>
-            <a:ext cx="6096000" cy="1477328"/>
+        </p:nvPicPr>
+        <p:blipFill rotWithShape="1">
+          <a:blip r:embed="rId2">
+            <a:extLst>
+              <a:ext uri="{28A0092B-C50C-407E-A947-70E740481C1C}">
+                <a14:useLocalDpi xmlns:a14="http://schemas.microsoft.com/office/drawing/2010/main" val="0"/>
+              </a:ext>
+            </a:extLst>
+          </a:blip>
+          <a:srcRect l="17327" t="11865" r="15945" b="1039"/>
+          <a:stretch/>
+        </p:blipFill>
+        <p:spPr>
+          <a:xfrm>
+            <a:off x="3753480" y="387180"/>
+            <a:ext cx="8135370" cy="5750012"/>
           </a:xfrm>
           <a:prstGeom prst="rect">
             <a:avLst/>
           </a:prstGeom>
         </p:spPr>
-        <p:txBody>
-          <a:bodyPr>
-            <a:spAutoFit/>
-          </a:bodyPr>
-          <a:lstStyle/>
-          <a:p>
-            <a:pPr>
-              <a:buFont typeface="Wingdings" panose="05000000000000000000" pitchFamily="2" charset="2"/>
-              <a:buChar char="Ø"/>
-            </a:pPr>
-            <a:r>
-              <a:rPr lang="en-US" altLang="zh-CN" dirty="0"/>
-              <a:t>4 steps:</a:t>
-            </a:r>
-          </a:p>
-          <a:p>
-            <a:pPr lvl="3">
-              <a:buFont typeface="Wingdings" panose="05000000000000000000" pitchFamily="2" charset="2"/>
-              <a:buChar char="Ø"/>
-            </a:pPr>
-            <a:r>
-              <a:rPr lang="en-US" altLang="zh-CN" dirty="0"/>
-              <a:t>Start of the mission</a:t>
-            </a:r>
-          </a:p>
-          <a:p>
-            <a:pPr lvl="3">
-              <a:buFont typeface="Wingdings" panose="05000000000000000000" pitchFamily="2" charset="2"/>
-              <a:buChar char="Ø"/>
-            </a:pPr>
-            <a:r>
-              <a:rPr lang="en-US" altLang="zh-CN" dirty="0"/>
-              <a:t>mission execution</a:t>
-            </a:r>
-          </a:p>
-          <a:p>
-            <a:pPr lvl="3">
-              <a:buFont typeface="Wingdings" panose="05000000000000000000" pitchFamily="2" charset="2"/>
-              <a:buChar char="Ø"/>
-            </a:pPr>
-            <a:r>
-              <a:rPr lang="en-US" altLang="zh-CN" dirty="0"/>
-              <a:t>Mission analyze</a:t>
-            </a:r>
-          </a:p>
-          <a:p>
-            <a:pPr lvl="3">
-              <a:buFont typeface="Wingdings" panose="05000000000000000000" pitchFamily="2" charset="2"/>
-              <a:buChar char="Ø"/>
-            </a:pPr>
-            <a:r>
-              <a:rPr lang="en-US" altLang="zh-CN" dirty="0"/>
-              <a:t>Return from the mission</a:t>
-            </a:r>
-            <a:endParaRPr lang="en-US" altLang="zh-CN" dirty="0"/>
-          </a:p>
-        </p:txBody>
-      </p:sp>
+      </p:pic>
     </p:spTree>
     <p:extLst>
       <p:ext uri="{BB962C8B-B14F-4D97-AF65-F5344CB8AC3E}">

--- a/soutenance.pptx
+++ b/soutenance.pptx
@@ -5,17 +5,18 @@
     <p:sldMasterId id="2147483696" r:id="rId1"/>
   </p:sldMasterIdLst>
   <p:notesMasterIdLst>
-    <p:notesMasterId r:id="rId10"/>
+    <p:notesMasterId r:id="rId11"/>
   </p:notesMasterIdLst>
   <p:sldIdLst>
     <p:sldId id="256" r:id="rId2"/>
     <p:sldId id="257" r:id="rId3"/>
     <p:sldId id="263" r:id="rId4"/>
-    <p:sldId id="258" r:id="rId5"/>
-    <p:sldId id="259" r:id="rId6"/>
-    <p:sldId id="261" r:id="rId7"/>
-    <p:sldId id="262" r:id="rId8"/>
-    <p:sldId id="260" r:id="rId9"/>
+    <p:sldId id="264" r:id="rId5"/>
+    <p:sldId id="258" r:id="rId6"/>
+    <p:sldId id="259" r:id="rId7"/>
+    <p:sldId id="261" r:id="rId8"/>
+    <p:sldId id="262" r:id="rId9"/>
+    <p:sldId id="260" r:id="rId10"/>
   </p:sldIdLst>
   <p:sldSz cx="12192000" cy="6858000"/>
   <p:notesSz cx="6858000" cy="9144000"/>
@@ -4351,6 +4352,66 @@
           </a:p>
         </p:txBody>
       </p:sp>
+      <p:pic>
+        <p:nvPicPr>
+          <p:cNvPr id="3" name="图片 2"/>
+          <p:cNvPicPr>
+            <a:picLocks noChangeAspect="1"/>
+          </p:cNvPicPr>
+          <p:nvPr/>
+        </p:nvPicPr>
+        <p:blipFill>
+          <a:blip r:embed="rId4" cstate="print">
+            <a:extLst>
+              <a:ext uri="{28A0092B-C50C-407E-A947-70E740481C1C}">
+                <a14:useLocalDpi xmlns:a14="http://schemas.microsoft.com/office/drawing/2010/main" val="0"/>
+              </a:ext>
+            </a:extLst>
+          </a:blip>
+          <a:stretch>
+            <a:fillRect/>
+          </a:stretch>
+        </p:blipFill>
+        <p:spPr>
+          <a:xfrm>
+            <a:off x="1185015" y="4619714"/>
+            <a:ext cx="2327015" cy="1095636"/>
+          </a:xfrm>
+          <a:prstGeom prst="rect">
+            <a:avLst/>
+          </a:prstGeom>
+        </p:spPr>
+      </p:pic>
+      <p:pic>
+        <p:nvPicPr>
+          <p:cNvPr id="4" name="图片 3"/>
+          <p:cNvPicPr>
+            <a:picLocks noChangeAspect="1"/>
+          </p:cNvPicPr>
+          <p:nvPr/>
+        </p:nvPicPr>
+        <p:blipFill>
+          <a:blip r:embed="rId5">
+            <a:extLst>
+              <a:ext uri="{28A0092B-C50C-407E-A947-70E740481C1C}">
+                <a14:useLocalDpi xmlns:a14="http://schemas.microsoft.com/office/drawing/2010/main" val="0"/>
+              </a:ext>
+            </a:extLst>
+          </a:blip>
+          <a:stretch>
+            <a:fillRect/>
+          </a:stretch>
+        </p:blipFill>
+        <p:spPr>
+          <a:xfrm>
+            <a:off x="8233786" y="4591269"/>
+            <a:ext cx="3200400" cy="1152525"/>
+          </a:xfrm>
+          <a:prstGeom prst="rect">
+            <a:avLst/>
+          </a:prstGeom>
+        </p:spPr>
+      </p:pic>
     </p:spTree>
     <p:extLst>
       <p:ext uri="{BB962C8B-B14F-4D97-AF65-F5344CB8AC3E}">
@@ -4921,421 +4982,271 @@
           <a:chExt cx="0" cy="0"/>
         </a:xfrm>
       </p:grpSpPr>
+      <p:graphicFrame>
+        <p:nvGraphicFramePr>
+          <p:cNvPr id="3" name="对象 2"/>
+          <p:cNvGraphicFramePr>
+            <a:graphicFrameLocks noChangeAspect="1"/>
+          </p:cNvGraphicFramePr>
+          <p:nvPr>
+            <p:extLst>
+              <p:ext uri="{D42A27DB-BD31-4B8C-83A1-F6EECF244321}">
+                <p14:modId xmlns:p14="http://schemas.microsoft.com/office/powerpoint/2010/main" val="294342368"/>
+              </p:ext>
+            </p:extLst>
+          </p:nvPr>
+        </p:nvGraphicFramePr>
+        <p:xfrm>
+          <a:off x="3586704" y="130084"/>
+          <a:ext cx="8605296" cy="6098402"/>
+        </p:xfrm>
+        <a:graphic>
+          <a:graphicData uri="http://schemas.openxmlformats.org/presentationml/2006/ole">
+            <mc:AlternateContent xmlns:mc="http://schemas.openxmlformats.org/markup-compatibility/2006">
+              <mc:Choice xmlns:v="urn:schemas-microsoft-com:vml" Requires="v">
+                <p:oleObj spid="_x0000_s1029" name="Acrobat Document" r:id="rId3" imgW="8010522" imgH="5676750" progId="AcroExch.Document.7">
+                  <p:embed/>
+                </p:oleObj>
+              </mc:Choice>
+              <mc:Fallback>
+                <p:oleObj name="Acrobat Document" r:id="rId3" imgW="8010522" imgH="5676750" progId="AcroExch.Document.7">
+                  <p:embed/>
+                  <p:pic>
+                    <p:nvPicPr>
+                      <p:cNvPr id="0" name=""/>
+                      <p:cNvPicPr/>
+                      <p:nvPr/>
+                    </p:nvPicPr>
+                    <p:blipFill>
+                      <a:blip r:embed="rId4"/>
+                      <a:stretch>
+                        <a:fillRect/>
+                      </a:stretch>
+                    </p:blipFill>
+                    <p:spPr>
+                      <a:xfrm>
+                        <a:off x="3586704" y="130084"/>
+                        <a:ext cx="8605296" cy="6098402"/>
+                      </a:xfrm>
+                      <a:prstGeom prst="rect">
+                        <a:avLst/>
+                      </a:prstGeom>
+                    </p:spPr>
+                  </p:pic>
+                </p:oleObj>
+              </mc:Fallback>
+            </mc:AlternateContent>
+          </a:graphicData>
+        </a:graphic>
+      </p:graphicFrame>
+      <p:sp>
+        <p:nvSpPr>
+          <p:cNvPr id="2" name="标题 1"/>
+          <p:cNvSpPr>
+            <a:spLocks noGrp="1"/>
+          </p:cNvSpPr>
+          <p:nvPr>
+            <p:ph type="title"/>
+          </p:nvPr>
+        </p:nvSpPr>
+        <p:spPr>
+          <a:xfrm>
+            <a:off x="438253" y="270127"/>
+            <a:ext cx="10058400" cy="1450757"/>
+          </a:xfrm>
+        </p:spPr>
+        <p:txBody>
+          <a:bodyPr>
+            <a:normAutofit/>
+          </a:bodyPr>
+          <a:lstStyle/>
+          <a:p>
+            <a:r>
+              <a:rPr lang="en-US" altLang="zh-CN" sz="4000" dirty="0"/>
+              <a:t>Functional analysis</a:t>
+            </a:r>
+            <a:endParaRPr lang="zh-CN" altLang="en-US" sz="4000" dirty="0"/>
+          </a:p>
+        </p:txBody>
+      </p:sp>
+      <p:sp>
+        <p:nvSpPr>
+          <p:cNvPr id="4" name="灯片编号占位符 3"/>
+          <p:cNvSpPr>
+            <a:spLocks noGrp="1"/>
+          </p:cNvSpPr>
+          <p:nvPr>
+            <p:ph type="sldNum" sz="quarter" idx="12"/>
+          </p:nvPr>
+        </p:nvSpPr>
+        <p:spPr/>
+        <p:txBody>
+          <a:bodyPr/>
+          <a:lstStyle/>
+          <a:p>
+            <a:fld id="{6124A530-E518-4923-B2D7-101050581B42}" type="slidenum">
+              <a:rPr lang="zh-CN" altLang="en-US" smtClean="0"/>
+              <a:t>4</a:t>
+            </a:fld>
+            <a:endParaRPr lang="zh-CN" altLang="en-US"/>
+          </a:p>
+        </p:txBody>
+      </p:sp>
+      <p:sp>
+        <p:nvSpPr>
+          <p:cNvPr id="6" name="文本框 5"/>
+          <p:cNvSpPr txBox="1"/>
+          <p:nvPr/>
+        </p:nvSpPr>
+        <p:spPr>
+          <a:xfrm>
+            <a:off x="438253" y="1618523"/>
+            <a:ext cx="5773078" cy="646331"/>
+          </a:xfrm>
+          <a:prstGeom prst="rect">
+            <a:avLst/>
+          </a:prstGeom>
+          <a:noFill/>
+        </p:spPr>
+        <p:txBody>
+          <a:bodyPr wrap="square" rtlCol="0">
+            <a:spAutoFit/>
+          </a:bodyPr>
+          <a:lstStyle/>
+          <a:p>
+            <a:endParaRPr lang="zh-CN" altLang="en-US" dirty="0"/>
+          </a:p>
+          <a:p>
+            <a:r>
+              <a:rPr lang="en-US" altLang="zh-CN" dirty="0" smtClean="0"/>
+              <a:t>Research </a:t>
+            </a:r>
+            <a:r>
+              <a:rPr lang="en-US" altLang="zh-CN" dirty="0"/>
+              <a:t>of </a:t>
+            </a:r>
+            <a:r>
+              <a:rPr lang="en-US" altLang="zh-CN" dirty="0" smtClean="0"/>
+              <a:t>functions: «FAST»</a:t>
+            </a:r>
+            <a:endParaRPr lang="zh-CN" altLang="en-US" dirty="0"/>
+          </a:p>
+        </p:txBody>
+      </p:sp>
+      <p:sp>
+        <p:nvSpPr>
+          <p:cNvPr id="7" name="矩形 6"/>
+          <p:cNvSpPr/>
+          <p:nvPr/>
+        </p:nvSpPr>
+        <p:spPr>
+          <a:xfrm>
+            <a:off x="10083114" y="3542270"/>
+            <a:ext cx="2108886" cy="1210962"/>
+          </a:xfrm>
+          <a:prstGeom prst="rect">
+            <a:avLst/>
+          </a:prstGeom>
+          <a:solidFill>
+            <a:schemeClr val="bg1"/>
+          </a:solidFill>
+          <a:ln>
+            <a:solidFill>
+              <a:schemeClr val="bg1"/>
+            </a:solidFill>
+          </a:ln>
+        </p:spPr>
+        <p:style>
+          <a:lnRef idx="2">
+            <a:schemeClr val="accent1">
+              <a:shade val="50000"/>
+            </a:schemeClr>
+          </a:lnRef>
+          <a:fillRef idx="1">
+            <a:schemeClr val="accent1"/>
+          </a:fillRef>
+          <a:effectRef idx="0">
+            <a:schemeClr val="accent1"/>
+          </a:effectRef>
+          <a:fontRef idx="minor">
+            <a:schemeClr val="lt1"/>
+          </a:fontRef>
+        </p:style>
+        <p:txBody>
+          <a:bodyPr rtlCol="0" anchor="ctr"/>
+          <a:lstStyle/>
+          <a:p>
+            <a:pPr algn="ctr"/>
+            <a:endParaRPr lang="zh-CN" altLang="en-US"/>
+          </a:p>
+        </p:txBody>
+      </p:sp>
       <p:pic>
         <p:nvPicPr>
-          <p:cNvPr id="8" name="图片 7"/>
+          <p:cNvPr id="9" name="图片 8"/>
           <p:cNvPicPr>
             <a:picLocks noChangeAspect="1"/>
           </p:cNvPicPr>
           <p:nvPr/>
         </p:nvPicPr>
         <p:blipFill rotWithShape="1">
-          <a:blip r:embed="rId2">
+          <a:blip r:embed="rId5" cstate="print">
             <a:extLst>
               <a:ext uri="{28A0092B-C50C-407E-A947-70E740481C1C}">
                 <a14:useLocalDpi xmlns:a14="http://schemas.microsoft.com/office/drawing/2010/main" val="0"/>
               </a:ext>
             </a:extLst>
           </a:blip>
-          <a:srcRect l="1" r="-26" b="39505"/>
+          <a:srcRect t="8966" b="10772"/>
           <a:stretch/>
         </p:blipFill>
         <p:spPr>
           <a:xfrm>
-            <a:off x="619485" y="2102792"/>
-            <a:ext cx="7751806" cy="3739185"/>
+            <a:off x="10083114" y="3723961"/>
+            <a:ext cx="1129369" cy="906456"/>
           </a:xfrm>
           <a:prstGeom prst="rect">
             <a:avLst/>
           </a:prstGeom>
         </p:spPr>
       </p:pic>
-      <p:sp>
-        <p:nvSpPr>
-          <p:cNvPr id="9" name="标题 1"/>
-          <p:cNvSpPr>
-            <a:spLocks noGrp="1"/>
-          </p:cNvSpPr>
-          <p:nvPr>
-            <p:ph type="title"/>
-          </p:nvPr>
-        </p:nvSpPr>
-        <p:spPr>
-          <a:xfrm>
-            <a:off x="619485" y="978582"/>
-            <a:ext cx="10058400" cy="718413"/>
-          </a:xfrm>
-        </p:spPr>
-        <p:txBody>
-          <a:bodyPr>
-            <a:normAutofit/>
-          </a:bodyPr>
-          <a:lstStyle/>
-          <a:p>
-            <a:r>
-              <a:rPr lang="en-US" altLang="zh-CN" dirty="0" smtClean="0"/>
-              <a:t>Our </a:t>
-            </a:r>
-            <a:r>
-              <a:rPr lang="en-US" altLang="zh-CN" dirty="0" smtClean="0"/>
-              <a:t>concept </a:t>
-            </a:r>
-            <a:endParaRPr lang="zh-CN" altLang="en-US" dirty="0"/>
-          </a:p>
-        </p:txBody>
-      </p:sp>
-      <p:sp>
-        <p:nvSpPr>
-          <p:cNvPr id="2" name="文本框 1"/>
-          <p:cNvSpPr txBox="1"/>
-          <p:nvPr/>
-        </p:nvSpPr>
-        <p:spPr>
-          <a:xfrm>
-            <a:off x="3461539" y="1384379"/>
-            <a:ext cx="3286897" cy="369332"/>
-          </a:xfrm>
-          <a:prstGeom prst="rect">
-            <a:avLst/>
-          </a:prstGeom>
-          <a:noFill/>
-        </p:spPr>
-        <p:txBody>
-          <a:bodyPr wrap="square" rtlCol="0">
-            <a:spAutoFit/>
-          </a:bodyPr>
-          <a:lstStyle/>
-          <a:p>
-            <a:r>
-              <a:rPr lang="en-US" altLang="zh-CN" dirty="0"/>
-              <a:t> </a:t>
-            </a:r>
-            <a:r>
-              <a:rPr lang="en-US" altLang="zh-CN" dirty="0" smtClean="0"/>
-              <a:t>    </a:t>
-            </a:r>
-            <a:r>
-              <a:rPr lang="en-US" altLang="zh-CN" dirty="0" smtClean="0"/>
-              <a:t>3 </a:t>
-            </a:r>
-            <a:r>
-              <a:rPr lang="en-US" altLang="zh-CN" dirty="0" smtClean="0"/>
-              <a:t>types of drones  </a:t>
-            </a:r>
-            <a:endParaRPr lang="zh-CN" altLang="en-US" dirty="0"/>
-          </a:p>
-        </p:txBody>
-      </p:sp>
-      <p:sp>
-        <p:nvSpPr>
-          <p:cNvPr id="3" name="圆角矩形 2"/>
-          <p:cNvSpPr/>
-          <p:nvPr/>
-        </p:nvSpPr>
-        <p:spPr>
-          <a:xfrm>
-            <a:off x="619485" y="3564155"/>
-            <a:ext cx="1252152" cy="631047"/>
-          </a:xfrm>
-          <a:prstGeom prst="roundRect">
-            <a:avLst/>
-          </a:prstGeom>
-          <a:solidFill>
-            <a:srgbClr val="42BA97">
-              <a:alpha val="63137"/>
-            </a:srgbClr>
-          </a:solidFill>
-          <a:ln>
-            <a:solidFill>
-              <a:schemeClr val="tx1"/>
-            </a:solidFill>
-          </a:ln>
-        </p:spPr>
-        <p:style>
-          <a:lnRef idx="2">
-            <a:schemeClr val="accent4">
-              <a:shade val="50000"/>
-            </a:schemeClr>
-          </a:lnRef>
-          <a:fillRef idx="1">
-            <a:schemeClr val="accent4"/>
-          </a:fillRef>
-          <a:effectRef idx="0">
-            <a:schemeClr val="accent4"/>
-          </a:effectRef>
-          <a:fontRef idx="minor">
-            <a:schemeClr val="lt1"/>
-          </a:fontRef>
-        </p:style>
-        <p:txBody>
-          <a:bodyPr rtlCol="0" anchor="ctr"/>
-          <a:lstStyle/>
-          <a:p>
-            <a:pPr algn="ctr"/>
-            <a:endParaRPr lang="zh-CN" altLang="en-US"/>
-          </a:p>
-        </p:txBody>
-      </p:sp>
-      <p:sp>
-        <p:nvSpPr>
-          <p:cNvPr id="10" name="圆角矩形 9"/>
-          <p:cNvSpPr/>
-          <p:nvPr/>
-        </p:nvSpPr>
-        <p:spPr>
-          <a:xfrm>
-            <a:off x="3762221" y="3572393"/>
-            <a:ext cx="1252152" cy="631047"/>
-          </a:xfrm>
-          <a:prstGeom prst="roundRect">
-            <a:avLst/>
-          </a:prstGeom>
-          <a:solidFill>
-            <a:srgbClr val="6666FF">
-              <a:alpha val="60000"/>
-            </a:srgbClr>
-          </a:solidFill>
-          <a:ln>
-            <a:solidFill>
-              <a:schemeClr val="tx1"/>
-            </a:solidFill>
-          </a:ln>
-        </p:spPr>
-        <p:style>
-          <a:lnRef idx="1">
-            <a:schemeClr val="accent1"/>
-          </a:lnRef>
-          <a:fillRef idx="2">
-            <a:schemeClr val="accent1"/>
-          </a:fillRef>
-          <a:effectRef idx="1">
-            <a:schemeClr val="accent1"/>
-          </a:effectRef>
-          <a:fontRef idx="minor">
-            <a:schemeClr val="dk1"/>
-          </a:fontRef>
-        </p:style>
-        <p:txBody>
-          <a:bodyPr rtlCol="0" anchor="ctr"/>
-          <a:lstStyle/>
-          <a:p>
-            <a:pPr algn="ctr"/>
-            <a:endParaRPr lang="zh-CN" altLang="en-US"/>
-          </a:p>
-        </p:txBody>
-      </p:sp>
-      <p:sp>
-        <p:nvSpPr>
-          <p:cNvPr id="11" name="圆角矩形 10"/>
-          <p:cNvSpPr/>
-          <p:nvPr/>
-        </p:nvSpPr>
-        <p:spPr>
-          <a:xfrm>
-            <a:off x="7110901" y="3564155"/>
-            <a:ext cx="1252152" cy="631047"/>
-          </a:xfrm>
-          <a:prstGeom prst="roundRect">
-            <a:avLst/>
-          </a:prstGeom>
-          <a:solidFill>
-            <a:srgbClr val="7030A0">
-              <a:alpha val="60000"/>
-            </a:srgbClr>
-          </a:solidFill>
-          <a:ln>
-            <a:solidFill>
-              <a:schemeClr val="tx1"/>
-            </a:solidFill>
-          </a:ln>
-        </p:spPr>
-        <p:style>
-          <a:lnRef idx="1">
-            <a:schemeClr val="accent3"/>
-          </a:lnRef>
-          <a:fillRef idx="2">
-            <a:schemeClr val="accent3"/>
-          </a:fillRef>
-          <a:effectRef idx="1">
-            <a:schemeClr val="accent3"/>
-          </a:effectRef>
-          <a:fontRef idx="minor">
-            <a:schemeClr val="dk1"/>
-          </a:fontRef>
-        </p:style>
-        <p:txBody>
-          <a:bodyPr rtlCol="0" anchor="ctr"/>
-          <a:lstStyle/>
-          <a:p>
-            <a:pPr algn="ctr"/>
-            <a:endParaRPr lang="zh-CN" altLang="en-US"/>
-          </a:p>
-        </p:txBody>
-      </p:sp>
-      <p:sp>
-        <p:nvSpPr>
-          <p:cNvPr id="4" name="灯片编号占位符 3"/>
-          <p:cNvSpPr>
-            <a:spLocks noGrp="1"/>
-          </p:cNvSpPr>
-          <p:nvPr>
-            <p:ph type="sldNum" sz="quarter" idx="12"/>
-          </p:nvPr>
-        </p:nvSpPr>
-        <p:spPr>
-          <a:xfrm>
-            <a:off x="10798382" y="6492875"/>
-            <a:ext cx="1312025" cy="365125"/>
-          </a:xfrm>
-        </p:spPr>
-        <p:txBody>
-          <a:bodyPr/>
-          <a:lstStyle/>
-          <a:p>
-            <a:fld id="{6124A530-E518-4923-B2D7-101050581B42}" type="slidenum">
-              <a:rPr lang="zh-CN" altLang="en-US" sz="2400" smtClean="0"/>
-              <a:t>4</a:t>
-            </a:fld>
-            <a:endParaRPr lang="zh-CN" altLang="en-US" sz="4000" dirty="0"/>
-          </a:p>
-        </p:txBody>
-      </p:sp>
       <p:pic>
         <p:nvPicPr>
-          <p:cNvPr id="20" name="图片 19"/>
-          <p:cNvPicPr>
-            <a:picLocks noChangeAspect="1"/>
-          </p:cNvPicPr>
+          <p:cNvPr id="10" name="图片 9"/>
+          <p:cNvPicPr/>
           <p:nvPr/>
         </p:nvPicPr>
-        <p:blipFill rotWithShape="1">
-          <a:blip r:embed="rId3">
+        <p:blipFill>
+          <a:blip r:embed="rId6" cstate="print">
             <a:extLst>
               <a:ext uri="{28A0092B-C50C-407E-A947-70E740481C1C}">
                 <a14:useLocalDpi xmlns:a14="http://schemas.microsoft.com/office/drawing/2010/main" val="0"/>
               </a:ext>
             </a:extLst>
           </a:blip>
-          <a:srcRect l="-1" t="67725" r="-6108"/>
-          <a:stretch/>
+          <a:srcRect/>
+          <a:stretch>
+            <a:fillRect/>
+          </a:stretch>
         </p:blipFill>
-        <p:spPr>
-          <a:xfrm>
-            <a:off x="6604662" y="3623733"/>
-            <a:ext cx="8146445" cy="2310752"/>
-          </a:xfrm>
-          <a:prstGeom prst="rect">
-            <a:avLst/>
-          </a:prstGeom>
-        </p:spPr>
-      </p:pic>
-      <p:sp>
-        <p:nvSpPr>
-          <p:cNvPr id="21" name="右大括号 20"/>
-          <p:cNvSpPr/>
-          <p:nvPr/>
-        </p:nvSpPr>
-        <p:spPr>
-          <a:xfrm>
-            <a:off x="8898467" y="2167466"/>
-            <a:ext cx="169333" cy="3581400"/>
-          </a:xfrm>
-          <a:prstGeom prst="rightBrace">
-            <a:avLst/>
-          </a:prstGeom>
-        </p:spPr>
-        <p:style>
-          <a:lnRef idx="1">
-            <a:schemeClr val="dk1"/>
-          </a:lnRef>
-          <a:fillRef idx="0">
-            <a:schemeClr val="dk1"/>
-          </a:fillRef>
-          <a:effectRef idx="0">
-            <a:schemeClr val="dk1"/>
-          </a:effectRef>
-          <a:fontRef idx="minor">
-            <a:schemeClr val="tx1"/>
-          </a:fontRef>
-        </p:style>
-        <p:txBody>
-          <a:bodyPr rtlCol="0" anchor="ctr"/>
-          <a:lstStyle/>
-          <a:p>
-            <a:pPr algn="ctr"/>
-            <a:endParaRPr lang="zh-CN" altLang="en-US"/>
-          </a:p>
-        </p:txBody>
-      </p:sp>
-      <p:cxnSp>
-        <p:nvCxnSpPr>
-          <p:cNvPr id="23" name="直接箭头连接符 22"/>
-          <p:cNvCxnSpPr>
-            <a:stCxn id="21" idx="1"/>
-          </p:cNvCxnSpPr>
-          <p:nvPr/>
-        </p:nvCxnSpPr>
-        <p:spPr>
-          <a:xfrm>
-            <a:off x="9067800" y="3958166"/>
-            <a:ext cx="753533" cy="0"/>
-          </a:xfrm>
-          <a:prstGeom prst="straightConnector1">
-            <a:avLst/>
-          </a:prstGeom>
-          <a:ln>
-            <a:tailEnd type="triangle"/>
-          </a:ln>
-        </p:spPr>
-        <p:style>
-          <a:lnRef idx="1">
-            <a:schemeClr val="dk1"/>
-          </a:lnRef>
-          <a:fillRef idx="0">
-            <a:schemeClr val="dk1"/>
-          </a:fillRef>
-          <a:effectRef idx="0">
-            <a:schemeClr val="dk1"/>
-          </a:effectRef>
-          <a:fontRef idx="minor">
-            <a:schemeClr val="tx1"/>
-          </a:fontRef>
-        </p:style>
-      </p:cxnSp>
-      <p:sp>
-        <p:nvSpPr>
-          <p:cNvPr id="24" name="文本框 23"/>
-          <p:cNvSpPr txBox="1"/>
-          <p:nvPr/>
-        </p:nvSpPr>
-        <p:spPr>
-          <a:xfrm>
-            <a:off x="9267853" y="3153262"/>
-            <a:ext cx="2641600" cy="369332"/>
+        <p:spPr bwMode="auto">
+          <a:xfrm>
+            <a:off x="10172009" y="1616425"/>
+            <a:ext cx="781545" cy="752889"/>
           </a:xfrm>
           <a:prstGeom prst="rect">
             <a:avLst/>
           </a:prstGeom>
           <a:noFill/>
-        </p:spPr>
-        <p:txBody>
-          <a:bodyPr wrap="square" rtlCol="0">
-            <a:spAutoFit/>
-          </a:bodyPr>
-          <a:lstStyle/>
-          <a:p>
-            <a:r>
-              <a:rPr lang="en-US" altLang="zh-CN" dirty="0" smtClean="0"/>
-              <a:t>All the drones have also:</a:t>
-            </a:r>
-            <a:endParaRPr lang="zh-CN" altLang="en-US" dirty="0"/>
-          </a:p>
-        </p:txBody>
-      </p:sp>
+          <a:ln>
+            <a:noFill/>
+          </a:ln>
+        </p:spPr>
+      </p:pic>
     </p:spTree>
     <p:extLst>
       <p:ext uri="{BB962C8B-B14F-4D97-AF65-F5344CB8AC3E}">
-        <p14:creationId xmlns:p14="http://schemas.microsoft.com/office/powerpoint/2010/main" val="3245922503"/>
+        <p14:creationId xmlns:p14="http://schemas.microsoft.com/office/powerpoint/2010/main" val="1215215384"/>
       </p:ext>
     </p:extLst>
   </p:cSld>
@@ -5369,454 +5280,400 @@
           <a:chExt cx="0" cy="0"/>
         </a:xfrm>
       </p:grpSpPr>
-      <p:sp>
-        <p:nvSpPr>
-          <p:cNvPr id="2" name="标题 1"/>
-          <p:cNvSpPr>
-            <a:spLocks noGrp="1"/>
-          </p:cNvSpPr>
-          <p:nvPr>
-            <p:ph type="title"/>
-          </p:nvPr>
-        </p:nvSpPr>
-        <p:spPr/>
-        <p:txBody>
-          <a:bodyPr/>
-          <a:lstStyle/>
-          <a:p>
-            <a:r>
-              <a:rPr lang="en-US" altLang="zh-CN" dirty="0" smtClean="0"/>
-              <a:t>Our drone</a:t>
-            </a:r>
-            <a:endParaRPr lang="zh-CN" altLang="en-US" dirty="0"/>
-          </a:p>
-        </p:txBody>
-      </p:sp>
-      <p:sp>
-        <p:nvSpPr>
-          <p:cNvPr id="3" name="文本框 2"/>
-          <p:cNvSpPr txBox="1"/>
-          <p:nvPr/>
-        </p:nvSpPr>
-        <p:spPr>
-          <a:xfrm>
-            <a:off x="3815767" y="1368028"/>
-            <a:ext cx="3795996" cy="369332"/>
-          </a:xfrm>
-          <a:prstGeom prst="rect">
-            <a:avLst/>
-          </a:prstGeom>
-          <a:noFill/>
-        </p:spPr>
-        <p:txBody>
-          <a:bodyPr wrap="square" rtlCol="0">
-            <a:spAutoFit/>
-          </a:bodyPr>
-          <a:lstStyle/>
-          <a:p>
-            <a:r>
-              <a:rPr lang="en-US" altLang="zh-CN" dirty="0"/>
-              <a:t>a base and different sensors</a:t>
-            </a:r>
-            <a:endParaRPr lang="zh-CN" altLang="en-US" dirty="0"/>
-          </a:p>
-        </p:txBody>
-      </p:sp>
       <p:pic>
         <p:nvPicPr>
-          <p:cNvPr id="4" name="图片 3"/>
-          <p:cNvPicPr/>
+          <p:cNvPr id="8" name="图片 7"/>
+          <p:cNvPicPr>
+            <a:picLocks noChangeAspect="1"/>
+          </p:cNvPicPr>
           <p:nvPr/>
         </p:nvPicPr>
-        <p:blipFill>
-          <a:blip r:embed="rId2" cstate="print">
+        <p:blipFill rotWithShape="1">
+          <a:blip r:embed="rId2">
             <a:extLst>
               <a:ext uri="{28A0092B-C50C-407E-A947-70E740481C1C}">
                 <a14:useLocalDpi xmlns:a14="http://schemas.microsoft.com/office/drawing/2010/main" val="0"/>
               </a:ext>
             </a:extLst>
           </a:blip>
-          <a:srcRect/>
-          <a:stretch>
-            <a:fillRect/>
-          </a:stretch>
+          <a:srcRect l="1" r="-26" b="39505"/>
+          <a:stretch/>
         </p:blipFill>
-        <p:spPr bwMode="auto">
-          <a:xfrm>
-            <a:off x="1952064" y="2114978"/>
-            <a:ext cx="1857417" cy="1477353"/>
+        <p:spPr>
+          <a:xfrm>
+            <a:off x="619485" y="2102792"/>
+            <a:ext cx="7751806" cy="3739185"/>
+          </a:xfrm>
+          <a:prstGeom prst="rect">
+            <a:avLst/>
+          </a:prstGeom>
+        </p:spPr>
+      </p:pic>
+      <p:sp>
+        <p:nvSpPr>
+          <p:cNvPr id="9" name="标题 1"/>
+          <p:cNvSpPr>
+            <a:spLocks noGrp="1"/>
+          </p:cNvSpPr>
+          <p:nvPr>
+            <p:ph type="title"/>
+          </p:nvPr>
+        </p:nvSpPr>
+        <p:spPr>
+          <a:xfrm>
+            <a:off x="619485" y="978582"/>
+            <a:ext cx="10058400" cy="718413"/>
+          </a:xfrm>
+        </p:spPr>
+        <p:txBody>
+          <a:bodyPr>
+            <a:normAutofit/>
+          </a:bodyPr>
+          <a:lstStyle/>
+          <a:p>
+            <a:r>
+              <a:rPr lang="en-US" altLang="zh-CN" dirty="0" smtClean="0"/>
+              <a:t>Our concept </a:t>
+            </a:r>
+            <a:endParaRPr lang="zh-CN" altLang="en-US" dirty="0"/>
+          </a:p>
+        </p:txBody>
+      </p:sp>
+      <p:sp>
+        <p:nvSpPr>
+          <p:cNvPr id="2" name="文本框 1"/>
+          <p:cNvSpPr txBox="1"/>
+          <p:nvPr/>
+        </p:nvSpPr>
+        <p:spPr>
+          <a:xfrm>
+            <a:off x="3461539" y="1384379"/>
+            <a:ext cx="3286897" cy="369332"/>
           </a:xfrm>
           <a:prstGeom prst="rect">
             <a:avLst/>
           </a:prstGeom>
           <a:noFill/>
+        </p:spPr>
+        <p:txBody>
+          <a:bodyPr wrap="square" rtlCol="0">
+            <a:spAutoFit/>
+          </a:bodyPr>
+          <a:lstStyle/>
+          <a:p>
+            <a:r>
+              <a:rPr lang="en-US" altLang="zh-CN" dirty="0"/>
+              <a:t> </a:t>
+            </a:r>
+            <a:r>
+              <a:rPr lang="en-US" altLang="zh-CN" dirty="0" smtClean="0"/>
+              <a:t>    3 types of drones  </a:t>
+            </a:r>
+            <a:endParaRPr lang="zh-CN" altLang="en-US" dirty="0"/>
+          </a:p>
+        </p:txBody>
+      </p:sp>
+      <p:sp>
+        <p:nvSpPr>
+          <p:cNvPr id="3" name="圆角矩形 2"/>
+          <p:cNvSpPr/>
+          <p:nvPr/>
+        </p:nvSpPr>
+        <p:spPr>
+          <a:xfrm>
+            <a:off x="619485" y="3564155"/>
+            <a:ext cx="1252152" cy="631047"/>
+          </a:xfrm>
+          <a:prstGeom prst="roundRect">
+            <a:avLst/>
+          </a:prstGeom>
+          <a:solidFill>
+            <a:srgbClr val="42BA97">
+              <a:alpha val="63137"/>
+            </a:srgbClr>
+          </a:solidFill>
           <a:ln>
-            <a:noFill/>
+            <a:solidFill>
+              <a:schemeClr val="tx1"/>
+            </a:solidFill>
           </a:ln>
         </p:spPr>
-      </p:pic>
+        <p:style>
+          <a:lnRef idx="2">
+            <a:schemeClr val="accent4">
+              <a:shade val="50000"/>
+            </a:schemeClr>
+          </a:lnRef>
+          <a:fillRef idx="1">
+            <a:schemeClr val="accent4"/>
+          </a:fillRef>
+          <a:effectRef idx="0">
+            <a:schemeClr val="accent4"/>
+          </a:effectRef>
+          <a:fontRef idx="minor">
+            <a:schemeClr val="lt1"/>
+          </a:fontRef>
+        </p:style>
+        <p:txBody>
+          <a:bodyPr rtlCol="0" anchor="ctr"/>
+          <a:lstStyle/>
+          <a:p>
+            <a:pPr algn="ctr"/>
+            <a:endParaRPr lang="zh-CN" altLang="en-US"/>
+          </a:p>
+        </p:txBody>
+      </p:sp>
+      <p:sp>
+        <p:nvSpPr>
+          <p:cNvPr id="10" name="圆角矩形 9"/>
+          <p:cNvSpPr/>
+          <p:nvPr/>
+        </p:nvSpPr>
+        <p:spPr>
+          <a:xfrm>
+            <a:off x="3762221" y="3572393"/>
+            <a:ext cx="1252152" cy="631047"/>
+          </a:xfrm>
+          <a:prstGeom prst="roundRect">
+            <a:avLst/>
+          </a:prstGeom>
+          <a:solidFill>
+            <a:srgbClr val="6666FF">
+              <a:alpha val="60000"/>
+            </a:srgbClr>
+          </a:solidFill>
+          <a:ln>
+            <a:solidFill>
+              <a:schemeClr val="tx1"/>
+            </a:solidFill>
+          </a:ln>
+        </p:spPr>
+        <p:style>
+          <a:lnRef idx="1">
+            <a:schemeClr val="accent1"/>
+          </a:lnRef>
+          <a:fillRef idx="2">
+            <a:schemeClr val="accent1"/>
+          </a:fillRef>
+          <a:effectRef idx="1">
+            <a:schemeClr val="accent1"/>
+          </a:effectRef>
+          <a:fontRef idx="minor">
+            <a:schemeClr val="dk1"/>
+          </a:fontRef>
+        </p:style>
+        <p:txBody>
+          <a:bodyPr rtlCol="0" anchor="ctr"/>
+          <a:lstStyle/>
+          <a:p>
+            <a:pPr algn="ctr"/>
+            <a:endParaRPr lang="zh-CN" altLang="en-US"/>
+          </a:p>
+        </p:txBody>
+      </p:sp>
+      <p:sp>
+        <p:nvSpPr>
+          <p:cNvPr id="11" name="圆角矩形 10"/>
+          <p:cNvSpPr/>
+          <p:nvPr/>
+        </p:nvSpPr>
+        <p:spPr>
+          <a:xfrm>
+            <a:off x="7110901" y="3564155"/>
+            <a:ext cx="1252152" cy="631047"/>
+          </a:xfrm>
+          <a:prstGeom prst="roundRect">
+            <a:avLst/>
+          </a:prstGeom>
+          <a:solidFill>
+            <a:srgbClr val="7030A0">
+              <a:alpha val="60000"/>
+            </a:srgbClr>
+          </a:solidFill>
+          <a:ln>
+            <a:solidFill>
+              <a:schemeClr val="tx1"/>
+            </a:solidFill>
+          </a:ln>
+        </p:spPr>
+        <p:style>
+          <a:lnRef idx="1">
+            <a:schemeClr val="accent3"/>
+          </a:lnRef>
+          <a:fillRef idx="2">
+            <a:schemeClr val="accent3"/>
+          </a:fillRef>
+          <a:effectRef idx="1">
+            <a:schemeClr val="accent3"/>
+          </a:effectRef>
+          <a:fontRef idx="minor">
+            <a:schemeClr val="dk1"/>
+          </a:fontRef>
+        </p:style>
+        <p:txBody>
+          <a:bodyPr rtlCol="0" anchor="ctr"/>
+          <a:lstStyle/>
+          <a:p>
+            <a:pPr algn="ctr"/>
+            <a:endParaRPr lang="zh-CN" altLang="en-US"/>
+          </a:p>
+        </p:txBody>
+      </p:sp>
+      <p:sp>
+        <p:nvSpPr>
+          <p:cNvPr id="4" name="灯片编号占位符 3"/>
+          <p:cNvSpPr>
+            <a:spLocks noGrp="1"/>
+          </p:cNvSpPr>
+          <p:nvPr>
+            <p:ph type="sldNum" sz="quarter" idx="12"/>
+          </p:nvPr>
+        </p:nvSpPr>
+        <p:spPr>
+          <a:xfrm>
+            <a:off x="10798382" y="6492875"/>
+            <a:ext cx="1312025" cy="365125"/>
+          </a:xfrm>
+        </p:spPr>
+        <p:txBody>
+          <a:bodyPr/>
+          <a:lstStyle/>
+          <a:p>
+            <a:fld id="{6124A530-E518-4923-B2D7-101050581B42}" type="slidenum">
+              <a:rPr lang="zh-CN" altLang="en-US" sz="2400" smtClean="0"/>
+              <a:t>5</a:t>
+            </a:fld>
+            <a:endParaRPr lang="zh-CN" altLang="en-US" sz="4000" dirty="0"/>
+          </a:p>
+        </p:txBody>
+      </p:sp>
       <p:pic>
         <p:nvPicPr>
-          <p:cNvPr id="6" name="图片 5"/>
+          <p:cNvPr id="20" name="图片 19"/>
           <p:cNvPicPr>
             <a:picLocks noChangeAspect="1"/>
           </p:cNvPicPr>
           <p:nvPr/>
         </p:nvPicPr>
         <p:blipFill rotWithShape="1">
-          <a:blip r:embed="rId3" cstate="print">
+          <a:blip r:embed="rId3">
             <a:extLst>
               <a:ext uri="{28A0092B-C50C-407E-A947-70E740481C1C}">
                 <a14:useLocalDpi xmlns:a14="http://schemas.microsoft.com/office/drawing/2010/main" val="0"/>
               </a:ext>
             </a:extLst>
           </a:blip>
-          <a:srcRect t="8966" b="10772"/>
+          <a:srcRect l="-1" t="67725" r="-6108"/>
           <a:stretch/>
         </p:blipFill>
         <p:spPr>
           <a:xfrm>
-            <a:off x="7625653" y="2109959"/>
-            <a:ext cx="1766275" cy="1417650"/>
+            <a:off x="6604662" y="3623733"/>
+            <a:ext cx="8146445" cy="2310752"/>
           </a:xfrm>
           <a:prstGeom prst="rect">
             <a:avLst/>
           </a:prstGeom>
         </p:spPr>
       </p:pic>
-      <p:pic>
-        <p:nvPicPr>
-          <p:cNvPr id="8" name="图片 7"/>
-          <p:cNvPicPr/>
+      <p:sp>
+        <p:nvSpPr>
+          <p:cNvPr id="21" name="右大括号 20"/>
+          <p:cNvSpPr/>
           <p:nvPr/>
-        </p:nvPicPr>
-        <p:blipFill>
-          <a:blip r:embed="rId4" cstate="print">
-            <a:extLst>
-              <a:ext uri="{28A0092B-C50C-407E-A947-70E740481C1C}">
-                <a14:useLocalDpi xmlns:a14="http://schemas.microsoft.com/office/drawing/2010/main" val="0"/>
-              </a:ext>
-            </a:extLst>
-          </a:blip>
-          <a:srcRect/>
-          <a:stretch>
-            <a:fillRect/>
-          </a:stretch>
-        </p:blipFill>
-        <p:spPr bwMode="auto">
-          <a:xfrm>
-            <a:off x="6385374" y="4000343"/>
-            <a:ext cx="1856543" cy="1496278"/>
-          </a:xfrm>
-          <a:prstGeom prst="rect">
+        </p:nvSpPr>
+        <p:spPr>
+          <a:xfrm>
+            <a:off x="8898467" y="2167466"/>
+            <a:ext cx="169333" cy="3581400"/>
+          </a:xfrm>
+          <a:prstGeom prst="rightBrace">
             <a:avLst/>
           </a:prstGeom>
-          <a:noFill/>
-          <a:ln>
-            <a:noFill/>
-          </a:ln>
-        </p:spPr>
-      </p:pic>
-      <p:pic>
-        <p:nvPicPr>
-          <p:cNvPr id="9" name="图片 8"/>
-          <p:cNvPicPr/>
-          <p:nvPr/>
-        </p:nvPicPr>
-        <p:blipFill>
-          <a:blip r:embed="rId5">
-            <a:extLst>
-              <a:ext uri="{28A0092B-C50C-407E-A947-70E740481C1C}">
-                <a14:useLocalDpi xmlns:a14="http://schemas.microsoft.com/office/drawing/2010/main" val="0"/>
-              </a:ext>
-            </a:extLst>
-          </a:blip>
-          <a:srcRect/>
-          <a:stretch>
-            <a:fillRect/>
-          </a:stretch>
-        </p:blipFill>
-        <p:spPr bwMode="auto">
-          <a:xfrm>
-            <a:off x="3873432" y="4208841"/>
-            <a:ext cx="1013460" cy="1287780"/>
-          </a:xfrm>
-          <a:prstGeom prst="rect">
-            <a:avLst/>
-          </a:prstGeom>
-          <a:noFill/>
-          <a:ln>
-            <a:noFill/>
-          </a:ln>
-        </p:spPr>
-      </p:pic>
-      <p:sp>
-        <p:nvSpPr>
-          <p:cNvPr id="10" name="灯片编号占位符 9"/>
-          <p:cNvSpPr>
-            <a:spLocks noGrp="1"/>
-          </p:cNvSpPr>
-          <p:nvPr>
-            <p:ph type="sldNum" sz="quarter" idx="12"/>
-          </p:nvPr>
-        </p:nvSpPr>
-        <p:spPr/>
-        <p:txBody>
-          <a:bodyPr/>
-          <a:lstStyle/>
-          <a:p>
-            <a:fld id="{6124A530-E518-4923-B2D7-101050581B42}" type="slidenum">
-              <a:rPr lang="zh-CN" altLang="en-US" smtClean="0"/>
-              <a:t>5</a:t>
-            </a:fld>
-            <a:endParaRPr lang="zh-CN" altLang="en-US"/>
-          </a:p>
-        </p:txBody>
-      </p:sp>
-      <p:sp>
-        <p:nvSpPr>
-          <p:cNvPr id="11" name="文本框 10"/>
-          <p:cNvSpPr txBox="1"/>
-          <p:nvPr/>
-        </p:nvSpPr>
-        <p:spPr>
-          <a:xfrm>
-            <a:off x="1952064" y="3655963"/>
-            <a:ext cx="1857417" cy="369332"/>
-          </a:xfrm>
-          <a:prstGeom prst="rect">
-            <a:avLst/>
-          </a:prstGeom>
         </p:spPr>
         <p:style>
-          <a:lnRef idx="2">
+          <a:lnRef idx="1">
             <a:schemeClr val="dk1"/>
           </a:lnRef>
-          <a:fillRef idx="1">
-            <a:schemeClr val="lt1"/>
+          <a:fillRef idx="0">
+            <a:schemeClr val="dk1"/>
           </a:fillRef>
           <a:effectRef idx="0">
             <a:schemeClr val="dk1"/>
           </a:effectRef>
           <a:fontRef idx="minor">
-            <a:schemeClr val="dk1"/>
+            <a:schemeClr val="tx1"/>
           </a:fontRef>
         </p:style>
         <p:txBody>
-          <a:bodyPr wrap="square" rtlCol="0">
-            <a:spAutoFit/>
-          </a:bodyPr>
+          <a:bodyPr rtlCol="0" anchor="ctr"/>
           <a:lstStyle/>
           <a:p>
             <a:pPr algn="ctr"/>
-            <a:r>
-              <a:rPr lang="en-US" altLang="zh-CN" dirty="0" smtClean="0"/>
-              <a:t>Thermal camera</a:t>
-            </a:r>
-            <a:endParaRPr lang="zh-CN" altLang="en-US" dirty="0"/>
-          </a:p>
-        </p:txBody>
-      </p:sp>
-      <p:sp>
-        <p:nvSpPr>
-          <p:cNvPr id="12" name="文本框 11"/>
-          <p:cNvSpPr txBox="1"/>
+            <a:endParaRPr lang="zh-CN" altLang="en-US"/>
+          </a:p>
+        </p:txBody>
+      </p:sp>
+      <p:cxnSp>
+        <p:nvCxnSpPr>
+          <p:cNvPr id="23" name="直接箭头连接符 22"/>
+          <p:cNvCxnSpPr>
+            <a:stCxn id="21" idx="1"/>
+          </p:cNvCxnSpPr>
           <p:nvPr/>
-        </p:nvSpPr>
-        <p:spPr>
-          <a:xfrm>
-            <a:off x="3451453" y="5600870"/>
-            <a:ext cx="1857417" cy="369332"/>
-          </a:xfrm>
-          <a:prstGeom prst="rect">
+        </p:nvCxnSpPr>
+        <p:spPr>
+          <a:xfrm>
+            <a:off x="9067800" y="3958166"/>
+            <a:ext cx="753533" cy="0"/>
+          </a:xfrm>
+          <a:prstGeom prst="straightConnector1">
             <a:avLst/>
           </a:prstGeom>
+          <a:ln>
+            <a:tailEnd type="triangle"/>
+          </a:ln>
         </p:spPr>
         <p:style>
-          <a:lnRef idx="2">
+          <a:lnRef idx="1">
             <a:schemeClr val="dk1"/>
           </a:lnRef>
-          <a:fillRef idx="1">
-            <a:schemeClr val="lt1"/>
+          <a:fillRef idx="0">
+            <a:schemeClr val="dk1"/>
           </a:fillRef>
           <a:effectRef idx="0">
             <a:schemeClr val="dk1"/>
           </a:effectRef>
           <a:fontRef idx="minor">
-            <a:schemeClr val="dk1"/>
+            <a:schemeClr val="tx1"/>
           </a:fontRef>
         </p:style>
+      </p:cxnSp>
+      <p:sp>
+        <p:nvSpPr>
+          <p:cNvPr id="24" name="文本框 23"/>
+          <p:cNvSpPr txBox="1"/>
+          <p:nvPr/>
+        </p:nvSpPr>
+        <p:spPr>
+          <a:xfrm>
+            <a:off x="9267853" y="3153262"/>
+            <a:ext cx="2641600" cy="369332"/>
+          </a:xfrm>
+          <a:prstGeom prst="rect">
+            <a:avLst/>
+          </a:prstGeom>
+          <a:noFill/>
+        </p:spPr>
         <p:txBody>
           <a:bodyPr wrap="square" rtlCol="0">
             <a:spAutoFit/>
           </a:bodyPr>
           <a:lstStyle/>
           <a:p>
-            <a:pPr algn="ctr"/>
             <a:r>
               <a:rPr lang="en-US" altLang="zh-CN" dirty="0" smtClean="0"/>
-              <a:t>Microphone</a:t>
-            </a:r>
-            <a:endParaRPr lang="zh-CN" altLang="en-US" dirty="0"/>
-          </a:p>
-        </p:txBody>
-      </p:sp>
-      <p:sp>
-        <p:nvSpPr>
-          <p:cNvPr id="13" name="文本框 12"/>
-          <p:cNvSpPr txBox="1"/>
-          <p:nvPr/>
-        </p:nvSpPr>
-        <p:spPr>
-          <a:xfrm>
-            <a:off x="6385374" y="5605167"/>
-            <a:ext cx="2180914" cy="369332"/>
-          </a:xfrm>
-          <a:prstGeom prst="rect">
-            <a:avLst/>
-          </a:prstGeom>
-        </p:spPr>
-        <p:style>
-          <a:lnRef idx="2">
-            <a:schemeClr val="dk1"/>
-          </a:lnRef>
-          <a:fillRef idx="1">
-            <a:schemeClr val="lt1"/>
-          </a:fillRef>
-          <a:effectRef idx="0">
-            <a:schemeClr val="dk1"/>
-          </a:effectRef>
-          <a:fontRef idx="minor">
-            <a:schemeClr val="dk1"/>
-          </a:fontRef>
-        </p:style>
-        <p:txBody>
-          <a:bodyPr wrap="square" rtlCol="0">
-            <a:spAutoFit/>
-          </a:bodyPr>
-          <a:lstStyle/>
-          <a:p>
-            <a:pPr algn="ctr"/>
-            <a:r>
-              <a:rPr lang="en-US" altLang="zh-CN" dirty="0" smtClean="0"/>
-              <a:t>Ultrasound sensor</a:t>
-            </a:r>
-            <a:endParaRPr lang="zh-CN" altLang="en-US" dirty="0"/>
-          </a:p>
-        </p:txBody>
-      </p:sp>
-      <p:sp>
-        <p:nvSpPr>
-          <p:cNvPr id="14" name="文本框 13"/>
-          <p:cNvSpPr txBox="1"/>
-          <p:nvPr/>
-        </p:nvSpPr>
-        <p:spPr>
-          <a:xfrm>
-            <a:off x="7696696" y="3655963"/>
-            <a:ext cx="1521444" cy="369332"/>
-          </a:xfrm>
-          <a:prstGeom prst="rect">
-            <a:avLst/>
-          </a:prstGeom>
-        </p:spPr>
-        <p:style>
-          <a:lnRef idx="2">
-            <a:schemeClr val="dk1"/>
-          </a:lnRef>
-          <a:fillRef idx="1">
-            <a:schemeClr val="lt1"/>
-          </a:fillRef>
-          <a:effectRef idx="0">
-            <a:schemeClr val="dk1"/>
-          </a:effectRef>
-          <a:fontRef idx="minor">
-            <a:schemeClr val="dk1"/>
-          </a:fontRef>
-        </p:style>
-        <p:txBody>
-          <a:bodyPr wrap="square" rtlCol="0">
-            <a:spAutoFit/>
-          </a:bodyPr>
-          <a:lstStyle/>
-          <a:p>
-            <a:pPr algn="ctr"/>
-            <a:r>
-              <a:rPr lang="en-US" altLang="zh-CN" dirty="0" smtClean="0"/>
-              <a:t>Smell sensor</a:t>
-            </a:r>
-            <a:endParaRPr lang="zh-CN" altLang="en-US" dirty="0"/>
-          </a:p>
-        </p:txBody>
-      </p:sp>
-      <p:pic>
-        <p:nvPicPr>
-          <p:cNvPr id="15" name="图片 14"/>
-          <p:cNvPicPr>
-            <a:picLocks noChangeAspect="1"/>
-          </p:cNvPicPr>
-          <p:nvPr/>
-        </p:nvPicPr>
-        <p:blipFill rotWithShape="1">
-          <a:blip r:embed="rId6">
-            <a:extLst>
-              <a:ext uri="{28A0092B-C50C-407E-A947-70E740481C1C}">
-                <a14:useLocalDpi xmlns:a14="http://schemas.microsoft.com/office/drawing/2010/main" val="0"/>
-              </a:ext>
-            </a:extLst>
-          </a:blip>
-          <a:srcRect l="8956" t="21203" r="12786" b="15363"/>
-          <a:stretch/>
-        </p:blipFill>
-        <p:spPr>
-          <a:xfrm>
-            <a:off x="4821237" y="2060903"/>
-            <a:ext cx="1869989" cy="1515763"/>
-          </a:xfrm>
-          <a:prstGeom prst="rect">
-            <a:avLst/>
-          </a:prstGeom>
-        </p:spPr>
-      </p:pic>
-      <p:sp>
-        <p:nvSpPr>
-          <p:cNvPr id="16" name="文本框 15"/>
-          <p:cNvSpPr txBox="1"/>
-          <p:nvPr/>
-        </p:nvSpPr>
-        <p:spPr>
-          <a:xfrm>
-            <a:off x="5120803" y="3655963"/>
-            <a:ext cx="1264571" cy="369332"/>
-          </a:xfrm>
-          <a:prstGeom prst="rect">
-            <a:avLst/>
-          </a:prstGeom>
-        </p:spPr>
-        <p:style>
-          <a:lnRef idx="2">
-            <a:schemeClr val="dk1"/>
-          </a:lnRef>
-          <a:fillRef idx="1">
-            <a:schemeClr val="lt1"/>
-          </a:fillRef>
-          <a:effectRef idx="0">
-            <a:schemeClr val="dk1"/>
-          </a:effectRef>
-          <a:fontRef idx="minor">
-            <a:schemeClr val="dk1"/>
-          </a:fontRef>
-        </p:style>
-        <p:txBody>
-          <a:bodyPr wrap="square" rtlCol="0">
-            <a:spAutoFit/>
-          </a:bodyPr>
-          <a:lstStyle/>
-          <a:p>
-            <a:pPr algn="ctr"/>
-            <a:r>
-              <a:rPr lang="en-US" altLang="zh-CN" dirty="0" smtClean="0"/>
-              <a:t>camera</a:t>
+              <a:t>All the drones have also:</a:t>
             </a:r>
             <a:endParaRPr lang="zh-CN" altLang="en-US" dirty="0"/>
           </a:p>
@@ -5825,7 +5682,7 @@
     </p:spTree>
     <p:extLst>
       <p:ext uri="{BB962C8B-B14F-4D97-AF65-F5344CB8AC3E}">
-        <p14:creationId xmlns:p14="http://schemas.microsoft.com/office/powerpoint/2010/main" val="3819389280"/>
+        <p14:creationId xmlns:p14="http://schemas.microsoft.com/office/powerpoint/2010/main" val="3245922503"/>
       </p:ext>
     </p:extLst>
   </p:cSld>
@@ -5906,41 +5763,202 @@
           <a:p>
             <a:r>
               <a:rPr lang="en-US" altLang="zh-CN" dirty="0"/>
-              <a:t>how are the sensors </a:t>
-            </a:r>
-            <a:r>
-              <a:rPr lang="en-US" altLang="zh-CN" dirty="0" smtClean="0"/>
-              <a:t>fixed ?</a:t>
+              <a:t>a base and different sensors</a:t>
             </a:r>
             <a:endParaRPr lang="zh-CN" altLang="en-US" dirty="0"/>
           </a:p>
         </p:txBody>
       </p:sp>
-      <p:sp>
-        <p:nvSpPr>
-          <p:cNvPr id="5" name="文本框 4"/>
-          <p:cNvSpPr txBox="1"/>
+      <p:pic>
+        <p:nvPicPr>
+          <p:cNvPr id="4" name="图片 3"/>
+          <p:cNvPicPr/>
           <p:nvPr/>
-        </p:nvSpPr>
-        <p:spPr>
-          <a:xfrm>
-            <a:off x="1764632" y="3112168"/>
-            <a:ext cx="8181473" cy="369332"/>
+        </p:nvPicPr>
+        <p:blipFill>
+          <a:blip r:embed="rId2" cstate="print">
+            <a:extLst>
+              <a:ext uri="{28A0092B-C50C-407E-A947-70E740481C1C}">
+                <a14:useLocalDpi xmlns:a14="http://schemas.microsoft.com/office/drawing/2010/main" val="0"/>
+              </a:ext>
+            </a:extLst>
+          </a:blip>
+          <a:srcRect/>
+          <a:stretch>
+            <a:fillRect/>
+          </a:stretch>
+        </p:blipFill>
+        <p:spPr bwMode="auto">
+          <a:xfrm>
+            <a:off x="1952064" y="2114978"/>
+            <a:ext cx="1857417" cy="1477353"/>
           </a:xfrm>
           <a:prstGeom prst="rect">
             <a:avLst/>
           </a:prstGeom>
           <a:noFill/>
-        </p:spPr>
+          <a:ln>
+            <a:noFill/>
+          </a:ln>
+        </p:spPr>
+      </p:pic>
+      <p:pic>
+        <p:nvPicPr>
+          <p:cNvPr id="6" name="图片 5"/>
+          <p:cNvPicPr>
+            <a:picLocks noChangeAspect="1"/>
+          </p:cNvPicPr>
+          <p:nvPr/>
+        </p:nvPicPr>
+        <p:blipFill rotWithShape="1">
+          <a:blip r:embed="rId3" cstate="print">
+            <a:extLst>
+              <a:ext uri="{28A0092B-C50C-407E-A947-70E740481C1C}">
+                <a14:useLocalDpi xmlns:a14="http://schemas.microsoft.com/office/drawing/2010/main" val="0"/>
+              </a:ext>
+            </a:extLst>
+          </a:blip>
+          <a:srcRect t="8966" b="10772"/>
+          <a:stretch/>
+        </p:blipFill>
+        <p:spPr>
+          <a:xfrm>
+            <a:off x="7625653" y="2109959"/>
+            <a:ext cx="1766275" cy="1417650"/>
+          </a:xfrm>
+          <a:prstGeom prst="rect">
+            <a:avLst/>
+          </a:prstGeom>
+        </p:spPr>
+      </p:pic>
+      <p:pic>
+        <p:nvPicPr>
+          <p:cNvPr id="8" name="图片 7"/>
+          <p:cNvPicPr/>
+          <p:nvPr/>
+        </p:nvPicPr>
+        <p:blipFill>
+          <a:blip r:embed="rId4" cstate="print">
+            <a:extLst>
+              <a:ext uri="{28A0092B-C50C-407E-A947-70E740481C1C}">
+                <a14:useLocalDpi xmlns:a14="http://schemas.microsoft.com/office/drawing/2010/main" val="0"/>
+              </a:ext>
+            </a:extLst>
+          </a:blip>
+          <a:srcRect/>
+          <a:stretch>
+            <a:fillRect/>
+          </a:stretch>
+        </p:blipFill>
+        <p:spPr bwMode="auto">
+          <a:xfrm>
+            <a:off x="6385374" y="4000343"/>
+            <a:ext cx="1856543" cy="1496278"/>
+          </a:xfrm>
+          <a:prstGeom prst="rect">
+            <a:avLst/>
+          </a:prstGeom>
+          <a:noFill/>
+          <a:ln>
+            <a:noFill/>
+          </a:ln>
+        </p:spPr>
+      </p:pic>
+      <p:pic>
+        <p:nvPicPr>
+          <p:cNvPr id="9" name="图片 8"/>
+          <p:cNvPicPr/>
+          <p:nvPr/>
+        </p:nvPicPr>
+        <p:blipFill>
+          <a:blip r:embed="rId5">
+            <a:extLst>
+              <a:ext uri="{28A0092B-C50C-407E-A947-70E740481C1C}">
+                <a14:useLocalDpi xmlns:a14="http://schemas.microsoft.com/office/drawing/2010/main" val="0"/>
+              </a:ext>
+            </a:extLst>
+          </a:blip>
+          <a:srcRect/>
+          <a:stretch>
+            <a:fillRect/>
+          </a:stretch>
+        </p:blipFill>
+        <p:spPr bwMode="auto">
+          <a:xfrm>
+            <a:off x="3873432" y="4208841"/>
+            <a:ext cx="1013460" cy="1287780"/>
+          </a:xfrm>
+          <a:prstGeom prst="rect">
+            <a:avLst/>
+          </a:prstGeom>
+          <a:noFill/>
+          <a:ln>
+            <a:noFill/>
+          </a:ln>
+        </p:spPr>
+      </p:pic>
+      <p:sp>
+        <p:nvSpPr>
+          <p:cNvPr id="10" name="灯片编号占位符 9"/>
+          <p:cNvSpPr>
+            <a:spLocks noGrp="1"/>
+          </p:cNvSpPr>
+          <p:nvPr>
+            <p:ph type="sldNum" sz="quarter" idx="12"/>
+          </p:nvPr>
+        </p:nvSpPr>
+        <p:spPr/>
+        <p:txBody>
+          <a:bodyPr/>
+          <a:lstStyle/>
+          <a:p>
+            <a:fld id="{6124A530-E518-4923-B2D7-101050581B42}" type="slidenum">
+              <a:rPr lang="zh-CN" altLang="en-US" smtClean="0"/>
+              <a:t>6</a:t>
+            </a:fld>
+            <a:endParaRPr lang="zh-CN" altLang="en-US"/>
+          </a:p>
+        </p:txBody>
+      </p:sp>
+      <p:sp>
+        <p:nvSpPr>
+          <p:cNvPr id="11" name="文本框 10"/>
+          <p:cNvSpPr txBox="1"/>
+          <p:nvPr/>
+        </p:nvSpPr>
+        <p:spPr>
+          <a:xfrm>
+            <a:off x="1952064" y="3655963"/>
+            <a:ext cx="1857417" cy="369332"/>
+          </a:xfrm>
+          <a:prstGeom prst="rect">
+            <a:avLst/>
+          </a:prstGeom>
+        </p:spPr>
+        <p:style>
+          <a:lnRef idx="2">
+            <a:schemeClr val="dk1"/>
+          </a:lnRef>
+          <a:fillRef idx="1">
+            <a:schemeClr val="lt1"/>
+          </a:fillRef>
+          <a:effectRef idx="0">
+            <a:schemeClr val="dk1"/>
+          </a:effectRef>
+          <a:fontRef idx="minor">
+            <a:schemeClr val="dk1"/>
+          </a:fontRef>
+        </p:style>
         <p:txBody>
           <a:bodyPr wrap="square" rtlCol="0">
             <a:spAutoFit/>
           </a:bodyPr>
           <a:lstStyle/>
           <a:p>
+            <a:pPr algn="ctr"/>
             <a:r>
               <a:rPr lang="en-US" altLang="zh-CN" dirty="0" smtClean="0"/>
-              <a:t>PHOTO DE LA MODELISATION</a:t>
+              <a:t>Thermal camera</a:t>
             </a:r>
             <a:endParaRPr lang="zh-CN" altLang="en-US" dirty="0"/>
           </a:p>
@@ -5948,31 +5966,213 @@
       </p:sp>
       <p:sp>
         <p:nvSpPr>
-          <p:cNvPr id="10" name="灯片编号占位符 9"/>
-          <p:cNvSpPr>
-            <a:spLocks noGrp="1"/>
-          </p:cNvSpPr>
-          <p:nvPr>
-            <p:ph type="sldNum" sz="quarter" idx="12"/>
-          </p:nvPr>
-        </p:nvSpPr>
-        <p:spPr/>
-        <p:txBody>
-          <a:bodyPr/>
-          <a:lstStyle/>
-          <a:p>
-            <a:fld id="{6124A530-E518-4923-B2D7-101050581B42}" type="slidenum">
-              <a:rPr lang="zh-CN" altLang="en-US" smtClean="0"/>
-              <a:t>6</a:t>
-            </a:fld>
-            <a:endParaRPr lang="zh-CN" altLang="en-US"/>
+          <p:cNvPr id="12" name="文本框 11"/>
+          <p:cNvSpPr txBox="1"/>
+          <p:nvPr/>
+        </p:nvSpPr>
+        <p:spPr>
+          <a:xfrm>
+            <a:off x="3451453" y="5600870"/>
+            <a:ext cx="1857417" cy="369332"/>
+          </a:xfrm>
+          <a:prstGeom prst="rect">
+            <a:avLst/>
+          </a:prstGeom>
+        </p:spPr>
+        <p:style>
+          <a:lnRef idx="2">
+            <a:schemeClr val="dk1"/>
+          </a:lnRef>
+          <a:fillRef idx="1">
+            <a:schemeClr val="lt1"/>
+          </a:fillRef>
+          <a:effectRef idx="0">
+            <a:schemeClr val="dk1"/>
+          </a:effectRef>
+          <a:fontRef idx="minor">
+            <a:schemeClr val="dk1"/>
+          </a:fontRef>
+        </p:style>
+        <p:txBody>
+          <a:bodyPr wrap="square" rtlCol="0">
+            <a:spAutoFit/>
+          </a:bodyPr>
+          <a:lstStyle/>
+          <a:p>
+            <a:pPr algn="ctr"/>
+            <a:r>
+              <a:rPr lang="en-US" altLang="zh-CN" dirty="0" smtClean="0"/>
+              <a:t>Microphone</a:t>
+            </a:r>
+            <a:endParaRPr lang="zh-CN" altLang="en-US" dirty="0"/>
+          </a:p>
+        </p:txBody>
+      </p:sp>
+      <p:sp>
+        <p:nvSpPr>
+          <p:cNvPr id="13" name="文本框 12"/>
+          <p:cNvSpPr txBox="1"/>
+          <p:nvPr/>
+        </p:nvSpPr>
+        <p:spPr>
+          <a:xfrm>
+            <a:off x="6385374" y="5605167"/>
+            <a:ext cx="2180914" cy="369332"/>
+          </a:xfrm>
+          <a:prstGeom prst="rect">
+            <a:avLst/>
+          </a:prstGeom>
+        </p:spPr>
+        <p:style>
+          <a:lnRef idx="2">
+            <a:schemeClr val="dk1"/>
+          </a:lnRef>
+          <a:fillRef idx="1">
+            <a:schemeClr val="lt1"/>
+          </a:fillRef>
+          <a:effectRef idx="0">
+            <a:schemeClr val="dk1"/>
+          </a:effectRef>
+          <a:fontRef idx="minor">
+            <a:schemeClr val="dk1"/>
+          </a:fontRef>
+        </p:style>
+        <p:txBody>
+          <a:bodyPr wrap="square" rtlCol="0">
+            <a:spAutoFit/>
+          </a:bodyPr>
+          <a:lstStyle/>
+          <a:p>
+            <a:pPr algn="ctr"/>
+            <a:r>
+              <a:rPr lang="en-US" altLang="zh-CN" dirty="0" smtClean="0"/>
+              <a:t>Ultrasound sensor</a:t>
+            </a:r>
+            <a:endParaRPr lang="zh-CN" altLang="en-US" dirty="0"/>
+          </a:p>
+        </p:txBody>
+      </p:sp>
+      <p:sp>
+        <p:nvSpPr>
+          <p:cNvPr id="14" name="文本框 13"/>
+          <p:cNvSpPr txBox="1"/>
+          <p:nvPr/>
+        </p:nvSpPr>
+        <p:spPr>
+          <a:xfrm>
+            <a:off x="7696696" y="3655963"/>
+            <a:ext cx="1521444" cy="369332"/>
+          </a:xfrm>
+          <a:prstGeom prst="rect">
+            <a:avLst/>
+          </a:prstGeom>
+        </p:spPr>
+        <p:style>
+          <a:lnRef idx="2">
+            <a:schemeClr val="dk1"/>
+          </a:lnRef>
+          <a:fillRef idx="1">
+            <a:schemeClr val="lt1"/>
+          </a:fillRef>
+          <a:effectRef idx="0">
+            <a:schemeClr val="dk1"/>
+          </a:effectRef>
+          <a:fontRef idx="minor">
+            <a:schemeClr val="dk1"/>
+          </a:fontRef>
+        </p:style>
+        <p:txBody>
+          <a:bodyPr wrap="square" rtlCol="0">
+            <a:spAutoFit/>
+          </a:bodyPr>
+          <a:lstStyle/>
+          <a:p>
+            <a:pPr algn="ctr"/>
+            <a:r>
+              <a:rPr lang="en-US" altLang="zh-CN" dirty="0" smtClean="0"/>
+              <a:t>Smell sensor</a:t>
+            </a:r>
+            <a:endParaRPr lang="zh-CN" altLang="en-US" dirty="0"/>
+          </a:p>
+        </p:txBody>
+      </p:sp>
+      <p:pic>
+        <p:nvPicPr>
+          <p:cNvPr id="15" name="图片 14"/>
+          <p:cNvPicPr>
+            <a:picLocks noChangeAspect="1"/>
+          </p:cNvPicPr>
+          <p:nvPr/>
+        </p:nvPicPr>
+        <p:blipFill rotWithShape="1">
+          <a:blip r:embed="rId6">
+            <a:extLst>
+              <a:ext uri="{28A0092B-C50C-407E-A947-70E740481C1C}">
+                <a14:useLocalDpi xmlns:a14="http://schemas.microsoft.com/office/drawing/2010/main" val="0"/>
+              </a:ext>
+            </a:extLst>
+          </a:blip>
+          <a:srcRect l="8956" t="21203" r="12786" b="15363"/>
+          <a:stretch/>
+        </p:blipFill>
+        <p:spPr>
+          <a:xfrm>
+            <a:off x="4821237" y="2060903"/>
+            <a:ext cx="1869989" cy="1515763"/>
+          </a:xfrm>
+          <a:prstGeom prst="rect">
+            <a:avLst/>
+          </a:prstGeom>
+        </p:spPr>
+      </p:pic>
+      <p:sp>
+        <p:nvSpPr>
+          <p:cNvPr id="16" name="文本框 15"/>
+          <p:cNvSpPr txBox="1"/>
+          <p:nvPr/>
+        </p:nvSpPr>
+        <p:spPr>
+          <a:xfrm>
+            <a:off x="5120803" y="3655963"/>
+            <a:ext cx="1264571" cy="369332"/>
+          </a:xfrm>
+          <a:prstGeom prst="rect">
+            <a:avLst/>
+          </a:prstGeom>
+        </p:spPr>
+        <p:style>
+          <a:lnRef idx="2">
+            <a:schemeClr val="dk1"/>
+          </a:lnRef>
+          <a:fillRef idx="1">
+            <a:schemeClr val="lt1"/>
+          </a:fillRef>
+          <a:effectRef idx="0">
+            <a:schemeClr val="dk1"/>
+          </a:effectRef>
+          <a:fontRef idx="minor">
+            <a:schemeClr val="dk1"/>
+          </a:fontRef>
+        </p:style>
+        <p:txBody>
+          <a:bodyPr wrap="square" rtlCol="0">
+            <a:spAutoFit/>
+          </a:bodyPr>
+          <a:lstStyle/>
+          <a:p>
+            <a:pPr algn="ctr"/>
+            <a:r>
+              <a:rPr lang="en-US" altLang="zh-CN" dirty="0" smtClean="0"/>
+              <a:t>camera</a:t>
+            </a:r>
+            <a:endParaRPr lang="zh-CN" altLang="en-US" dirty="0"/>
           </a:p>
         </p:txBody>
       </p:sp>
     </p:spTree>
     <p:extLst>
       <p:ext uri="{BB962C8B-B14F-4D97-AF65-F5344CB8AC3E}">
-        <p14:creationId xmlns:p14="http://schemas.microsoft.com/office/powerpoint/2010/main" val="724140301"/>
+        <p14:creationId xmlns:p14="http://schemas.microsoft.com/office/powerpoint/2010/main" val="3819389280"/>
       </p:ext>
     </p:extLst>
   </p:cSld>
@@ -6023,7 +6223,7 @@
           <a:p>
             <a:r>
               <a:rPr lang="en-US" altLang="zh-CN" dirty="0" smtClean="0"/>
-              <a:t>Our drone </a:t>
+              <a:t>Our drone</a:t>
             </a:r>
             <a:endParaRPr lang="zh-CN" altLang="en-US" dirty="0"/>
           </a:p>
@@ -6031,13 +6231,13 @@
       </p:sp>
       <p:sp>
         <p:nvSpPr>
-          <p:cNvPr id="4" name="文本框 3"/>
+          <p:cNvPr id="3" name="文本框 2"/>
           <p:cNvSpPr txBox="1"/>
           <p:nvPr/>
         </p:nvSpPr>
         <p:spPr>
           <a:xfrm>
-            <a:off x="1154946" y="1869990"/>
+            <a:off x="3815767" y="1368028"/>
             <a:ext cx="3795996" cy="369332"/>
           </a:xfrm>
           <a:prstGeom prst="rect">
@@ -6053,7 +6253,11 @@
           <a:p>
             <a:r>
               <a:rPr lang="en-US" altLang="zh-CN" dirty="0"/>
-              <a:t>how maintenance works</a:t>
+              <a:t>how are the sensors </a:t>
+            </a:r>
+            <a:r>
+              <a:rPr lang="en-US" altLang="zh-CN" dirty="0" smtClean="0"/>
+              <a:t>fixed ?</a:t>
             </a:r>
             <a:endParaRPr lang="zh-CN" altLang="en-US" dirty="0"/>
           </a:p>
@@ -6061,7 +6265,37 @@
       </p:sp>
       <p:sp>
         <p:nvSpPr>
-          <p:cNvPr id="5" name="灯片编号占位符 4"/>
+          <p:cNvPr id="5" name="文本框 4"/>
+          <p:cNvSpPr txBox="1"/>
+          <p:nvPr/>
+        </p:nvSpPr>
+        <p:spPr>
+          <a:xfrm>
+            <a:off x="1764632" y="3112168"/>
+            <a:ext cx="8181473" cy="369332"/>
+          </a:xfrm>
+          <a:prstGeom prst="rect">
+            <a:avLst/>
+          </a:prstGeom>
+          <a:noFill/>
+        </p:spPr>
+        <p:txBody>
+          <a:bodyPr wrap="square" rtlCol="0">
+            <a:spAutoFit/>
+          </a:bodyPr>
+          <a:lstStyle/>
+          <a:p>
+            <a:r>
+              <a:rPr lang="en-US" altLang="zh-CN" dirty="0" smtClean="0"/>
+              <a:t>PHOTO DE LA MODELISATION</a:t>
+            </a:r>
+            <a:endParaRPr lang="zh-CN" altLang="en-US" dirty="0"/>
+          </a:p>
+        </p:txBody>
+      </p:sp>
+      <p:sp>
+        <p:nvSpPr>
+          <p:cNvPr id="10" name="灯片编号占位符 9"/>
           <p:cNvSpPr>
             <a:spLocks noGrp="1"/>
           </p:cNvSpPr>
@@ -6082,39 +6316,10 @@
           </a:p>
         </p:txBody>
       </p:sp>
-      <p:pic>
-        <p:nvPicPr>
-          <p:cNvPr id="11" name="图片 10" descr="scenario d'utilisation.pdf - Adobe Acrobat Pro"/>
-          <p:cNvPicPr>
-            <a:picLocks noChangeAspect="1"/>
-          </p:cNvPicPr>
-          <p:nvPr/>
-        </p:nvPicPr>
-        <p:blipFill rotWithShape="1">
-          <a:blip r:embed="rId2">
-            <a:extLst>
-              <a:ext uri="{28A0092B-C50C-407E-A947-70E740481C1C}">
-                <a14:useLocalDpi xmlns:a14="http://schemas.microsoft.com/office/drawing/2010/main" val="0"/>
-              </a:ext>
-            </a:extLst>
-          </a:blip>
-          <a:srcRect l="17327" t="11865" r="15945" b="1039"/>
-          <a:stretch/>
-        </p:blipFill>
-        <p:spPr>
-          <a:xfrm>
-            <a:off x="3753480" y="387180"/>
-            <a:ext cx="8135370" cy="5750012"/>
-          </a:xfrm>
-          <a:prstGeom prst="rect">
-            <a:avLst/>
-          </a:prstGeom>
-        </p:spPr>
-      </p:pic>
     </p:spTree>
     <p:extLst>
       <p:ext uri="{BB962C8B-B14F-4D97-AF65-F5344CB8AC3E}">
-        <p14:creationId xmlns:p14="http://schemas.microsoft.com/office/powerpoint/2010/main" val="2451006197"/>
+        <p14:creationId xmlns:p14="http://schemas.microsoft.com/office/powerpoint/2010/main" val="724140301"/>
       </p:ext>
     </p:extLst>
   </p:cSld>
@@ -6158,6 +6363,153 @@
             <p:ph type="title"/>
           </p:nvPr>
         </p:nvSpPr>
+        <p:spPr>
+          <a:xfrm>
+            <a:off x="1093795" y="280067"/>
+            <a:ext cx="10058400" cy="1450757"/>
+          </a:xfrm>
+        </p:spPr>
+        <p:txBody>
+          <a:bodyPr/>
+          <a:lstStyle/>
+          <a:p>
+            <a:r>
+              <a:rPr lang="en-US" altLang="zh-CN" dirty="0" smtClean="0"/>
+              <a:t>Our drone </a:t>
+            </a:r>
+            <a:endParaRPr lang="zh-CN" altLang="en-US" dirty="0"/>
+          </a:p>
+        </p:txBody>
+      </p:sp>
+      <p:sp>
+        <p:nvSpPr>
+          <p:cNvPr id="4" name="文本框 3"/>
+          <p:cNvSpPr txBox="1"/>
+          <p:nvPr/>
+        </p:nvSpPr>
+        <p:spPr>
+          <a:xfrm>
+            <a:off x="1154946" y="1869990"/>
+            <a:ext cx="3795996" cy="369332"/>
+          </a:xfrm>
+          <a:prstGeom prst="rect">
+            <a:avLst/>
+          </a:prstGeom>
+          <a:noFill/>
+        </p:spPr>
+        <p:txBody>
+          <a:bodyPr wrap="square" rtlCol="0">
+            <a:spAutoFit/>
+          </a:bodyPr>
+          <a:lstStyle/>
+          <a:p>
+            <a:r>
+              <a:rPr lang="en-US" altLang="zh-CN" dirty="0"/>
+              <a:t>how maintenance works</a:t>
+            </a:r>
+            <a:endParaRPr lang="zh-CN" altLang="en-US" dirty="0"/>
+          </a:p>
+        </p:txBody>
+      </p:sp>
+      <p:sp>
+        <p:nvSpPr>
+          <p:cNvPr id="5" name="灯片编号占位符 4"/>
+          <p:cNvSpPr>
+            <a:spLocks noGrp="1"/>
+          </p:cNvSpPr>
+          <p:nvPr>
+            <p:ph type="sldNum" sz="quarter" idx="12"/>
+          </p:nvPr>
+        </p:nvSpPr>
+        <p:spPr/>
+        <p:txBody>
+          <a:bodyPr/>
+          <a:lstStyle/>
+          <a:p>
+            <a:fld id="{6124A530-E518-4923-B2D7-101050581B42}" type="slidenum">
+              <a:rPr lang="zh-CN" altLang="en-US" smtClean="0"/>
+              <a:t>8</a:t>
+            </a:fld>
+            <a:endParaRPr lang="zh-CN" altLang="en-US"/>
+          </a:p>
+        </p:txBody>
+      </p:sp>
+      <p:pic>
+        <p:nvPicPr>
+          <p:cNvPr id="11" name="图片 10" descr="scenario d'utilisation.pdf - Adobe Acrobat Pro"/>
+          <p:cNvPicPr>
+            <a:picLocks noChangeAspect="1"/>
+          </p:cNvPicPr>
+          <p:nvPr/>
+        </p:nvPicPr>
+        <p:blipFill rotWithShape="1">
+          <a:blip r:embed="rId2">
+            <a:extLst>
+              <a:ext uri="{28A0092B-C50C-407E-A947-70E740481C1C}">
+                <a14:useLocalDpi xmlns:a14="http://schemas.microsoft.com/office/drawing/2010/main" val="0"/>
+              </a:ext>
+            </a:extLst>
+          </a:blip>
+          <a:srcRect l="17327" t="11865" r="15945" b="1039"/>
+          <a:stretch/>
+        </p:blipFill>
+        <p:spPr>
+          <a:xfrm>
+            <a:off x="3753480" y="387180"/>
+            <a:ext cx="8135370" cy="5750012"/>
+          </a:xfrm>
+          <a:prstGeom prst="rect">
+            <a:avLst/>
+          </a:prstGeom>
+        </p:spPr>
+      </p:pic>
+    </p:spTree>
+    <p:extLst>
+      <p:ext uri="{BB962C8B-B14F-4D97-AF65-F5344CB8AC3E}">
+        <p14:creationId xmlns:p14="http://schemas.microsoft.com/office/powerpoint/2010/main" val="2451006197"/>
+      </p:ext>
+    </p:extLst>
+  </p:cSld>
+  <p:clrMapOvr>
+    <a:masterClrMapping/>
+  </p:clrMapOvr>
+  <p:timing>
+    <p:tnLst>
+      <p:par>
+        <p:cTn id="1" dur="indefinite" restart="never" nodeType="tmRoot"/>
+      </p:par>
+    </p:tnLst>
+  </p:timing>
+</p:sld>
+</file>
+
+<file path=ppt/slides/slide9.xml><?xml version="1.0" encoding="utf-8"?>
+<p:sld xmlns:a="http://schemas.openxmlformats.org/drawingml/2006/main" xmlns:r="http://schemas.openxmlformats.org/officeDocument/2006/relationships" xmlns:p="http://schemas.openxmlformats.org/presentationml/2006/main">
+  <p:cSld>
+    <p:spTree>
+      <p:nvGrpSpPr>
+        <p:cNvPr id="1" name=""/>
+        <p:cNvGrpSpPr/>
+        <p:nvPr/>
+      </p:nvGrpSpPr>
+      <p:grpSpPr>
+        <a:xfrm>
+          <a:off x="0" y="0"/>
+          <a:ext cx="0" cy="0"/>
+          <a:chOff x="0" y="0"/>
+          <a:chExt cx="0" cy="0"/>
+        </a:xfrm>
+      </p:grpSpPr>
+      <p:sp>
+        <p:nvSpPr>
+          <p:cNvPr id="2" name="标题 1"/>
+          <p:cNvSpPr>
+            <a:spLocks noGrp="1"/>
+          </p:cNvSpPr>
+          <p:nvPr>
+            <p:ph type="title"/>
+          </p:nvPr>
+        </p:nvSpPr>
         <p:spPr/>
         <p:txBody>
           <a:bodyPr/>
@@ -6225,7 +6577,7 @@
           <a:p>
             <a:fld id="{6124A530-E518-4923-B2D7-101050581B42}" type="slidenum">
               <a:rPr lang="zh-CN" altLang="en-US" smtClean="0"/>
-              <a:t>8</a:t>
+              <a:t>9</a:t>
             </a:fld>
             <a:endParaRPr lang="zh-CN" altLang="en-US"/>
           </a:p>
